--- a/스프링 게시판 만들기_240821.pptx
+++ b/스프링 게시판 만들기_240821.pptx
@@ -7,15 +7,22 @@
   <p:sldIdLst>
     <p:sldId id="256" r:id="rId2"/>
     <p:sldId id="258" r:id="rId3"/>
-    <p:sldId id="257" r:id="rId4"/>
-    <p:sldId id="259" r:id="rId5"/>
-    <p:sldId id="260" r:id="rId6"/>
-    <p:sldId id="261" r:id="rId7"/>
-    <p:sldId id="262" r:id="rId8"/>
-    <p:sldId id="263" r:id="rId9"/>
-    <p:sldId id="264" r:id="rId10"/>
-    <p:sldId id="265" r:id="rId11"/>
-    <p:sldId id="266" r:id="rId12"/>
+    <p:sldId id="271" r:id="rId4"/>
+    <p:sldId id="270" r:id="rId5"/>
+    <p:sldId id="272" r:id="rId6"/>
+    <p:sldId id="273" r:id="rId7"/>
+    <p:sldId id="257" r:id="rId8"/>
+    <p:sldId id="259" r:id="rId9"/>
+    <p:sldId id="260" r:id="rId10"/>
+    <p:sldId id="261" r:id="rId11"/>
+    <p:sldId id="262" r:id="rId12"/>
+    <p:sldId id="263" r:id="rId13"/>
+    <p:sldId id="264" r:id="rId14"/>
+    <p:sldId id="265" r:id="rId15"/>
+    <p:sldId id="266" r:id="rId16"/>
+    <p:sldId id="267" r:id="rId17"/>
+    <p:sldId id="268" r:id="rId18"/>
+    <p:sldId id="269" r:id="rId19"/>
   </p:sldIdLst>
   <p:sldSz cx="12192000" cy="6858000"/>
   <p:notesSz cx="6858000" cy="9144000"/>
@@ -114,6 +121,11 @@
       </a:defRPr>
     </a:lvl9pPr>
   </p:defaultTextStyle>
+  <p:extLst>
+    <p:ext uri="{EFAFB233-063F-42B5-8137-9DF3F51BA10A}">
+      <p15:sldGuideLst xmlns:p15="http://schemas.microsoft.com/office/powerpoint/2012/main"/>
+    </p:ext>
+  </p:extLst>
 </p:presentation>
 </file>
 
@@ -264,7 +276,7 @@
           <a:p>
             <a:fld id="{4582DACC-FE41-42F3-A674-873438D40111}" type="datetimeFigureOut">
               <a:rPr lang="ko-KR" altLang="en-US" smtClean="0"/>
-              <a:t>2024-08-21</a:t>
+              <a:t>2024-08-22</a:t>
             </a:fld>
             <a:endParaRPr lang="ko-KR" altLang="en-US"/>
           </a:p>
@@ -462,7 +474,7 @@
           <a:p>
             <a:fld id="{4582DACC-FE41-42F3-A674-873438D40111}" type="datetimeFigureOut">
               <a:rPr lang="ko-KR" altLang="en-US" smtClean="0"/>
-              <a:t>2024-08-21</a:t>
+              <a:t>2024-08-22</a:t>
             </a:fld>
             <a:endParaRPr lang="ko-KR" altLang="en-US"/>
           </a:p>
@@ -670,7 +682,7 @@
           <a:p>
             <a:fld id="{4582DACC-FE41-42F3-A674-873438D40111}" type="datetimeFigureOut">
               <a:rPr lang="ko-KR" altLang="en-US" smtClean="0"/>
-              <a:t>2024-08-21</a:t>
+              <a:t>2024-08-22</a:t>
             </a:fld>
             <a:endParaRPr lang="ko-KR" altLang="en-US"/>
           </a:p>
@@ -868,7 +880,7 @@
           <a:p>
             <a:fld id="{4582DACC-FE41-42F3-A674-873438D40111}" type="datetimeFigureOut">
               <a:rPr lang="ko-KR" altLang="en-US" smtClean="0"/>
-              <a:t>2024-08-21</a:t>
+              <a:t>2024-08-22</a:t>
             </a:fld>
             <a:endParaRPr lang="ko-KR" altLang="en-US"/>
           </a:p>
@@ -1143,7 +1155,7 @@
           <a:p>
             <a:fld id="{4582DACC-FE41-42F3-A674-873438D40111}" type="datetimeFigureOut">
               <a:rPr lang="ko-KR" altLang="en-US" smtClean="0"/>
-              <a:t>2024-08-21</a:t>
+              <a:t>2024-08-22</a:t>
             </a:fld>
             <a:endParaRPr lang="ko-KR" altLang="en-US"/>
           </a:p>
@@ -1408,7 +1420,7 @@
           <a:p>
             <a:fld id="{4582DACC-FE41-42F3-A674-873438D40111}" type="datetimeFigureOut">
               <a:rPr lang="ko-KR" altLang="en-US" smtClean="0"/>
-              <a:t>2024-08-21</a:t>
+              <a:t>2024-08-22</a:t>
             </a:fld>
             <a:endParaRPr lang="ko-KR" altLang="en-US"/>
           </a:p>
@@ -1820,7 +1832,7 @@
           <a:p>
             <a:fld id="{4582DACC-FE41-42F3-A674-873438D40111}" type="datetimeFigureOut">
               <a:rPr lang="ko-KR" altLang="en-US" smtClean="0"/>
-              <a:t>2024-08-21</a:t>
+              <a:t>2024-08-22</a:t>
             </a:fld>
             <a:endParaRPr lang="ko-KR" altLang="en-US"/>
           </a:p>
@@ -1961,7 +1973,7 @@
           <a:p>
             <a:fld id="{4582DACC-FE41-42F3-A674-873438D40111}" type="datetimeFigureOut">
               <a:rPr lang="ko-KR" altLang="en-US" smtClean="0"/>
-              <a:t>2024-08-21</a:t>
+              <a:t>2024-08-22</a:t>
             </a:fld>
             <a:endParaRPr lang="ko-KR" altLang="en-US"/>
           </a:p>
@@ -2074,7 +2086,7 @@
           <a:p>
             <a:fld id="{4582DACC-FE41-42F3-A674-873438D40111}" type="datetimeFigureOut">
               <a:rPr lang="ko-KR" altLang="en-US" smtClean="0"/>
-              <a:t>2024-08-21</a:t>
+              <a:t>2024-08-22</a:t>
             </a:fld>
             <a:endParaRPr lang="ko-KR" altLang="en-US"/>
           </a:p>
@@ -2385,7 +2397,7 @@
           <a:p>
             <a:fld id="{4582DACC-FE41-42F3-A674-873438D40111}" type="datetimeFigureOut">
               <a:rPr lang="ko-KR" altLang="en-US" smtClean="0"/>
-              <a:t>2024-08-21</a:t>
+              <a:t>2024-08-22</a:t>
             </a:fld>
             <a:endParaRPr lang="ko-KR" altLang="en-US"/>
           </a:p>
@@ -2673,7 +2685,7 @@
           <a:p>
             <a:fld id="{4582DACC-FE41-42F3-A674-873438D40111}" type="datetimeFigureOut">
               <a:rPr lang="ko-KR" altLang="en-US" smtClean="0"/>
-              <a:t>2024-08-21</a:t>
+              <a:t>2024-08-22</a:t>
             </a:fld>
             <a:endParaRPr lang="ko-KR" altLang="en-US"/>
           </a:p>
@@ -2914,7 +2926,7 @@
           <a:p>
             <a:fld id="{4582DACC-FE41-42F3-A674-873438D40111}" type="datetimeFigureOut">
               <a:rPr lang="ko-KR" altLang="en-US" smtClean="0"/>
-              <a:t>2024-08-21</a:t>
+              <a:t>2024-08-22</a:t>
             </a:fld>
             <a:endParaRPr lang="ko-KR" altLang="en-US"/>
           </a:p>
@@ -3419,6 +3431,1350 @@
           <p:cNvPr id="2" name="제목 1">
             <a:extLst>
               <a:ext uri="{FF2B5EF4-FFF2-40B4-BE49-F238E27FC236}">
+                <a16:creationId xmlns:a16="http://schemas.microsoft.com/office/drawing/2014/main" id="{DE5DE670-98EC-CC4A-377A-0AB9C1ED6038}"/>
+              </a:ext>
+            </a:extLst>
+          </p:cNvPr>
+          <p:cNvSpPr>
+            <a:spLocks noGrp="1"/>
+          </p:cNvSpPr>
+          <p:nvPr>
+            <p:ph type="title"/>
+          </p:nvPr>
+        </p:nvSpPr>
+        <p:spPr/>
+        <p:txBody>
+          <a:bodyPr/>
+          <a:lstStyle/>
+          <a:p>
+            <a:endParaRPr lang="ko-KR" altLang="en-US" sz="2000" dirty="0"/>
+          </a:p>
+        </p:txBody>
+      </p:sp>
+      <p:sp>
+        <p:nvSpPr>
+          <p:cNvPr id="3" name="내용 개체 틀 2">
+            <a:extLst>
+              <a:ext uri="{FF2B5EF4-FFF2-40B4-BE49-F238E27FC236}">
+                <a16:creationId xmlns:a16="http://schemas.microsoft.com/office/drawing/2014/main" id="{6FEF0C43-18B5-3984-DEAC-3F521D400C15}"/>
+              </a:ext>
+            </a:extLst>
+          </p:cNvPr>
+          <p:cNvSpPr>
+            <a:spLocks noGrp="1"/>
+          </p:cNvSpPr>
+          <p:nvPr>
+            <p:ph idx="1"/>
+          </p:nvPr>
+        </p:nvSpPr>
+        <p:spPr>
+          <a:xfrm>
+            <a:off x="3990974" y="1825625"/>
+            <a:ext cx="7362825" cy="4351338"/>
+          </a:xfrm>
+        </p:spPr>
+        <p:txBody>
+          <a:bodyPr>
+            <a:normAutofit/>
+          </a:bodyPr>
+          <a:lstStyle/>
+          <a:p>
+            <a:r>
+              <a:rPr lang="ko-KR" altLang="en-US" sz="1500" dirty="0"/>
+              <a:t>앞서 비밀번호 변경 실패 시</a:t>
+            </a:r>
+            <a:r>
+              <a:rPr lang="en-US" altLang="ko-KR" sz="1500" dirty="0"/>
+              <a:t>, </a:t>
+            </a:r>
+            <a:r>
+              <a:rPr lang="en-US" altLang="ko-KR" sz="1500" dirty="0" err="1"/>
+              <a:t>changePassword.jsp</a:t>
+            </a:r>
+            <a:r>
+              <a:rPr lang="ko-KR" altLang="en-US" sz="1500" dirty="0"/>
+              <a:t>가 사용자에게 보여지게 되고</a:t>
+            </a:r>
+            <a:r>
+              <a:rPr lang="en-US" altLang="ko-KR" sz="1500" dirty="0"/>
+              <a:t>, request scope</a:t>
+            </a:r>
+            <a:r>
+              <a:rPr lang="ko-KR" altLang="en-US" sz="1500" dirty="0"/>
+              <a:t>내에서 사용되는 </a:t>
+            </a:r>
+            <a:r>
+              <a:rPr lang="en-US" altLang="ko-KR" sz="1500" dirty="0"/>
+              <a:t>Model</a:t>
+            </a:r>
+            <a:r>
+              <a:rPr lang="ko-KR" altLang="en-US" sz="1500" dirty="0"/>
+              <a:t> 객체에 저장된 </a:t>
+            </a:r>
+            <a:r>
+              <a:rPr lang="en-US" altLang="ko-KR" sz="1500" dirty="0"/>
+              <a:t>key: error</a:t>
+            </a:r>
+            <a:r>
+              <a:rPr lang="ko-KR" altLang="en-US" sz="1500" dirty="0"/>
+              <a:t>의 </a:t>
+            </a:r>
+            <a:r>
+              <a:rPr lang="en-US" altLang="ko-KR" sz="1500" dirty="0"/>
+              <a:t>attribute</a:t>
+            </a:r>
+            <a:r>
+              <a:rPr lang="ko-KR" altLang="en-US" sz="1500" dirty="0"/>
+              <a:t>가 있는지 확인하고</a:t>
+            </a:r>
+            <a:r>
+              <a:rPr lang="en-US" altLang="ko-KR" sz="1500" dirty="0"/>
+              <a:t>, </a:t>
+            </a:r>
+            <a:r>
+              <a:rPr lang="ko-KR" altLang="en-US" sz="1500" dirty="0"/>
+              <a:t>있으면 </a:t>
+            </a:r>
+            <a:r>
+              <a:rPr lang="en-US" altLang="ko-KR" sz="1500" dirty="0"/>
+              <a:t>key error</a:t>
+            </a:r>
+            <a:r>
+              <a:rPr lang="ko-KR" altLang="en-US" sz="1500" dirty="0"/>
+              <a:t>의 </a:t>
+            </a:r>
+            <a:r>
+              <a:rPr lang="en-US" altLang="ko-KR" sz="1500" dirty="0"/>
+              <a:t>value</a:t>
+            </a:r>
+            <a:r>
+              <a:rPr lang="ko-KR" altLang="en-US" sz="1500" dirty="0"/>
+              <a:t>를 출력한다</a:t>
+            </a:r>
+            <a:r>
+              <a:rPr lang="en-US" altLang="ko-KR" sz="1500" dirty="0"/>
+              <a:t>. </a:t>
+            </a:r>
+            <a:r>
+              <a:rPr lang="ko-KR" altLang="en-US" sz="1500" dirty="0"/>
+              <a:t>해당</a:t>
+            </a:r>
+            <a:r>
+              <a:rPr lang="en-US" altLang="ko-KR" sz="1500" dirty="0"/>
+              <a:t> </a:t>
+            </a:r>
+            <a:r>
+              <a:rPr lang="ko-KR" altLang="en-US" sz="1500" dirty="0"/>
+              <a:t>코드에서는 </a:t>
+            </a:r>
+            <a:r>
+              <a:rPr lang="en-US" altLang="ko-KR" sz="1500" dirty="0"/>
+              <a:t>JSTL </a:t>
+            </a:r>
+            <a:r>
+              <a:rPr lang="ko-KR" altLang="en-US" sz="1500" dirty="0"/>
+              <a:t>문법이 사용되어 졌다</a:t>
+            </a:r>
+            <a:r>
+              <a:rPr lang="en-US" altLang="ko-KR" sz="1500" dirty="0"/>
+              <a:t>.</a:t>
+            </a:r>
+          </a:p>
+          <a:p>
+            <a:endParaRPr lang="ko-KR" altLang="en-US" sz="1500" dirty="0"/>
+          </a:p>
+        </p:txBody>
+      </p:sp>
+      <p:pic>
+        <p:nvPicPr>
+          <p:cNvPr id="5" name="그림 4">
+            <a:extLst>
+              <a:ext uri="{FF2B5EF4-FFF2-40B4-BE49-F238E27FC236}">
+                <a16:creationId xmlns:a16="http://schemas.microsoft.com/office/drawing/2014/main" id="{55A7A573-8F13-81DF-3AF8-57CBB3D6A431}"/>
+              </a:ext>
+            </a:extLst>
+          </p:cNvPr>
+          <p:cNvPicPr>
+            <a:picLocks noChangeAspect="1"/>
+          </p:cNvPicPr>
+          <p:nvPr/>
+        </p:nvPicPr>
+        <p:blipFill>
+          <a:blip r:embed="rId2"/>
+          <a:stretch>
+            <a:fillRect/>
+          </a:stretch>
+        </p:blipFill>
+        <p:spPr>
+          <a:xfrm>
+            <a:off x="237339" y="1825625"/>
+            <a:ext cx="3829050" cy="590550"/>
+          </a:xfrm>
+          <a:prstGeom prst="rect">
+            <a:avLst/>
+          </a:prstGeom>
+        </p:spPr>
+      </p:pic>
+    </p:spTree>
+    <p:extLst>
+      <p:ext uri="{BB962C8B-B14F-4D97-AF65-F5344CB8AC3E}">
+        <p14:creationId xmlns:p14="http://schemas.microsoft.com/office/powerpoint/2010/main" val="1750921117"/>
+      </p:ext>
+    </p:extLst>
+  </p:cSld>
+  <p:clrMapOvr>
+    <a:masterClrMapping/>
+  </p:clrMapOvr>
+</p:sld>
+</file>
+
+<file path=ppt/slides/slide11.xml><?xml version="1.0" encoding="utf-8"?>
+<p:sld xmlns:a="http://schemas.openxmlformats.org/drawingml/2006/main" xmlns:r="http://schemas.openxmlformats.org/officeDocument/2006/relationships" xmlns:p="http://schemas.openxmlformats.org/presentationml/2006/main">
+  <p:cSld>
+    <p:spTree>
+      <p:nvGrpSpPr>
+        <p:cNvPr id="1" name=""/>
+        <p:cNvGrpSpPr/>
+        <p:nvPr/>
+      </p:nvGrpSpPr>
+      <p:grpSpPr>
+        <a:xfrm>
+          <a:off x="0" y="0"/>
+          <a:ext cx="0" cy="0"/>
+          <a:chOff x="0" y="0"/>
+          <a:chExt cx="0" cy="0"/>
+        </a:xfrm>
+      </p:grpSpPr>
+      <p:sp>
+        <p:nvSpPr>
+          <p:cNvPr id="2" name="제목 1">
+            <a:extLst>
+              <a:ext uri="{FF2B5EF4-FFF2-40B4-BE49-F238E27FC236}">
+                <a16:creationId xmlns:a16="http://schemas.microsoft.com/office/drawing/2014/main" id="{D8E95061-9728-1973-4037-937FEC386AA1}"/>
+              </a:ext>
+            </a:extLst>
+          </p:cNvPr>
+          <p:cNvSpPr>
+            <a:spLocks noGrp="1"/>
+          </p:cNvSpPr>
+          <p:nvPr>
+            <p:ph type="title"/>
+          </p:nvPr>
+        </p:nvSpPr>
+        <p:spPr/>
+        <p:txBody>
+          <a:bodyPr>
+            <a:normAutofit/>
+          </a:bodyPr>
+          <a:lstStyle/>
+          <a:p>
+            <a:r>
+              <a:rPr lang="en-US" altLang="ko-KR" sz="3000" dirty="0"/>
+              <a:t>VIEW</a:t>
+            </a:r>
+            <a:r>
+              <a:rPr lang="en-US" altLang="ko-KR" sz="2000" dirty="0"/>
+              <a:t>(</a:t>
+            </a:r>
+            <a:r>
+              <a:rPr lang="en-US" altLang="ko-KR" sz="2000" dirty="0" err="1"/>
+              <a:t>commentForm.jsp</a:t>
+            </a:r>
+            <a:r>
+              <a:rPr lang="en-US" altLang="ko-KR" sz="2000" dirty="0"/>
+              <a:t>)</a:t>
+            </a:r>
+            <a:endParaRPr lang="ko-KR" altLang="en-US" sz="2000" dirty="0"/>
+          </a:p>
+        </p:txBody>
+      </p:sp>
+      <p:sp>
+        <p:nvSpPr>
+          <p:cNvPr id="3" name="내용 개체 틀 2">
+            <a:extLst>
+              <a:ext uri="{FF2B5EF4-FFF2-40B4-BE49-F238E27FC236}">
+                <a16:creationId xmlns:a16="http://schemas.microsoft.com/office/drawing/2014/main" id="{17764B07-571D-D2CA-7FFB-47E26782EC5A}"/>
+              </a:ext>
+            </a:extLst>
+          </p:cNvPr>
+          <p:cNvSpPr>
+            <a:spLocks noGrp="1"/>
+          </p:cNvSpPr>
+          <p:nvPr>
+            <p:ph idx="1"/>
+          </p:nvPr>
+        </p:nvSpPr>
+        <p:spPr>
+          <a:xfrm>
+            <a:off x="838200" y="3992563"/>
+            <a:ext cx="10515600" cy="2184399"/>
+          </a:xfrm>
+        </p:spPr>
+        <p:txBody>
+          <a:bodyPr>
+            <a:normAutofit/>
+          </a:bodyPr>
+          <a:lstStyle/>
+          <a:p>
+            <a:r>
+              <a:rPr lang="en-US" altLang="ko-KR" sz="1500" dirty="0"/>
+              <a:t>Spring</a:t>
+            </a:r>
+            <a:r>
+              <a:rPr lang="ko-KR" altLang="en-US" sz="1500" dirty="0"/>
+              <a:t>의 </a:t>
+            </a:r>
+            <a:r>
+              <a:rPr lang="en-US" altLang="ko-KR" sz="1500" dirty="0"/>
+              <a:t>Form Tag Library</a:t>
+            </a:r>
+            <a:r>
+              <a:rPr lang="ko-KR" altLang="en-US" sz="1500" dirty="0"/>
+              <a:t>를 이용</a:t>
+            </a:r>
+            <a:r>
+              <a:rPr lang="en-US" altLang="ko-KR" sz="1500" dirty="0"/>
+              <a:t>. </a:t>
+            </a:r>
+            <a:r>
+              <a:rPr lang="en-US" altLang="ko-KR" sz="1500" dirty="0" err="1"/>
+              <a:t>commentForm.jsp</a:t>
+            </a:r>
+            <a:r>
+              <a:rPr lang="ko-KR" altLang="en-US" sz="1500" dirty="0"/>
+              <a:t>를 호출한 메소드에서 </a:t>
+            </a:r>
+            <a:r>
+              <a:rPr lang="en-US" altLang="ko-KR" sz="1500" dirty="0" err="1"/>
+              <a:t>requestScope</a:t>
+            </a:r>
+            <a:r>
+              <a:rPr lang="ko-KR" altLang="en-US" sz="1500" dirty="0"/>
+              <a:t>의 </a:t>
+            </a:r>
+            <a:r>
+              <a:rPr lang="en-US" altLang="ko-KR" sz="1500" dirty="0"/>
+              <a:t>model</a:t>
+            </a:r>
+            <a:r>
+              <a:rPr lang="ko-KR" altLang="en-US" sz="1500" dirty="0"/>
+              <a:t>에 등록한 </a:t>
+            </a:r>
+            <a:r>
+              <a:rPr lang="en-US" altLang="ko-KR" sz="1500" dirty="0"/>
+              <a:t>key comment</a:t>
+            </a:r>
+            <a:r>
+              <a:rPr lang="ko-KR" altLang="en-US" sz="1500" dirty="0"/>
+              <a:t>의 </a:t>
+            </a:r>
+            <a:r>
+              <a:rPr lang="en-US" altLang="ko-KR" sz="1500" dirty="0"/>
+              <a:t>property</a:t>
+            </a:r>
+            <a:r>
+              <a:rPr lang="ko-KR" altLang="en-US" sz="1500" dirty="0"/>
+              <a:t>를 </a:t>
+            </a:r>
+            <a:r>
+              <a:rPr lang="en-US" altLang="ko-KR" sz="1500" dirty="0"/>
+              <a:t>post request</a:t>
+            </a:r>
+            <a:r>
+              <a:rPr lang="ko-KR" altLang="en-US" sz="1500" dirty="0"/>
+              <a:t>의 </a:t>
+            </a:r>
+            <a:r>
+              <a:rPr lang="en-US" altLang="ko-KR" sz="1500" dirty="0"/>
+              <a:t>request body</a:t>
+            </a:r>
+            <a:r>
+              <a:rPr lang="ko-KR" altLang="en-US" sz="1500" dirty="0"/>
+              <a:t>에 </a:t>
+            </a:r>
+            <a:r>
+              <a:rPr lang="en-US" altLang="ko-KR" sz="1500" dirty="0"/>
+              <a:t>key value</a:t>
+            </a:r>
+            <a:r>
+              <a:rPr lang="ko-KR" altLang="en-US" sz="1500" dirty="0"/>
+              <a:t>형태로 저장</a:t>
+            </a:r>
+            <a:r>
+              <a:rPr lang="en-US" altLang="ko-KR" sz="1500" dirty="0"/>
+              <a:t>.</a:t>
+            </a:r>
+          </a:p>
+          <a:p>
+            <a:r>
+              <a:rPr lang="en-US" altLang="ko-KR" sz="1500" dirty="0"/>
+              <a:t>Hidden</a:t>
+            </a:r>
+            <a:r>
+              <a:rPr lang="ko-KR" altLang="en-US" sz="1500" dirty="0"/>
+              <a:t> 필드는 사용자에게는 보여지지 않지만</a:t>
+            </a:r>
+            <a:r>
+              <a:rPr lang="en-US" altLang="ko-KR" sz="1500" dirty="0"/>
+              <a:t>, </a:t>
+            </a:r>
+            <a:r>
+              <a:rPr lang="ko-KR" altLang="en-US" sz="1500" dirty="0"/>
+              <a:t>해당 </a:t>
+            </a:r>
+            <a:r>
+              <a:rPr lang="en-US" altLang="ko-KR" sz="1500" dirty="0"/>
+              <a:t>post </a:t>
+            </a:r>
+            <a:r>
+              <a:rPr lang="ko-KR" altLang="en-US" sz="1500" dirty="0"/>
+              <a:t>요청 시</a:t>
+            </a:r>
+            <a:r>
+              <a:rPr lang="en-US" altLang="ko-KR" sz="1500" dirty="0"/>
+              <a:t>, request body</a:t>
+            </a:r>
+            <a:r>
+              <a:rPr lang="ko-KR" altLang="en-US" sz="1500" dirty="0"/>
+              <a:t>에 </a:t>
+            </a:r>
+            <a:r>
+              <a:rPr lang="en-US" altLang="ko-KR" sz="1500" dirty="0"/>
+              <a:t>key value</a:t>
+            </a:r>
+            <a:r>
+              <a:rPr lang="ko-KR" altLang="en-US" sz="1500" dirty="0"/>
+              <a:t>형태로 </a:t>
+            </a:r>
+            <a:r>
+              <a:rPr lang="ko-KR" altLang="en-US" sz="1500" dirty="0" err="1"/>
+              <a:t>저장되서</a:t>
+            </a:r>
+            <a:r>
+              <a:rPr lang="ko-KR" altLang="en-US" sz="1500" dirty="0"/>
+              <a:t> 컨트롤러로 보내지게 된다</a:t>
+            </a:r>
+            <a:r>
+              <a:rPr lang="en-US" altLang="ko-KR" sz="1500" dirty="0"/>
+              <a:t>.</a:t>
+            </a:r>
+          </a:p>
+          <a:p>
+            <a:r>
+              <a:rPr lang="ko-KR" altLang="en-US" sz="1500" dirty="0"/>
+              <a:t>받은 </a:t>
+            </a:r>
+            <a:r>
+              <a:rPr lang="en-US" altLang="ko-KR" sz="1500" dirty="0"/>
+              <a:t>comment</a:t>
+            </a:r>
+            <a:r>
+              <a:rPr lang="ko-KR" altLang="en-US" sz="1500" dirty="0"/>
+              <a:t>객체의 </a:t>
+            </a:r>
+            <a:r>
+              <a:rPr lang="en-US" altLang="ko-KR" sz="1500" dirty="0"/>
+              <a:t>content property</a:t>
+            </a:r>
+            <a:r>
+              <a:rPr lang="ko-KR" altLang="en-US" sz="1500" dirty="0"/>
+              <a:t>로 채워진 내용 입력란이 있고</a:t>
+            </a:r>
+            <a:r>
+              <a:rPr lang="en-US" altLang="ko-KR" sz="1500" dirty="0"/>
+              <a:t>, </a:t>
+            </a:r>
+            <a:r>
+              <a:rPr lang="ko-KR" altLang="en-US" sz="1500" dirty="0"/>
+              <a:t>수정할 내용 입력 후 수정 버튼을 누르면</a:t>
+            </a:r>
+            <a:r>
+              <a:rPr lang="en-US" altLang="ko-KR" sz="1500" dirty="0"/>
+              <a:t>, </a:t>
+            </a:r>
+            <a:r>
+              <a:rPr lang="ko-KR" altLang="en-US" sz="1500" dirty="0"/>
+              <a:t>원래 값을 그대로 가진 </a:t>
+            </a:r>
+            <a:r>
+              <a:rPr lang="en-US" altLang="ko-KR" sz="1500" dirty="0" err="1"/>
+              <a:t>commentId</a:t>
+            </a:r>
+            <a:r>
+              <a:rPr lang="en-US" altLang="ko-KR" sz="1500" dirty="0"/>
+              <a:t>, </a:t>
+            </a:r>
+            <a:r>
+              <a:rPr lang="en-US" altLang="ko-KR" sz="1500" dirty="0" err="1"/>
+              <a:t>postId</a:t>
+            </a:r>
+            <a:r>
+              <a:rPr lang="en-US" altLang="ko-KR" sz="1500" dirty="0"/>
+              <a:t>, author, </a:t>
+            </a:r>
+            <a:r>
+              <a:rPr lang="ko-KR" altLang="en-US" sz="1500" dirty="0"/>
+              <a:t>그리고 새로운 값을 </a:t>
+            </a:r>
+            <a:r>
+              <a:rPr lang="en-US" altLang="ko-KR" sz="1500" dirty="0"/>
+              <a:t>value</a:t>
+            </a:r>
+            <a:r>
+              <a:rPr lang="ko-KR" altLang="en-US" sz="1500" dirty="0"/>
+              <a:t>로 가지는 </a:t>
+            </a:r>
+            <a:r>
+              <a:rPr lang="en-US" altLang="ko-KR" sz="1500" dirty="0"/>
+              <a:t>content</a:t>
+            </a:r>
+            <a:r>
+              <a:rPr lang="ko-KR" altLang="en-US" sz="1500" dirty="0"/>
+              <a:t>가 </a:t>
+            </a:r>
+            <a:r>
+              <a:rPr lang="en-US" altLang="ko-KR" sz="1500" dirty="0"/>
+              <a:t>key, value </a:t>
+            </a:r>
+            <a:r>
+              <a:rPr lang="ko-KR" altLang="en-US" sz="1500" dirty="0"/>
+              <a:t>형태로 </a:t>
+            </a:r>
+            <a:r>
+              <a:rPr lang="en-US" altLang="ko-KR" sz="1500" dirty="0"/>
+              <a:t>request body</a:t>
+            </a:r>
+            <a:r>
+              <a:rPr lang="ko-KR" altLang="en-US" sz="1500" dirty="0"/>
+              <a:t>에 </a:t>
+            </a:r>
+            <a:r>
+              <a:rPr lang="ko-KR" altLang="en-US" sz="1500" dirty="0" err="1"/>
+              <a:t>저장되서</a:t>
+            </a:r>
+            <a:r>
+              <a:rPr lang="en-US" altLang="ko-KR" sz="1500" dirty="0"/>
+              <a:t>, </a:t>
+            </a:r>
+            <a:r>
+              <a:rPr lang="ko-KR" altLang="en-US" sz="1500" dirty="0"/>
+              <a:t>해당 </a:t>
+            </a:r>
+            <a:r>
+              <a:rPr lang="en-US" altLang="ko-KR" sz="1500" dirty="0" err="1"/>
+              <a:t>url</a:t>
+            </a:r>
+            <a:r>
+              <a:rPr lang="ko-KR" altLang="en-US" sz="1500" dirty="0"/>
+              <a:t>로 보내진다</a:t>
+            </a:r>
+            <a:r>
+              <a:rPr lang="en-US" altLang="ko-KR" sz="1500" dirty="0"/>
+              <a:t>.</a:t>
+            </a:r>
+            <a:endParaRPr lang="ko-KR" altLang="en-US" sz="1500" dirty="0"/>
+          </a:p>
+        </p:txBody>
+      </p:sp>
+      <p:pic>
+        <p:nvPicPr>
+          <p:cNvPr id="5" name="그림 4">
+            <a:extLst>
+              <a:ext uri="{FF2B5EF4-FFF2-40B4-BE49-F238E27FC236}">
+                <a16:creationId xmlns:a16="http://schemas.microsoft.com/office/drawing/2014/main" id="{C1F72199-F9E3-B2A7-0173-61C3A8090F16}"/>
+              </a:ext>
+            </a:extLst>
+          </p:cNvPr>
+          <p:cNvPicPr>
+            <a:picLocks noChangeAspect="1"/>
+          </p:cNvPicPr>
+          <p:nvPr/>
+        </p:nvPicPr>
+        <p:blipFill>
+          <a:blip r:embed="rId2"/>
+          <a:stretch>
+            <a:fillRect/>
+          </a:stretch>
+        </p:blipFill>
+        <p:spPr>
+          <a:xfrm>
+            <a:off x="309854" y="1244737"/>
+            <a:ext cx="11572292" cy="2621986"/>
+          </a:xfrm>
+          <a:prstGeom prst="rect">
+            <a:avLst/>
+          </a:prstGeom>
+        </p:spPr>
+      </p:pic>
+    </p:spTree>
+    <p:extLst>
+      <p:ext uri="{BB962C8B-B14F-4D97-AF65-F5344CB8AC3E}">
+        <p14:creationId xmlns:p14="http://schemas.microsoft.com/office/powerpoint/2010/main" val="3449772088"/>
+      </p:ext>
+    </p:extLst>
+  </p:cSld>
+  <p:clrMapOvr>
+    <a:masterClrMapping/>
+  </p:clrMapOvr>
+</p:sld>
+</file>
+
+<file path=ppt/slides/slide12.xml><?xml version="1.0" encoding="utf-8"?>
+<p:sld xmlns:a="http://schemas.openxmlformats.org/drawingml/2006/main" xmlns:r="http://schemas.openxmlformats.org/officeDocument/2006/relationships" xmlns:p="http://schemas.openxmlformats.org/presentationml/2006/main">
+  <p:cSld>
+    <p:spTree>
+      <p:nvGrpSpPr>
+        <p:cNvPr id="1" name=""/>
+        <p:cNvGrpSpPr/>
+        <p:nvPr/>
+      </p:nvGrpSpPr>
+      <p:grpSpPr>
+        <a:xfrm>
+          <a:off x="0" y="0"/>
+          <a:ext cx="0" cy="0"/>
+          <a:chOff x="0" y="0"/>
+          <a:chExt cx="0" cy="0"/>
+        </a:xfrm>
+      </p:grpSpPr>
+      <p:sp>
+        <p:nvSpPr>
+          <p:cNvPr id="2" name="제목 1">
+            <a:extLst>
+              <a:ext uri="{FF2B5EF4-FFF2-40B4-BE49-F238E27FC236}">
+                <a16:creationId xmlns:a16="http://schemas.microsoft.com/office/drawing/2014/main" id="{EDD67C3A-5B90-B55E-9263-3CA3B68CCBB4}"/>
+              </a:ext>
+            </a:extLst>
+          </p:cNvPr>
+          <p:cNvSpPr>
+            <a:spLocks noGrp="1"/>
+          </p:cNvSpPr>
+          <p:nvPr>
+            <p:ph type="title"/>
+          </p:nvPr>
+        </p:nvSpPr>
+        <p:spPr/>
+        <p:txBody>
+          <a:bodyPr>
+            <a:normAutofit/>
+          </a:bodyPr>
+          <a:lstStyle/>
+          <a:p>
+            <a:r>
+              <a:rPr lang="en-US" altLang="ko-KR" sz="3000" dirty="0"/>
+              <a:t>Controller</a:t>
+            </a:r>
+            <a:r>
+              <a:rPr lang="en-US" altLang="ko-KR" sz="2000" dirty="0"/>
+              <a:t>(</a:t>
+            </a:r>
+            <a:r>
+              <a:rPr lang="en-US" altLang="ko-KR" sz="2000" dirty="0" err="1"/>
+              <a:t>CommentController</a:t>
+            </a:r>
+            <a:r>
+              <a:rPr lang="en-US" altLang="ko-KR" sz="2000" dirty="0"/>
+              <a:t>)</a:t>
+            </a:r>
+            <a:endParaRPr lang="ko-KR" altLang="en-US" sz="2000" dirty="0"/>
+          </a:p>
+        </p:txBody>
+      </p:sp>
+      <p:sp>
+        <p:nvSpPr>
+          <p:cNvPr id="7" name="내용 개체 틀 6">
+            <a:extLst>
+              <a:ext uri="{FF2B5EF4-FFF2-40B4-BE49-F238E27FC236}">
+                <a16:creationId xmlns:a16="http://schemas.microsoft.com/office/drawing/2014/main" id="{840E1A57-F1D6-71DE-F0F1-197DF44D97E1}"/>
+              </a:ext>
+            </a:extLst>
+          </p:cNvPr>
+          <p:cNvSpPr>
+            <a:spLocks noGrp="1"/>
+          </p:cNvSpPr>
+          <p:nvPr>
+            <p:ph idx="1"/>
+          </p:nvPr>
+        </p:nvSpPr>
+        <p:spPr>
+          <a:xfrm>
+            <a:off x="838200" y="3623469"/>
+            <a:ext cx="10515600" cy="2586037"/>
+          </a:xfrm>
+        </p:spPr>
+        <p:txBody>
+          <a:bodyPr>
+            <a:normAutofit/>
+          </a:bodyPr>
+          <a:lstStyle/>
+          <a:p>
+            <a:r>
+              <a:rPr lang="ko-KR" altLang="en-US" sz="1500" dirty="0"/>
+              <a:t>앞에서 받은 </a:t>
+            </a:r>
+            <a:r>
+              <a:rPr lang="en-US" altLang="ko-KR" sz="1500" dirty="0"/>
+              <a:t>post request</a:t>
+            </a:r>
+            <a:r>
+              <a:rPr lang="ko-KR" altLang="en-US" sz="1500" dirty="0"/>
+              <a:t>와 </a:t>
+            </a:r>
+            <a:r>
+              <a:rPr lang="ko-KR" altLang="en-US" sz="1500" dirty="0" err="1"/>
+              <a:t>매핑되는</a:t>
+            </a:r>
+            <a:r>
+              <a:rPr lang="ko-KR" altLang="en-US" sz="1500" dirty="0"/>
+              <a:t> 메소드 </a:t>
+            </a:r>
+            <a:r>
+              <a:rPr lang="en-US" altLang="ko-KR" sz="1500" dirty="0" err="1"/>
+              <a:t>updaeComment</a:t>
+            </a:r>
+            <a:r>
+              <a:rPr lang="ko-KR" altLang="en-US" sz="1500" dirty="0"/>
+              <a:t>를 호출한다</a:t>
+            </a:r>
+            <a:r>
+              <a:rPr lang="en-US" altLang="ko-KR" sz="1500" dirty="0"/>
+              <a:t>.</a:t>
+            </a:r>
+          </a:p>
+          <a:p>
+            <a:r>
+              <a:rPr lang="en-US" altLang="ko-KR" sz="1500" dirty="0"/>
+              <a:t>@PathVariable: </a:t>
+            </a:r>
+            <a:r>
+              <a:rPr lang="en-US" altLang="ko-KR" sz="1500" dirty="0" err="1"/>
+              <a:t>url</a:t>
+            </a:r>
+            <a:r>
+              <a:rPr lang="ko-KR" altLang="en-US" sz="1500" dirty="0"/>
+              <a:t>에 있는 </a:t>
+            </a:r>
+            <a:r>
+              <a:rPr lang="en-US" altLang="ko-KR" sz="1500" dirty="0"/>
+              <a:t>id</a:t>
+            </a:r>
+            <a:r>
+              <a:rPr lang="ko-KR" altLang="en-US" sz="1500" dirty="0"/>
+              <a:t>값을 </a:t>
+            </a:r>
+            <a:r>
+              <a:rPr lang="en-US" altLang="ko-KR" sz="1500" dirty="0"/>
+              <a:t>parameter</a:t>
+            </a:r>
+            <a:r>
+              <a:rPr lang="ko-KR" altLang="en-US" sz="1500" dirty="0"/>
+              <a:t>로 받아들인다</a:t>
+            </a:r>
+            <a:r>
+              <a:rPr lang="en-US" altLang="ko-KR" sz="1500" dirty="0"/>
+              <a:t>.</a:t>
+            </a:r>
+          </a:p>
+          <a:p>
+            <a:r>
+              <a:rPr lang="en-US" altLang="ko-KR" sz="1500" dirty="0"/>
+              <a:t>@ModelAttribute: Comment </a:t>
+            </a:r>
+            <a:r>
+              <a:rPr lang="ko-KR" altLang="en-US" sz="1500" dirty="0"/>
+              <a:t>객체 타입의 </a:t>
+            </a:r>
+            <a:r>
+              <a:rPr lang="en-US" altLang="ko-KR" sz="1500" dirty="0"/>
+              <a:t>comment</a:t>
+            </a:r>
+            <a:r>
+              <a:rPr lang="ko-KR" altLang="en-US" sz="1500" dirty="0"/>
+              <a:t> 인스턴스를 앞에서 받은 </a:t>
+            </a:r>
+            <a:r>
+              <a:rPr lang="en-US" altLang="ko-KR" sz="1500" dirty="0"/>
+              <a:t>request body</a:t>
+            </a:r>
+            <a:r>
+              <a:rPr lang="ko-KR" altLang="en-US" sz="1500" dirty="0"/>
+              <a:t>에 있던</a:t>
+            </a:r>
+            <a:r>
+              <a:rPr lang="en-US" altLang="ko-KR" sz="1500" dirty="0"/>
+              <a:t>, key</a:t>
+            </a:r>
+            <a:r>
+              <a:rPr lang="ko-KR" altLang="en-US" sz="1500" dirty="0"/>
+              <a:t> </a:t>
+            </a:r>
+            <a:r>
+              <a:rPr lang="en-US" altLang="ko-KR" sz="1500" dirty="0"/>
+              <a:t>value</a:t>
+            </a:r>
+            <a:r>
+              <a:rPr lang="ko-KR" altLang="en-US" sz="1500" dirty="0"/>
+              <a:t>로 </a:t>
+            </a:r>
+            <a:r>
+              <a:rPr lang="en-US" altLang="ko-KR" sz="1500" dirty="0"/>
+              <a:t>property</a:t>
+            </a:r>
+            <a:r>
+              <a:rPr lang="ko-KR" altLang="en-US" sz="1500" dirty="0"/>
+              <a:t>를 업데이트한다</a:t>
+            </a:r>
+            <a:r>
+              <a:rPr lang="en-US" altLang="ko-KR" sz="1500" dirty="0"/>
+              <a:t>.</a:t>
+            </a:r>
+          </a:p>
+          <a:p>
+            <a:r>
+              <a:rPr lang="en-US" altLang="ko-KR" sz="1500" dirty="0"/>
+              <a:t>Session: session</a:t>
+            </a:r>
+            <a:r>
+              <a:rPr lang="ko-KR" altLang="en-US" sz="1500" dirty="0"/>
+              <a:t>을 </a:t>
+            </a:r>
+            <a:r>
+              <a:rPr lang="en-US" altLang="ko-KR" sz="1500" dirty="0"/>
+              <a:t>parameter</a:t>
+            </a:r>
+            <a:r>
+              <a:rPr lang="ko-KR" altLang="en-US" sz="1500" dirty="0"/>
+              <a:t>로 받아들이고</a:t>
+            </a:r>
+            <a:r>
+              <a:rPr lang="en-US" altLang="ko-KR" sz="1500" dirty="0"/>
+              <a:t>, session scope</a:t>
+            </a:r>
+            <a:r>
+              <a:rPr lang="ko-KR" altLang="en-US" sz="1500" dirty="0"/>
+              <a:t>에 저장된 로그인한 </a:t>
+            </a:r>
+            <a:r>
+              <a:rPr lang="en-US" altLang="ko-KR" sz="1500" dirty="0" err="1"/>
+              <a:t>userId</a:t>
+            </a:r>
+            <a:r>
+              <a:rPr lang="ko-KR" altLang="en-US" sz="1500" dirty="0"/>
+              <a:t> 값을 메소드 내부에서 사용한다</a:t>
+            </a:r>
+            <a:r>
+              <a:rPr lang="en-US" altLang="ko-KR" sz="1500" dirty="0"/>
+              <a:t>.</a:t>
+            </a:r>
+          </a:p>
+          <a:p>
+            <a:r>
+              <a:rPr lang="en-US" altLang="ko-KR" sz="1500" dirty="0" err="1"/>
+              <a:t>commentService</a:t>
+            </a:r>
+            <a:r>
+              <a:rPr lang="ko-KR" altLang="en-US" sz="1500" dirty="0"/>
+              <a:t>의 </a:t>
+            </a:r>
+            <a:r>
+              <a:rPr lang="en-US" altLang="ko-KR" sz="1500" dirty="0" err="1"/>
+              <a:t>updateComment</a:t>
+            </a:r>
+            <a:r>
+              <a:rPr lang="ko-KR" altLang="en-US" sz="1500" dirty="0"/>
+              <a:t>를 호출해서</a:t>
+            </a:r>
+            <a:r>
+              <a:rPr lang="en-US" altLang="ko-KR" sz="1500" dirty="0"/>
+              <a:t>, content</a:t>
+            </a:r>
+            <a:r>
+              <a:rPr lang="ko-KR" altLang="en-US" sz="1500" dirty="0"/>
+              <a:t>를 업데이트 한다</a:t>
+            </a:r>
+            <a:r>
+              <a:rPr lang="en-US" altLang="ko-KR" sz="1500" dirty="0"/>
+              <a:t>.</a:t>
+            </a:r>
+          </a:p>
+          <a:p>
+            <a:r>
+              <a:rPr lang="en-US" altLang="ko-KR" sz="1500" dirty="0"/>
+              <a:t>Posts/</a:t>
+            </a:r>
+            <a:r>
+              <a:rPr lang="ko-KR" altLang="en-US" sz="1500" dirty="0"/>
+              <a:t>해당</a:t>
+            </a:r>
+            <a:r>
+              <a:rPr lang="en-US" altLang="ko-KR" sz="1500" dirty="0"/>
+              <a:t>_</a:t>
+            </a:r>
+            <a:r>
+              <a:rPr lang="en-US" altLang="ko-KR" sz="1500" dirty="0" err="1"/>
+              <a:t>comment_PostId</a:t>
+            </a:r>
+            <a:r>
+              <a:rPr lang="en-US" altLang="ko-KR" sz="1500" dirty="0"/>
+              <a:t> </a:t>
+            </a:r>
+            <a:r>
+              <a:rPr lang="en-US" altLang="ko-KR" sz="1500" dirty="0" err="1"/>
+              <a:t>url</a:t>
+            </a:r>
+            <a:r>
+              <a:rPr lang="ko-KR" altLang="en-US" sz="1500" dirty="0"/>
+              <a:t>로 </a:t>
+            </a:r>
+            <a:r>
+              <a:rPr lang="en-US" altLang="ko-KR" sz="1500" dirty="0"/>
+              <a:t>get </a:t>
+            </a:r>
+            <a:r>
+              <a:rPr lang="ko-KR" altLang="en-US" sz="1500" dirty="0"/>
+              <a:t>요청을 보낸다</a:t>
+            </a:r>
+            <a:r>
+              <a:rPr lang="en-US" altLang="ko-KR" sz="1500" dirty="0"/>
+              <a:t>.</a:t>
+            </a:r>
+          </a:p>
+          <a:p>
+            <a:endParaRPr lang="ko-KR" altLang="en-US" sz="1500" dirty="0"/>
+          </a:p>
+        </p:txBody>
+      </p:sp>
+      <p:pic>
+        <p:nvPicPr>
+          <p:cNvPr id="8" name="내용 개체 틀 4">
+            <a:extLst>
+              <a:ext uri="{FF2B5EF4-FFF2-40B4-BE49-F238E27FC236}">
+                <a16:creationId xmlns:a16="http://schemas.microsoft.com/office/drawing/2014/main" id="{B2F847B9-813B-AE06-A6C1-2C4810DA2CC4}"/>
+              </a:ext>
+            </a:extLst>
+          </p:cNvPr>
+          <p:cNvPicPr>
+            <a:picLocks noChangeAspect="1"/>
+          </p:cNvPicPr>
+          <p:nvPr/>
+        </p:nvPicPr>
+        <p:blipFill>
+          <a:blip r:embed="rId2"/>
+          <a:stretch>
+            <a:fillRect/>
+          </a:stretch>
+        </p:blipFill>
+        <p:spPr>
+          <a:xfrm>
+            <a:off x="648339" y="1401499"/>
+            <a:ext cx="7643178" cy="2108463"/>
+          </a:xfrm>
+          <a:prstGeom prst="rect">
+            <a:avLst/>
+          </a:prstGeom>
+        </p:spPr>
+      </p:pic>
+    </p:spTree>
+    <p:extLst>
+      <p:ext uri="{BB962C8B-B14F-4D97-AF65-F5344CB8AC3E}">
+        <p14:creationId xmlns:p14="http://schemas.microsoft.com/office/powerpoint/2010/main" val="3050576128"/>
+      </p:ext>
+    </p:extLst>
+  </p:cSld>
+  <p:clrMapOvr>
+    <a:masterClrMapping/>
+  </p:clrMapOvr>
+</p:sld>
+</file>
+
+<file path=ppt/slides/slide13.xml><?xml version="1.0" encoding="utf-8"?>
+<p:sld xmlns:a="http://schemas.openxmlformats.org/drawingml/2006/main" xmlns:r="http://schemas.openxmlformats.org/officeDocument/2006/relationships" xmlns:p="http://schemas.openxmlformats.org/presentationml/2006/main">
+  <p:cSld>
+    <p:spTree>
+      <p:nvGrpSpPr>
+        <p:cNvPr id="1" name=""/>
+        <p:cNvGrpSpPr/>
+        <p:nvPr/>
+      </p:nvGrpSpPr>
+      <p:grpSpPr>
+        <a:xfrm>
+          <a:off x="0" y="0"/>
+          <a:ext cx="0" cy="0"/>
+          <a:chOff x="0" y="0"/>
+          <a:chExt cx="0" cy="0"/>
+        </a:xfrm>
+      </p:grpSpPr>
+      <p:sp>
+        <p:nvSpPr>
+          <p:cNvPr id="2" name="제목 1">
+            <a:extLst>
+              <a:ext uri="{FF2B5EF4-FFF2-40B4-BE49-F238E27FC236}">
+                <a16:creationId xmlns:a16="http://schemas.microsoft.com/office/drawing/2014/main" id="{7705D37F-2324-86BE-0895-4E1843861A31}"/>
+              </a:ext>
+            </a:extLst>
+          </p:cNvPr>
+          <p:cNvSpPr>
+            <a:spLocks noGrp="1"/>
+          </p:cNvSpPr>
+          <p:nvPr>
+            <p:ph type="title"/>
+          </p:nvPr>
+        </p:nvSpPr>
+        <p:spPr/>
+        <p:txBody>
+          <a:bodyPr>
+            <a:normAutofit/>
+          </a:bodyPr>
+          <a:lstStyle/>
+          <a:p>
+            <a:r>
+              <a:rPr lang="en-US" altLang="ko-KR" sz="3000" dirty="0"/>
+              <a:t>Controller</a:t>
+            </a:r>
+            <a:r>
+              <a:rPr lang="en-US" altLang="ko-KR" sz="2000" dirty="0"/>
+              <a:t>(</a:t>
+            </a:r>
+            <a:r>
+              <a:rPr lang="en-US" altLang="ko-KR" sz="2000" dirty="0" err="1"/>
+              <a:t>PostController</a:t>
+            </a:r>
+            <a:r>
+              <a:rPr lang="en-US" altLang="ko-KR" sz="2000" dirty="0"/>
+              <a:t>)</a:t>
+            </a:r>
+            <a:endParaRPr lang="ko-KR" altLang="en-US" sz="3000" dirty="0"/>
+          </a:p>
+        </p:txBody>
+      </p:sp>
+      <p:sp>
+        <p:nvSpPr>
+          <p:cNvPr id="3" name="내용 개체 틀 2">
+            <a:extLst>
+              <a:ext uri="{FF2B5EF4-FFF2-40B4-BE49-F238E27FC236}">
+                <a16:creationId xmlns:a16="http://schemas.microsoft.com/office/drawing/2014/main" id="{E64A8C8C-5AB6-8301-1FDC-1AFD1592F487}"/>
+              </a:ext>
+            </a:extLst>
+          </p:cNvPr>
+          <p:cNvSpPr>
+            <a:spLocks noGrp="1"/>
+          </p:cNvSpPr>
+          <p:nvPr>
+            <p:ph idx="1"/>
+          </p:nvPr>
+        </p:nvSpPr>
+        <p:spPr>
+          <a:xfrm>
+            <a:off x="5429838" y="1825625"/>
+            <a:ext cx="5923961" cy="4351338"/>
+          </a:xfrm>
+        </p:spPr>
+        <p:txBody>
+          <a:bodyPr>
+            <a:normAutofit/>
+          </a:bodyPr>
+          <a:lstStyle/>
+          <a:p>
+            <a:r>
+              <a:rPr lang="ko-KR" altLang="en-US" sz="1500" dirty="0"/>
+              <a:t>앞에서 보낸 </a:t>
+            </a:r>
+            <a:r>
+              <a:rPr lang="en-US" altLang="ko-KR" sz="1500" dirty="0"/>
+              <a:t>get </a:t>
+            </a:r>
+            <a:r>
+              <a:rPr lang="ko-KR" altLang="en-US" sz="1500" dirty="0"/>
+              <a:t>요청을 받아서 </a:t>
+            </a:r>
+            <a:r>
+              <a:rPr lang="ko-KR" altLang="en-US" sz="1500" dirty="0" err="1"/>
+              <a:t>매핑되는</a:t>
+            </a:r>
+            <a:r>
+              <a:rPr lang="ko-KR" altLang="en-US" sz="1500" dirty="0"/>
+              <a:t> 메소드 </a:t>
+            </a:r>
+            <a:r>
+              <a:rPr lang="en-US" altLang="ko-KR" sz="1500" dirty="0" err="1"/>
+              <a:t>getPostById</a:t>
+            </a:r>
+            <a:r>
+              <a:rPr lang="ko-KR" altLang="en-US" sz="1500" dirty="0"/>
+              <a:t>를 실행한다</a:t>
+            </a:r>
+            <a:r>
+              <a:rPr lang="en-US" altLang="ko-KR" sz="1500" dirty="0"/>
+              <a:t>. </a:t>
+            </a:r>
+            <a:r>
+              <a:rPr lang="ko-KR" altLang="en-US" sz="1500" dirty="0"/>
+              <a:t>여기서는 </a:t>
+            </a:r>
+            <a:r>
+              <a:rPr lang="en-US" altLang="ko-KR" sz="1500" dirty="0"/>
+              <a:t>id</a:t>
+            </a:r>
+            <a:r>
+              <a:rPr lang="ko-KR" altLang="en-US" sz="1500" dirty="0"/>
+              <a:t>를 </a:t>
+            </a:r>
+            <a:r>
+              <a:rPr lang="en-US" altLang="ko-KR" sz="1500" dirty="0"/>
+              <a:t>parameter</a:t>
+            </a:r>
+            <a:r>
+              <a:rPr lang="ko-KR" altLang="en-US" sz="1500" dirty="0"/>
+              <a:t>로 받아들인다</a:t>
+            </a:r>
+            <a:r>
+              <a:rPr lang="en-US" altLang="ko-KR" sz="1500" dirty="0"/>
+              <a:t>.</a:t>
+            </a:r>
+          </a:p>
+          <a:p>
+            <a:r>
+              <a:rPr lang="en-US" altLang="ko-KR" sz="1500" dirty="0" err="1"/>
+              <a:t>postService</a:t>
+            </a:r>
+            <a:r>
+              <a:rPr lang="ko-KR" altLang="en-US" sz="1500" dirty="0"/>
+              <a:t>의 </a:t>
+            </a:r>
+            <a:r>
+              <a:rPr lang="en-US" altLang="ko-KR" sz="1500" dirty="0" err="1"/>
+              <a:t>getPostById</a:t>
+            </a:r>
+            <a:r>
+              <a:rPr lang="en-US" altLang="ko-KR" sz="1500" dirty="0"/>
+              <a:t> </a:t>
+            </a:r>
+            <a:r>
+              <a:rPr lang="ko-KR" altLang="en-US" sz="1500" dirty="0"/>
+              <a:t>메소드를 호출하고</a:t>
+            </a:r>
+            <a:r>
+              <a:rPr lang="en-US" altLang="ko-KR" sz="1500" dirty="0"/>
+              <a:t>, </a:t>
+            </a:r>
+            <a:r>
+              <a:rPr lang="ko-KR" altLang="en-US" sz="1500" dirty="0"/>
+              <a:t>해당하는 </a:t>
+            </a:r>
+            <a:r>
+              <a:rPr lang="en-US" altLang="ko-KR" sz="1500" dirty="0"/>
+              <a:t>post </a:t>
+            </a:r>
+            <a:r>
+              <a:rPr lang="ko-KR" altLang="en-US" sz="1500" dirty="0"/>
+              <a:t>타입의 객체를 얻는다</a:t>
+            </a:r>
+            <a:r>
+              <a:rPr lang="en-US" altLang="ko-KR" sz="1500" dirty="0"/>
+              <a:t>.</a:t>
+            </a:r>
+          </a:p>
+          <a:p>
+            <a:r>
+              <a:rPr lang="en-US" altLang="ko-KR" sz="1500" dirty="0"/>
+              <a:t>Post</a:t>
+            </a:r>
+            <a:r>
+              <a:rPr lang="ko-KR" altLang="en-US" sz="1500" dirty="0"/>
+              <a:t>객체가 있으면</a:t>
+            </a:r>
+            <a:r>
+              <a:rPr lang="en-US" altLang="ko-KR" sz="1500" dirty="0"/>
+              <a:t>, </a:t>
+            </a:r>
+            <a:r>
+              <a:rPr lang="ko-KR" altLang="en-US" sz="1500" dirty="0"/>
+              <a:t>해당 </a:t>
+            </a:r>
+            <a:r>
+              <a:rPr lang="en-US" altLang="ko-KR" sz="1500" dirty="0"/>
+              <a:t>post </a:t>
+            </a:r>
+            <a:r>
+              <a:rPr lang="ko-KR" altLang="en-US" sz="1500" dirty="0"/>
+              <a:t>객체를 </a:t>
+            </a:r>
+            <a:r>
+              <a:rPr lang="en-US" altLang="ko-KR" sz="1500" dirty="0" err="1"/>
+              <a:t>requestScope</a:t>
+            </a:r>
+            <a:r>
+              <a:rPr lang="ko-KR" altLang="en-US" sz="1500" dirty="0"/>
+              <a:t>의 </a:t>
+            </a:r>
+            <a:r>
+              <a:rPr lang="en-US" altLang="ko-KR" sz="1500" dirty="0"/>
+              <a:t>model</a:t>
+            </a:r>
+            <a:r>
+              <a:rPr lang="ko-KR" altLang="en-US" sz="1500" dirty="0"/>
+              <a:t>의 </a:t>
+            </a:r>
+            <a:r>
+              <a:rPr lang="en-US" altLang="ko-KR" sz="1500" dirty="0"/>
+              <a:t>attribute</a:t>
+            </a:r>
+            <a:r>
+              <a:rPr lang="ko-KR" altLang="en-US" sz="1500" dirty="0"/>
+              <a:t>로 </a:t>
+            </a:r>
+            <a:r>
+              <a:rPr lang="en-US" altLang="ko-KR" sz="1500" dirty="0"/>
+              <a:t>key “post”</a:t>
+            </a:r>
+            <a:r>
+              <a:rPr lang="ko-KR" altLang="en-US" sz="1500" dirty="0"/>
+              <a:t>와 함께 저장한다</a:t>
+            </a:r>
+            <a:r>
+              <a:rPr lang="en-US" altLang="ko-KR" sz="1500" dirty="0"/>
+              <a:t>.</a:t>
+            </a:r>
+          </a:p>
+          <a:p>
+            <a:r>
+              <a:rPr lang="ko-KR" altLang="en-US" sz="1500" dirty="0"/>
+              <a:t>해당 </a:t>
+            </a:r>
+            <a:r>
+              <a:rPr lang="en-US" altLang="ko-KR" sz="1500" dirty="0"/>
+              <a:t>post</a:t>
+            </a:r>
+            <a:r>
+              <a:rPr lang="ko-KR" altLang="en-US" sz="1500" dirty="0"/>
+              <a:t>의 </a:t>
+            </a:r>
+            <a:r>
+              <a:rPr lang="en-US" altLang="ko-KR" sz="1500" dirty="0"/>
+              <a:t>comment</a:t>
+            </a:r>
+            <a:r>
+              <a:rPr lang="ko-KR" altLang="en-US" sz="1500" dirty="0"/>
+              <a:t>의 리스트도 </a:t>
+            </a:r>
+            <a:r>
+              <a:rPr lang="en-US" altLang="ko-KR" sz="1500" dirty="0" err="1"/>
+              <a:t>requestScope</a:t>
+            </a:r>
+            <a:r>
+              <a:rPr lang="ko-KR" altLang="en-US" sz="1500" dirty="0"/>
+              <a:t>의 </a:t>
+            </a:r>
+            <a:r>
+              <a:rPr lang="en-US" altLang="ko-KR" sz="1500" dirty="0"/>
+              <a:t>model</a:t>
+            </a:r>
+            <a:r>
+              <a:rPr lang="ko-KR" altLang="en-US" sz="1500" dirty="0"/>
+              <a:t>의 </a:t>
+            </a:r>
+            <a:r>
+              <a:rPr lang="en-US" altLang="ko-KR" sz="1500" dirty="0"/>
+              <a:t>attribute</a:t>
+            </a:r>
+            <a:r>
+              <a:rPr lang="ko-KR" altLang="en-US" sz="1500" dirty="0"/>
+              <a:t>로 </a:t>
+            </a:r>
+            <a:r>
+              <a:rPr lang="en-US" altLang="ko-KR" sz="1500" dirty="0"/>
+              <a:t>key “comments”</a:t>
+            </a:r>
+            <a:r>
+              <a:rPr lang="ko-KR" altLang="en-US" sz="1500" dirty="0"/>
+              <a:t>와 함께 저장한다</a:t>
+            </a:r>
+            <a:r>
+              <a:rPr lang="en-US" altLang="ko-KR" sz="1500" dirty="0"/>
+              <a:t>.</a:t>
+            </a:r>
+          </a:p>
+          <a:p>
+            <a:r>
+              <a:rPr lang="en-US" altLang="ko-KR" sz="1500" dirty="0" err="1"/>
+              <a:t>postDetail.jsp</a:t>
+            </a:r>
+            <a:r>
+              <a:rPr lang="ko-KR" altLang="en-US" sz="1500" dirty="0"/>
+              <a:t>를 호출한다</a:t>
+            </a:r>
+            <a:r>
+              <a:rPr lang="en-US" altLang="ko-KR" sz="1500" dirty="0"/>
+              <a:t>.</a:t>
+            </a:r>
+            <a:endParaRPr lang="ko-KR" altLang="en-US" sz="1500" dirty="0"/>
+          </a:p>
+        </p:txBody>
+      </p:sp>
+      <p:pic>
+        <p:nvPicPr>
+          <p:cNvPr id="5" name="그림 4">
+            <a:extLst>
+              <a:ext uri="{FF2B5EF4-FFF2-40B4-BE49-F238E27FC236}">
+                <a16:creationId xmlns:a16="http://schemas.microsoft.com/office/drawing/2014/main" id="{B96B1725-C96D-6AEF-4FB5-05ECA598850F}"/>
+              </a:ext>
+            </a:extLst>
+          </p:cNvPr>
+          <p:cNvPicPr>
+            <a:picLocks noChangeAspect="1"/>
+          </p:cNvPicPr>
+          <p:nvPr/>
+        </p:nvPicPr>
+        <p:blipFill>
+          <a:blip r:embed="rId2"/>
+          <a:stretch>
+            <a:fillRect/>
+          </a:stretch>
+        </p:blipFill>
+        <p:spPr>
+          <a:xfrm>
+            <a:off x="271903" y="1825625"/>
+            <a:ext cx="5225455" cy="2171340"/>
+          </a:xfrm>
+          <a:prstGeom prst="rect">
+            <a:avLst/>
+          </a:prstGeom>
+        </p:spPr>
+      </p:pic>
+    </p:spTree>
+    <p:extLst>
+      <p:ext uri="{BB962C8B-B14F-4D97-AF65-F5344CB8AC3E}">
+        <p14:creationId xmlns:p14="http://schemas.microsoft.com/office/powerpoint/2010/main" val="2561456104"/>
+      </p:ext>
+    </p:extLst>
+  </p:cSld>
+  <p:clrMapOvr>
+    <a:masterClrMapping/>
+  </p:clrMapOvr>
+</p:sld>
+</file>
+
+<file path=ppt/slides/slide14.xml><?xml version="1.0" encoding="utf-8"?>
+<p:sld xmlns:a="http://schemas.openxmlformats.org/drawingml/2006/main" xmlns:r="http://schemas.openxmlformats.org/officeDocument/2006/relationships" xmlns:p="http://schemas.openxmlformats.org/presentationml/2006/main">
+  <p:cSld>
+    <p:spTree>
+      <p:nvGrpSpPr>
+        <p:cNvPr id="1" name=""/>
+        <p:cNvGrpSpPr/>
+        <p:nvPr/>
+      </p:nvGrpSpPr>
+      <p:grpSpPr>
+        <a:xfrm>
+          <a:off x="0" y="0"/>
+          <a:ext cx="0" cy="0"/>
+          <a:chOff x="0" y="0"/>
+          <a:chExt cx="0" cy="0"/>
+        </a:xfrm>
+      </p:grpSpPr>
+      <p:sp>
+        <p:nvSpPr>
+          <p:cNvPr id="2" name="제목 1">
+            <a:extLst>
+              <a:ext uri="{FF2B5EF4-FFF2-40B4-BE49-F238E27FC236}">
                 <a16:creationId xmlns:a16="http://schemas.microsoft.com/office/drawing/2014/main" id="{CF4702AD-EB6C-D8F5-F709-885F028EDB37}"/>
               </a:ext>
             </a:extLst>
@@ -3720,7 +5076,7 @@
 </p:sld>
 </file>
 
-<file path=ppt/slides/slide11.xml><?xml version="1.0" encoding="utf-8"?>
+<file path=ppt/slides/slide15.xml><?xml version="1.0" encoding="utf-8"?>
 <p:sld xmlns:a="http://schemas.openxmlformats.org/drawingml/2006/main" xmlns:r="http://schemas.openxmlformats.org/officeDocument/2006/relationships" xmlns:p="http://schemas.openxmlformats.org/presentationml/2006/main">
   <p:cSld>
     <p:spTree>
@@ -3975,48 +5331,115 @@
           </a:p>
           <a:p>
             <a:r>
+              <a:rPr lang="en-US" altLang="ko-KR" sz="1500" dirty="0"/>
+              <a:t>Style=“display: block;” </a:t>
+            </a:r>
+            <a:r>
+              <a:rPr lang="ko-KR" altLang="en-US" sz="1500" dirty="0"/>
+              <a:t>일</a:t>
+            </a:r>
+            <a:r>
+              <a:rPr lang="en-US" altLang="ko-KR" sz="1500" dirty="0"/>
+              <a:t> </a:t>
+            </a:r>
+            <a:r>
+              <a:rPr lang="ko-KR" altLang="en-US" sz="1500" dirty="0"/>
+              <a:t>때는</a:t>
+            </a:r>
+            <a:r>
+              <a:rPr lang="en-US" altLang="ko-KR" sz="1500" dirty="0"/>
+              <a:t>, </a:t>
+            </a:r>
+            <a:r>
+              <a:rPr lang="ko-KR" altLang="en-US" sz="1500" dirty="0"/>
+              <a:t>이 </a:t>
+            </a:r>
+            <a:r>
+              <a:rPr lang="en-US" altLang="ko-KR" sz="1500" dirty="0"/>
+              <a:t>div</a:t>
+            </a:r>
+            <a:r>
+              <a:rPr lang="ko-KR" altLang="en-US" sz="1500" dirty="0"/>
+              <a:t>가 보인다</a:t>
+            </a:r>
+            <a:r>
+              <a:rPr lang="en-US" altLang="ko-KR" sz="1500" dirty="0"/>
+              <a:t>.</a:t>
+            </a:r>
+          </a:p>
+          <a:p>
+            <a:r>
               <a:rPr lang="en-US" altLang="ko-KR" sz="1500" dirty="0" err="1"/>
-              <a:t>Stype</a:t>
-            </a:r>
-            <a:r>
-              <a:rPr lang="en-US" altLang="ko-KR" sz="1500" dirty="0"/>
-              <a:t>=“display: block;” </a:t>
-            </a:r>
-            <a:r>
-              <a:rPr lang="ko-KR" altLang="en-US" sz="1500" dirty="0"/>
-              <a:t>일</a:t>
-            </a:r>
-            <a:r>
-              <a:rPr lang="en-US" altLang="ko-KR" sz="1500" dirty="0"/>
+              <a:t>parentCommentId</a:t>
+            </a:r>
+            <a:r>
+              <a:rPr lang="ko-KR" altLang="en-US" sz="1500" dirty="0"/>
+              <a:t>와 작성된 </a:t>
+            </a:r>
+            <a:r>
+              <a:rPr lang="en-US" altLang="ko-KR" sz="1500" dirty="0"/>
+              <a:t>content</a:t>
+            </a:r>
+            <a:r>
+              <a:rPr lang="ko-KR" altLang="en-US" sz="1500" dirty="0"/>
+              <a:t>가 </a:t>
+            </a:r>
+            <a:r>
+              <a:rPr lang="en-US" altLang="ko-KR" sz="1500" dirty="0"/>
+              <a:t>post request</a:t>
+            </a:r>
+            <a:r>
+              <a:rPr lang="ko-KR" altLang="en-US" sz="1500" dirty="0"/>
+              <a:t>의 </a:t>
+            </a:r>
+            <a:r>
+              <a:rPr lang="en-US" altLang="ko-KR" sz="1500" dirty="0"/>
+              <a:t>request</a:t>
+            </a:r>
+            <a:r>
+              <a:rPr lang="ko-KR" altLang="en-US" sz="1500" dirty="0"/>
               <a:t> </a:t>
             </a:r>
             <a:r>
-              <a:rPr lang="ko-KR" altLang="en-US" sz="1500" dirty="0"/>
-              <a:t>때는</a:t>
-            </a:r>
-            <a:r>
-              <a:rPr lang="en-US" altLang="ko-KR" sz="1500" dirty="0"/>
-              <a:t>, </a:t>
-            </a:r>
-            <a:r>
-              <a:rPr lang="ko-KR" altLang="en-US" sz="1500" dirty="0"/>
-              <a:t>이 </a:t>
-            </a:r>
-            <a:r>
-              <a:rPr lang="en-US" altLang="ko-KR" sz="1500" dirty="0"/>
-              <a:t>div</a:t>
-            </a:r>
-            <a:r>
-              <a:rPr lang="ko-KR" altLang="en-US" sz="1500" dirty="0"/>
-              <a:t>가 보인다</a:t>
-            </a:r>
-            <a:r>
-              <a:rPr lang="en-US" altLang="ko-KR" sz="1500"/>
+              <a:rPr lang="en-US" altLang="ko-KR" sz="1500" dirty="0"/>
+              <a:t>body</a:t>
+            </a:r>
+            <a:r>
+              <a:rPr lang="ko-KR" altLang="en-US" sz="1500" dirty="0"/>
+              <a:t>에 담겨서 </a:t>
+            </a:r>
+            <a:r>
+              <a:rPr lang="en-US" altLang="ko-KR" sz="1500" dirty="0"/>
+              <a:t>comments/post/</a:t>
+            </a:r>
+            <a:r>
+              <a:rPr lang="en-US" altLang="ko-KR" sz="1500" dirty="0" err="1"/>
+              <a:t>postId</a:t>
+            </a:r>
+            <a:r>
+              <a:rPr lang="en-US" altLang="ko-KR" sz="1500" dirty="0"/>
+              <a:t> </a:t>
+            </a:r>
+            <a:r>
+              <a:rPr lang="en-US" altLang="ko-KR" sz="1500" dirty="0" err="1"/>
+              <a:t>url</a:t>
+            </a:r>
+            <a:r>
+              <a:rPr lang="ko-KR" altLang="en-US" sz="1500" dirty="0"/>
+              <a:t>과 </a:t>
+            </a:r>
+            <a:r>
+              <a:rPr lang="ko-KR" altLang="en-US" sz="1500" dirty="0" err="1"/>
+              <a:t>매핑된</a:t>
+            </a:r>
+            <a:r>
+              <a:rPr lang="ko-KR" altLang="en-US" sz="1500" dirty="0"/>
+              <a:t> 메소드로 전달된다</a:t>
+            </a:r>
+            <a:r>
+              <a:rPr lang="en-US" altLang="ko-KR" sz="1500" dirty="0"/>
               <a:t>.</a:t>
             </a:r>
-            <a:endParaRPr lang="en-US" altLang="ko-KR" sz="1500" dirty="0"/>
-          </a:p>
-          <a:p>
             <a:endParaRPr lang="ko-KR" altLang="en-US" sz="1500" dirty="0"/>
           </a:p>
         </p:txBody>
@@ -4115,6 +5538,1025 @@
     <p:extLst>
       <p:ext uri="{BB962C8B-B14F-4D97-AF65-F5344CB8AC3E}">
         <p14:creationId xmlns:p14="http://schemas.microsoft.com/office/powerpoint/2010/main" val="2091317809"/>
+      </p:ext>
+    </p:extLst>
+  </p:cSld>
+  <p:clrMapOvr>
+    <a:masterClrMapping/>
+  </p:clrMapOvr>
+</p:sld>
+</file>
+
+<file path=ppt/slides/slide16.xml><?xml version="1.0" encoding="utf-8"?>
+<p:sld xmlns:a="http://schemas.openxmlformats.org/drawingml/2006/main" xmlns:r="http://schemas.openxmlformats.org/officeDocument/2006/relationships" xmlns:p="http://schemas.openxmlformats.org/presentationml/2006/main">
+  <p:cSld>
+    <p:spTree>
+      <p:nvGrpSpPr>
+        <p:cNvPr id="1" name=""/>
+        <p:cNvGrpSpPr/>
+        <p:nvPr/>
+      </p:nvGrpSpPr>
+      <p:grpSpPr>
+        <a:xfrm>
+          <a:off x="0" y="0"/>
+          <a:ext cx="0" cy="0"/>
+          <a:chOff x="0" y="0"/>
+          <a:chExt cx="0" cy="0"/>
+        </a:xfrm>
+      </p:grpSpPr>
+      <p:sp>
+        <p:nvSpPr>
+          <p:cNvPr id="2" name="제목 1">
+            <a:extLst>
+              <a:ext uri="{FF2B5EF4-FFF2-40B4-BE49-F238E27FC236}">
+                <a16:creationId xmlns:a16="http://schemas.microsoft.com/office/drawing/2014/main" id="{14F386FC-CA46-B39F-9963-86D82228D324}"/>
+              </a:ext>
+            </a:extLst>
+          </p:cNvPr>
+          <p:cNvSpPr>
+            <a:spLocks noGrp="1"/>
+          </p:cNvSpPr>
+          <p:nvPr>
+            <p:ph type="title"/>
+          </p:nvPr>
+        </p:nvSpPr>
+        <p:spPr/>
+        <p:txBody>
+          <a:bodyPr/>
+          <a:lstStyle/>
+          <a:p>
+            <a:r>
+              <a:rPr lang="en-US" altLang="ko-KR" sz="3000" dirty="0"/>
+              <a:t>Controller</a:t>
+            </a:r>
+            <a:r>
+              <a:rPr lang="en-US" altLang="ko-KR" sz="2000" dirty="0"/>
+              <a:t>(</a:t>
+            </a:r>
+            <a:r>
+              <a:rPr lang="en-US" altLang="ko-KR" sz="2000" dirty="0" err="1"/>
+              <a:t>CommentController</a:t>
+            </a:r>
+            <a:r>
+              <a:rPr lang="en-US" altLang="ko-KR" sz="2000" dirty="0"/>
+              <a:t>)</a:t>
+            </a:r>
+            <a:endParaRPr lang="ko-KR" altLang="en-US" sz="2000" dirty="0"/>
+          </a:p>
+        </p:txBody>
+      </p:sp>
+      <p:sp>
+        <p:nvSpPr>
+          <p:cNvPr id="3" name="내용 개체 틀 2">
+            <a:extLst>
+              <a:ext uri="{FF2B5EF4-FFF2-40B4-BE49-F238E27FC236}">
+                <a16:creationId xmlns:a16="http://schemas.microsoft.com/office/drawing/2014/main" id="{C061E491-922B-F96C-98A2-9EEAC5EDE68C}"/>
+              </a:ext>
+            </a:extLst>
+          </p:cNvPr>
+          <p:cNvSpPr>
+            <a:spLocks noGrp="1"/>
+          </p:cNvSpPr>
+          <p:nvPr>
+            <p:ph idx="1"/>
+          </p:nvPr>
+        </p:nvSpPr>
+        <p:spPr>
+          <a:xfrm>
+            <a:off x="714376" y="3357045"/>
+            <a:ext cx="10639424" cy="2819918"/>
+          </a:xfrm>
+        </p:spPr>
+        <p:txBody>
+          <a:bodyPr>
+            <a:normAutofit/>
+          </a:bodyPr>
+          <a:lstStyle/>
+          <a:p>
+            <a:r>
+              <a:rPr lang="en-US" altLang="ko-KR" sz="1500" dirty="0" err="1"/>
+              <a:t>Url</a:t>
+            </a:r>
+            <a:r>
+              <a:rPr lang="ko-KR" altLang="en-US" sz="1500" dirty="0"/>
+              <a:t>의 </a:t>
+            </a:r>
+            <a:r>
+              <a:rPr lang="en-US" altLang="ko-KR" sz="1500" dirty="0" err="1"/>
+              <a:t>postId</a:t>
+            </a:r>
+            <a:r>
+              <a:rPr lang="ko-KR" altLang="en-US" sz="1500" dirty="0"/>
+              <a:t>는 </a:t>
+            </a:r>
+            <a:r>
+              <a:rPr lang="en-US" altLang="ko-KR" sz="1500" dirty="0"/>
+              <a:t>@PathVariable, content</a:t>
+            </a:r>
+            <a:r>
+              <a:rPr lang="ko-KR" altLang="en-US" sz="1500" dirty="0"/>
+              <a:t>의 값은 </a:t>
+            </a:r>
+            <a:r>
+              <a:rPr lang="en-US" altLang="ko-KR" sz="1500" dirty="0"/>
+              <a:t>comment object</a:t>
+            </a:r>
+            <a:r>
+              <a:rPr lang="ko-KR" altLang="en-US" sz="1500" dirty="0"/>
+              <a:t>의 </a:t>
+            </a:r>
+            <a:r>
+              <a:rPr lang="en-US" altLang="ko-KR" sz="1500" dirty="0"/>
+              <a:t>property content</a:t>
+            </a:r>
+            <a:r>
+              <a:rPr lang="ko-KR" altLang="en-US" sz="1500" dirty="0"/>
+              <a:t>에 저장</a:t>
+            </a:r>
+            <a:r>
+              <a:rPr lang="en-US" altLang="ko-KR" sz="1500" dirty="0"/>
+              <a:t>, </a:t>
+            </a:r>
+            <a:r>
+              <a:rPr lang="en-US" altLang="ko-KR" sz="1500" dirty="0" err="1"/>
+              <a:t>parentCommentId</a:t>
+            </a:r>
+            <a:r>
+              <a:rPr lang="ko-KR" altLang="en-US" sz="1500" dirty="0"/>
+              <a:t>는 </a:t>
+            </a:r>
+            <a:r>
+              <a:rPr lang="en-US" altLang="ko-KR" sz="1500" dirty="0"/>
+              <a:t>@RequestParam</a:t>
+            </a:r>
+            <a:r>
+              <a:rPr lang="ko-KR" altLang="en-US" sz="1500" dirty="0"/>
+              <a:t>을 통해 받아들인다</a:t>
+            </a:r>
+            <a:r>
+              <a:rPr lang="en-US" altLang="ko-KR" sz="1500" dirty="0"/>
+              <a:t>. Session </a:t>
+            </a:r>
+            <a:r>
+              <a:rPr lang="ko-KR" altLang="en-US" sz="1500" dirty="0"/>
+              <a:t>객체는 사용자 정보를 이용하기 위해 메소드의 </a:t>
+            </a:r>
+            <a:r>
+              <a:rPr lang="en-US" altLang="ko-KR" sz="1500" dirty="0"/>
+              <a:t>parameter</a:t>
+            </a:r>
+            <a:r>
+              <a:rPr lang="ko-KR" altLang="en-US" sz="1500" dirty="0"/>
+              <a:t>로 넣어준다</a:t>
+            </a:r>
+            <a:r>
+              <a:rPr lang="en-US" altLang="ko-KR" sz="1500" dirty="0"/>
+              <a:t>.</a:t>
+            </a:r>
+          </a:p>
+          <a:p>
+            <a:r>
+              <a:rPr lang="en-US" altLang="ko-KR" sz="1500" dirty="0"/>
+              <a:t>Comment </a:t>
+            </a:r>
+            <a:r>
+              <a:rPr lang="ko-KR" altLang="en-US" sz="1500" dirty="0"/>
+              <a:t>객체의 나머지 </a:t>
+            </a:r>
+            <a:r>
+              <a:rPr lang="en-US" altLang="ko-KR" sz="1500" dirty="0"/>
+              <a:t>property</a:t>
+            </a:r>
+            <a:r>
+              <a:rPr lang="ko-KR" altLang="en-US" sz="1500" dirty="0"/>
+              <a:t>를 업데이트 해주고</a:t>
+            </a:r>
+            <a:r>
+              <a:rPr lang="en-US" altLang="ko-KR" sz="1500" dirty="0"/>
+              <a:t>, </a:t>
+            </a:r>
+            <a:r>
+              <a:rPr lang="en-US" altLang="ko-KR" sz="1500" dirty="0" err="1"/>
+              <a:t>commentService</a:t>
+            </a:r>
+            <a:r>
+              <a:rPr lang="ko-KR" altLang="en-US" sz="1500" dirty="0"/>
+              <a:t>의 </a:t>
+            </a:r>
+            <a:r>
+              <a:rPr lang="en-US" altLang="ko-KR" sz="1500" dirty="0" err="1"/>
+              <a:t>createComment</a:t>
+            </a:r>
+            <a:r>
+              <a:rPr lang="ko-KR" altLang="en-US" sz="1500" dirty="0"/>
+              <a:t> 메소드의 </a:t>
+            </a:r>
+            <a:r>
+              <a:rPr lang="en-US" altLang="ko-KR" sz="1500" dirty="0"/>
+              <a:t>parameter</a:t>
+            </a:r>
+            <a:r>
+              <a:rPr lang="ko-KR" altLang="en-US" sz="1500" dirty="0"/>
+              <a:t>로 넣어준다</a:t>
+            </a:r>
+            <a:r>
+              <a:rPr lang="en-US" altLang="ko-KR" sz="1500" dirty="0"/>
+              <a:t>. (comment </a:t>
+            </a:r>
+            <a:r>
+              <a:rPr lang="ko-KR" altLang="en-US" sz="1500" dirty="0"/>
+              <a:t>데이터를 테이블에 저장한다</a:t>
+            </a:r>
+            <a:r>
+              <a:rPr lang="en-US" altLang="ko-KR" sz="1500" dirty="0"/>
+              <a:t>.)</a:t>
+            </a:r>
+          </a:p>
+          <a:p>
+            <a:r>
+              <a:rPr lang="en-US" altLang="ko-KR" sz="1500" dirty="0"/>
+              <a:t>posts/</a:t>
+            </a:r>
+            <a:r>
+              <a:rPr lang="en-US" altLang="ko-KR" sz="1500" dirty="0" err="1"/>
+              <a:t>postId</a:t>
+            </a:r>
+            <a:r>
+              <a:rPr lang="en-US" altLang="ko-KR" sz="1500" dirty="0"/>
+              <a:t> </a:t>
+            </a:r>
+            <a:r>
+              <a:rPr lang="en-US" altLang="ko-KR" sz="1500" dirty="0" err="1"/>
+              <a:t>url</a:t>
+            </a:r>
+            <a:r>
+              <a:rPr lang="ko-KR" altLang="en-US" sz="1500" dirty="0"/>
+              <a:t>에 </a:t>
+            </a:r>
+            <a:r>
+              <a:rPr lang="en-US" altLang="ko-KR" sz="1500" dirty="0"/>
+              <a:t>get </a:t>
+            </a:r>
+            <a:r>
+              <a:rPr lang="ko-KR" altLang="en-US" sz="1500" dirty="0"/>
+              <a:t>요청을 보낸다</a:t>
+            </a:r>
+            <a:r>
+              <a:rPr lang="en-US" altLang="ko-KR" sz="1500" dirty="0"/>
+              <a:t>.</a:t>
+            </a:r>
+          </a:p>
+          <a:p>
+            <a:r>
+              <a:rPr lang="ko-KR" altLang="en-US" sz="1500" dirty="0"/>
+              <a:t>해당 </a:t>
+            </a:r>
+            <a:r>
+              <a:rPr lang="en-US" altLang="ko-KR" sz="1500" dirty="0" err="1"/>
+              <a:t>url</a:t>
+            </a:r>
+            <a:r>
+              <a:rPr lang="ko-KR" altLang="en-US" sz="1500" dirty="0"/>
+              <a:t>의 </a:t>
+            </a:r>
+            <a:r>
+              <a:rPr lang="ko-KR" altLang="en-US" sz="1500" dirty="0" err="1"/>
+              <a:t>매핑된</a:t>
+            </a:r>
+            <a:r>
+              <a:rPr lang="ko-KR" altLang="en-US" sz="1500" dirty="0"/>
+              <a:t> 메소드가 실행된다</a:t>
+            </a:r>
+            <a:r>
+              <a:rPr lang="en-US" altLang="ko-KR" sz="1500" dirty="0"/>
+              <a:t>.</a:t>
+            </a:r>
+            <a:endParaRPr lang="ko-KR" altLang="en-US" sz="1500" dirty="0"/>
+          </a:p>
+        </p:txBody>
+      </p:sp>
+      <p:pic>
+        <p:nvPicPr>
+          <p:cNvPr id="5" name="그림 4">
+            <a:extLst>
+              <a:ext uri="{FF2B5EF4-FFF2-40B4-BE49-F238E27FC236}">
+                <a16:creationId xmlns:a16="http://schemas.microsoft.com/office/drawing/2014/main" id="{4EFB988A-14D8-6148-9DBD-53F60081A055}"/>
+              </a:ext>
+            </a:extLst>
+          </p:cNvPr>
+          <p:cNvPicPr>
+            <a:picLocks noChangeAspect="1"/>
+          </p:cNvPicPr>
+          <p:nvPr/>
+        </p:nvPicPr>
+        <p:blipFill>
+          <a:blip r:embed="rId2"/>
+          <a:stretch>
+            <a:fillRect/>
+          </a:stretch>
+        </p:blipFill>
+        <p:spPr>
+          <a:xfrm>
+            <a:off x="640188" y="1248569"/>
+            <a:ext cx="5960637" cy="2108475"/>
+          </a:xfrm>
+          <a:prstGeom prst="rect">
+            <a:avLst/>
+          </a:prstGeom>
+        </p:spPr>
+      </p:pic>
+    </p:spTree>
+    <p:extLst>
+      <p:ext uri="{BB962C8B-B14F-4D97-AF65-F5344CB8AC3E}">
+        <p14:creationId xmlns:p14="http://schemas.microsoft.com/office/powerpoint/2010/main" val="1133226704"/>
+      </p:ext>
+    </p:extLst>
+  </p:cSld>
+  <p:clrMapOvr>
+    <a:masterClrMapping/>
+  </p:clrMapOvr>
+</p:sld>
+</file>
+
+<file path=ppt/slides/slide17.xml><?xml version="1.0" encoding="utf-8"?>
+<p:sld xmlns:a="http://schemas.openxmlformats.org/drawingml/2006/main" xmlns:r="http://schemas.openxmlformats.org/officeDocument/2006/relationships" xmlns:p="http://schemas.openxmlformats.org/presentationml/2006/main">
+  <p:cSld>
+    <p:spTree>
+      <p:nvGrpSpPr>
+        <p:cNvPr id="1" name=""/>
+        <p:cNvGrpSpPr/>
+        <p:nvPr/>
+      </p:nvGrpSpPr>
+      <p:grpSpPr>
+        <a:xfrm>
+          <a:off x="0" y="0"/>
+          <a:ext cx="0" cy="0"/>
+          <a:chOff x="0" y="0"/>
+          <a:chExt cx="0" cy="0"/>
+        </a:xfrm>
+      </p:grpSpPr>
+      <p:sp>
+        <p:nvSpPr>
+          <p:cNvPr id="2" name="제목 1">
+            <a:extLst>
+              <a:ext uri="{FF2B5EF4-FFF2-40B4-BE49-F238E27FC236}">
+                <a16:creationId xmlns:a16="http://schemas.microsoft.com/office/drawing/2014/main" id="{9D99B82E-89CD-95EA-1399-FD94360816E6}"/>
+              </a:ext>
+            </a:extLst>
+          </p:cNvPr>
+          <p:cNvSpPr>
+            <a:spLocks noGrp="1"/>
+          </p:cNvSpPr>
+          <p:nvPr>
+            <p:ph type="title"/>
+          </p:nvPr>
+        </p:nvSpPr>
+        <p:spPr/>
+        <p:txBody>
+          <a:bodyPr/>
+          <a:lstStyle/>
+          <a:p>
+            <a:r>
+              <a:rPr lang="en-US" altLang="ko-KR" sz="3000" dirty="0"/>
+              <a:t>VIEW</a:t>
+            </a:r>
+            <a:r>
+              <a:rPr lang="en-US" altLang="ko-KR" sz="2000" dirty="0"/>
+              <a:t>(</a:t>
+            </a:r>
+            <a:r>
+              <a:rPr lang="en-US" altLang="ko-KR" sz="2000" dirty="0" err="1"/>
+              <a:t>postList.jsp</a:t>
+            </a:r>
+            <a:r>
+              <a:rPr lang="en-US" altLang="ko-KR" sz="2000" dirty="0"/>
+              <a:t>)</a:t>
+            </a:r>
+            <a:endParaRPr lang="ko-KR" altLang="en-US" sz="2000" dirty="0"/>
+          </a:p>
+        </p:txBody>
+      </p:sp>
+      <p:sp>
+        <p:nvSpPr>
+          <p:cNvPr id="3" name="내용 개체 틀 2">
+            <a:extLst>
+              <a:ext uri="{FF2B5EF4-FFF2-40B4-BE49-F238E27FC236}">
+                <a16:creationId xmlns:a16="http://schemas.microsoft.com/office/drawing/2014/main" id="{36821055-24C4-5EB5-0FE0-96515ECC2CCE}"/>
+              </a:ext>
+            </a:extLst>
+          </p:cNvPr>
+          <p:cNvSpPr>
+            <a:spLocks noGrp="1"/>
+          </p:cNvSpPr>
+          <p:nvPr>
+            <p:ph idx="1"/>
+          </p:nvPr>
+        </p:nvSpPr>
+        <p:spPr>
+          <a:xfrm>
+            <a:off x="5191126" y="1825625"/>
+            <a:ext cx="6162674" cy="4351338"/>
+          </a:xfrm>
+        </p:spPr>
+        <p:txBody>
+          <a:bodyPr>
+            <a:normAutofit/>
+          </a:bodyPr>
+          <a:lstStyle/>
+          <a:p>
+            <a:r>
+              <a:rPr lang="ko-KR" altLang="en-US" sz="1500" dirty="0"/>
+              <a:t>로그아웃 누를 시</a:t>
+            </a:r>
+            <a:r>
+              <a:rPr lang="en-US" altLang="ko-KR" sz="1500" dirty="0"/>
+              <a:t>, user/logout </a:t>
+            </a:r>
+            <a:r>
+              <a:rPr lang="en-US" altLang="ko-KR" sz="1500" dirty="0" err="1"/>
+              <a:t>url</a:t>
+            </a:r>
+            <a:r>
+              <a:rPr lang="ko-KR" altLang="en-US" sz="1500" dirty="0"/>
+              <a:t>로 </a:t>
+            </a:r>
+            <a:r>
+              <a:rPr lang="en-US" altLang="ko-KR" sz="1500" dirty="0"/>
+              <a:t>get </a:t>
+            </a:r>
+            <a:r>
+              <a:rPr lang="ko-KR" altLang="en-US" sz="1500" dirty="0"/>
+              <a:t>요청을 보낸다</a:t>
+            </a:r>
+            <a:r>
+              <a:rPr lang="en-US" altLang="ko-KR" sz="1500" dirty="0"/>
+              <a:t>.</a:t>
+            </a:r>
+          </a:p>
+          <a:p>
+            <a:r>
+              <a:rPr lang="ko-KR" altLang="en-US" sz="1500" dirty="0"/>
+              <a:t>새 글 작성을 누를 시</a:t>
+            </a:r>
+            <a:r>
+              <a:rPr lang="en-US" altLang="ko-KR" sz="1500" dirty="0"/>
+              <a:t>, posts/new </a:t>
+            </a:r>
+            <a:r>
+              <a:rPr lang="en-US" altLang="ko-KR" sz="1500" dirty="0" err="1"/>
+              <a:t>url</a:t>
+            </a:r>
+            <a:r>
+              <a:rPr lang="ko-KR" altLang="en-US" sz="1500" dirty="0"/>
+              <a:t>로 </a:t>
+            </a:r>
+            <a:r>
+              <a:rPr lang="en-US" altLang="ko-KR" sz="1500" dirty="0"/>
+              <a:t>get </a:t>
+            </a:r>
+            <a:r>
+              <a:rPr lang="ko-KR" altLang="en-US" sz="1500" dirty="0"/>
+              <a:t>요청을 보낸다</a:t>
+            </a:r>
+            <a:r>
+              <a:rPr lang="en-US" altLang="ko-KR" sz="1500" dirty="0"/>
+              <a:t>.</a:t>
+            </a:r>
+          </a:p>
+          <a:p>
+            <a:r>
+              <a:rPr lang="ko-KR" altLang="en-US" sz="1500" dirty="0"/>
+              <a:t>로그인을 누를 시</a:t>
+            </a:r>
+            <a:r>
+              <a:rPr lang="en-US" altLang="ko-KR" sz="1500" dirty="0"/>
+              <a:t>, user/login</a:t>
+            </a:r>
+            <a:r>
+              <a:rPr lang="ko-KR" altLang="en-US" sz="1500" dirty="0"/>
+              <a:t>으로 </a:t>
+            </a:r>
+            <a:r>
+              <a:rPr lang="en-US" altLang="ko-KR" sz="1500" dirty="0"/>
+              <a:t>get </a:t>
+            </a:r>
+            <a:r>
+              <a:rPr lang="ko-KR" altLang="en-US" sz="1500" dirty="0"/>
+              <a:t>요청을 보낸다</a:t>
+            </a:r>
+            <a:r>
+              <a:rPr lang="en-US" altLang="ko-KR" sz="1500" dirty="0"/>
+              <a:t>.</a:t>
+            </a:r>
+          </a:p>
+          <a:p>
+            <a:endParaRPr lang="en-US" altLang="ko-KR" sz="1500" dirty="0"/>
+          </a:p>
+          <a:p>
+            <a:r>
+              <a:rPr lang="ko-KR" altLang="en-US" sz="1500" dirty="0" err="1"/>
+              <a:t>새글</a:t>
+            </a:r>
+            <a:r>
+              <a:rPr lang="ko-KR" altLang="en-US" sz="1500" dirty="0"/>
+              <a:t> 작성을 누를 시</a:t>
+            </a:r>
+            <a:r>
+              <a:rPr lang="en-US" altLang="ko-KR" sz="1500" dirty="0"/>
+              <a:t>, </a:t>
+            </a:r>
+            <a:r>
+              <a:rPr lang="ko-KR" altLang="en-US" sz="1500" dirty="0"/>
+              <a:t>보낸 </a:t>
+            </a:r>
+            <a:r>
+              <a:rPr lang="en-US" altLang="ko-KR" sz="1500" dirty="0"/>
+              <a:t>get</a:t>
+            </a:r>
+            <a:r>
+              <a:rPr lang="ko-KR" altLang="en-US" sz="1500" dirty="0"/>
+              <a:t>요청을 받아서</a:t>
+            </a:r>
+            <a:r>
+              <a:rPr lang="en-US" altLang="ko-KR" sz="1500" dirty="0"/>
+              <a:t>, </a:t>
+            </a:r>
+            <a:r>
+              <a:rPr lang="ko-KR" altLang="en-US" sz="1500" dirty="0" err="1"/>
+              <a:t>매핑된</a:t>
+            </a:r>
+            <a:r>
+              <a:rPr lang="ko-KR" altLang="en-US" sz="1500" dirty="0"/>
+              <a:t> </a:t>
+            </a:r>
+            <a:r>
+              <a:rPr lang="en-US" altLang="ko-KR" sz="1500" dirty="0" err="1"/>
+              <a:t>newPostForm</a:t>
+            </a:r>
+            <a:r>
+              <a:rPr lang="ko-KR" altLang="en-US" sz="1500" dirty="0"/>
+              <a:t>메소드를 호출한다</a:t>
+            </a:r>
+            <a:r>
+              <a:rPr lang="en-US" altLang="ko-KR" sz="1500" dirty="0"/>
+              <a:t>.</a:t>
+            </a:r>
+          </a:p>
+          <a:p>
+            <a:r>
+              <a:rPr lang="ko-KR" altLang="en-US" sz="1500" dirty="0"/>
+              <a:t>호출된 메소드는 </a:t>
+            </a:r>
+            <a:r>
+              <a:rPr lang="en-US" altLang="ko-KR" sz="1500" dirty="0"/>
+              <a:t>login</a:t>
+            </a:r>
+            <a:r>
+              <a:rPr lang="ko-KR" altLang="en-US" sz="1500" dirty="0"/>
+              <a:t>되어 있는지 확인 후에</a:t>
+            </a:r>
+            <a:r>
+              <a:rPr lang="en-US" altLang="ko-KR" sz="1500" dirty="0"/>
+              <a:t>, </a:t>
+            </a:r>
+            <a:r>
+              <a:rPr lang="en-US" altLang="ko-KR" sz="1500" dirty="0" err="1"/>
+              <a:t>requestScope</a:t>
+            </a:r>
+            <a:r>
+              <a:rPr lang="ko-KR" altLang="en-US" sz="1500" dirty="0"/>
+              <a:t>의 </a:t>
+            </a:r>
+            <a:r>
+              <a:rPr lang="en-US" altLang="ko-KR" sz="1500" dirty="0"/>
+              <a:t>model</a:t>
+            </a:r>
+            <a:r>
+              <a:rPr lang="ko-KR" altLang="en-US" sz="1500" dirty="0"/>
+              <a:t>에 </a:t>
+            </a:r>
+            <a:r>
+              <a:rPr lang="en-US" altLang="ko-KR" sz="1500" dirty="0"/>
+              <a:t>key “post”</a:t>
+            </a:r>
+            <a:r>
+              <a:rPr lang="ko-KR" altLang="en-US" sz="1500" dirty="0"/>
+              <a:t>로 새롭게 생성한 </a:t>
+            </a:r>
+            <a:r>
+              <a:rPr lang="en-US" altLang="ko-KR" sz="1500" dirty="0"/>
+              <a:t>Post()</a:t>
+            </a:r>
+            <a:r>
+              <a:rPr lang="ko-KR" altLang="en-US" sz="1500" dirty="0"/>
+              <a:t>객체를 </a:t>
+            </a:r>
+            <a:r>
+              <a:rPr lang="en-US" altLang="ko-KR" sz="1500" dirty="0"/>
+              <a:t>value</a:t>
+            </a:r>
+            <a:r>
+              <a:rPr lang="ko-KR" altLang="en-US" sz="1500" dirty="0"/>
+              <a:t>로 저장한다</a:t>
+            </a:r>
+            <a:r>
+              <a:rPr lang="en-US" altLang="ko-KR" sz="1500" dirty="0"/>
+              <a:t>. </a:t>
+            </a:r>
+            <a:r>
+              <a:rPr lang="ko-KR" altLang="en-US" sz="1500" dirty="0"/>
+              <a:t>그리고 </a:t>
+            </a:r>
+            <a:r>
+              <a:rPr lang="en-US" altLang="ko-KR" sz="1500" dirty="0" err="1"/>
+              <a:t>postForm.jsp</a:t>
+            </a:r>
+            <a:r>
+              <a:rPr lang="ko-KR" altLang="en-US" sz="1500" dirty="0"/>
+              <a:t>를 호출한다</a:t>
+            </a:r>
+            <a:r>
+              <a:rPr lang="en-US" altLang="ko-KR" sz="1500" dirty="0"/>
+              <a:t>.</a:t>
+            </a:r>
+            <a:endParaRPr lang="ko-KR" altLang="en-US" sz="1500" dirty="0"/>
+          </a:p>
+        </p:txBody>
+      </p:sp>
+      <p:pic>
+        <p:nvPicPr>
+          <p:cNvPr id="5" name="그림 4">
+            <a:extLst>
+              <a:ext uri="{FF2B5EF4-FFF2-40B4-BE49-F238E27FC236}">
+                <a16:creationId xmlns:a16="http://schemas.microsoft.com/office/drawing/2014/main" id="{2E056281-A1CA-C222-925D-A73DEC4A2463}"/>
+              </a:ext>
+            </a:extLst>
+          </p:cNvPr>
+          <p:cNvPicPr>
+            <a:picLocks noChangeAspect="1"/>
+          </p:cNvPicPr>
+          <p:nvPr/>
+        </p:nvPicPr>
+        <p:blipFill>
+          <a:blip r:embed="rId2"/>
+          <a:stretch>
+            <a:fillRect/>
+          </a:stretch>
+        </p:blipFill>
+        <p:spPr>
+          <a:xfrm>
+            <a:off x="270480" y="1464199"/>
+            <a:ext cx="4920645" cy="2021374"/>
+          </a:xfrm>
+          <a:prstGeom prst="rect">
+            <a:avLst/>
+          </a:prstGeom>
+        </p:spPr>
+      </p:pic>
+      <p:pic>
+        <p:nvPicPr>
+          <p:cNvPr id="7" name="그림 6">
+            <a:extLst>
+              <a:ext uri="{FF2B5EF4-FFF2-40B4-BE49-F238E27FC236}">
+                <a16:creationId xmlns:a16="http://schemas.microsoft.com/office/drawing/2014/main" id="{D6D44DE0-8583-5297-339F-28683EC375DF}"/>
+              </a:ext>
+            </a:extLst>
+          </p:cNvPr>
+          <p:cNvPicPr>
+            <a:picLocks noChangeAspect="1"/>
+          </p:cNvPicPr>
+          <p:nvPr/>
+        </p:nvPicPr>
+        <p:blipFill>
+          <a:blip r:embed="rId3"/>
+          <a:stretch>
+            <a:fillRect/>
+          </a:stretch>
+        </p:blipFill>
+        <p:spPr>
+          <a:xfrm>
+            <a:off x="270480" y="3790950"/>
+            <a:ext cx="4625370" cy="1397247"/>
+          </a:xfrm>
+          <a:prstGeom prst="rect">
+            <a:avLst/>
+          </a:prstGeom>
+        </p:spPr>
+      </p:pic>
+    </p:spTree>
+    <p:extLst>
+      <p:ext uri="{BB962C8B-B14F-4D97-AF65-F5344CB8AC3E}">
+        <p14:creationId xmlns:p14="http://schemas.microsoft.com/office/powerpoint/2010/main" val="1910311563"/>
+      </p:ext>
+    </p:extLst>
+  </p:cSld>
+  <p:clrMapOvr>
+    <a:masterClrMapping/>
+  </p:clrMapOvr>
+</p:sld>
+</file>
+
+<file path=ppt/slides/slide18.xml><?xml version="1.0" encoding="utf-8"?>
+<p:sld xmlns:a="http://schemas.openxmlformats.org/drawingml/2006/main" xmlns:r="http://schemas.openxmlformats.org/officeDocument/2006/relationships" xmlns:p="http://schemas.openxmlformats.org/presentationml/2006/main">
+  <p:cSld>
+    <p:spTree>
+      <p:nvGrpSpPr>
+        <p:cNvPr id="1" name=""/>
+        <p:cNvGrpSpPr/>
+        <p:nvPr/>
+      </p:nvGrpSpPr>
+      <p:grpSpPr>
+        <a:xfrm>
+          <a:off x="0" y="0"/>
+          <a:ext cx="0" cy="0"/>
+          <a:chOff x="0" y="0"/>
+          <a:chExt cx="0" cy="0"/>
+        </a:xfrm>
+      </p:grpSpPr>
+      <p:sp>
+        <p:nvSpPr>
+          <p:cNvPr id="2" name="제목 1">
+            <a:extLst>
+              <a:ext uri="{FF2B5EF4-FFF2-40B4-BE49-F238E27FC236}">
+                <a16:creationId xmlns:a16="http://schemas.microsoft.com/office/drawing/2014/main" id="{6A201E2F-3578-143A-8658-EB2D2979DC0F}"/>
+              </a:ext>
+            </a:extLst>
+          </p:cNvPr>
+          <p:cNvSpPr>
+            <a:spLocks noGrp="1"/>
+          </p:cNvSpPr>
+          <p:nvPr>
+            <p:ph type="title"/>
+          </p:nvPr>
+        </p:nvSpPr>
+        <p:spPr/>
+        <p:txBody>
+          <a:bodyPr/>
+          <a:lstStyle/>
+          <a:p>
+            <a:r>
+              <a:rPr lang="en-US" altLang="ko-KR" sz="3000" dirty="0"/>
+              <a:t>VIEW</a:t>
+            </a:r>
+            <a:r>
+              <a:rPr lang="en-US" altLang="ko-KR" sz="2000" dirty="0"/>
+              <a:t>(</a:t>
+            </a:r>
+            <a:r>
+              <a:rPr lang="en-US" altLang="ko-KR" sz="2000" dirty="0" err="1"/>
+              <a:t>postList.jsp</a:t>
+            </a:r>
+            <a:r>
+              <a:rPr lang="en-US" altLang="ko-KR" sz="2000" dirty="0"/>
+              <a:t>)</a:t>
+            </a:r>
+            <a:endParaRPr lang="ko-KR" altLang="en-US" sz="2000" dirty="0"/>
+          </a:p>
+        </p:txBody>
+      </p:sp>
+      <p:sp>
+        <p:nvSpPr>
+          <p:cNvPr id="3" name="내용 개체 틀 2">
+            <a:extLst>
+              <a:ext uri="{FF2B5EF4-FFF2-40B4-BE49-F238E27FC236}">
+                <a16:creationId xmlns:a16="http://schemas.microsoft.com/office/drawing/2014/main" id="{3D9C0342-5DA4-2928-36EC-8023C4152B25}"/>
+              </a:ext>
+            </a:extLst>
+          </p:cNvPr>
+          <p:cNvSpPr>
+            <a:spLocks noGrp="1"/>
+          </p:cNvSpPr>
+          <p:nvPr>
+            <p:ph idx="1"/>
+          </p:nvPr>
+        </p:nvSpPr>
+        <p:spPr>
+          <a:xfrm>
+            <a:off x="838200" y="3495963"/>
+            <a:ext cx="10515600" cy="2652425"/>
+          </a:xfrm>
+        </p:spPr>
+        <p:txBody>
+          <a:bodyPr>
+            <a:normAutofit/>
+          </a:bodyPr>
+          <a:lstStyle/>
+          <a:p>
+            <a:r>
+              <a:rPr lang="ko-KR" altLang="en-US" sz="1500" dirty="0" err="1"/>
+              <a:t>페이지네이션</a:t>
+            </a:r>
+            <a:r>
+              <a:rPr lang="ko-KR" altLang="en-US" sz="1500" dirty="0"/>
+              <a:t> 로직</a:t>
+            </a:r>
+            <a:endParaRPr lang="en-US" altLang="ko-KR" sz="1500" dirty="0"/>
+          </a:p>
+          <a:p>
+            <a:r>
+              <a:rPr lang="ko-KR" altLang="en-US" sz="1500" dirty="0"/>
+              <a:t>현재 페이지는 링크가 없이</a:t>
+            </a:r>
+            <a:r>
+              <a:rPr lang="en-US" altLang="ko-KR" sz="1500" dirty="0"/>
+              <a:t>, </a:t>
+            </a:r>
+            <a:r>
+              <a:rPr lang="ko-KR" altLang="en-US" sz="1500" dirty="0"/>
+              <a:t>표시되고</a:t>
+            </a:r>
+            <a:r>
+              <a:rPr lang="en-US" altLang="ko-KR" sz="1500" dirty="0"/>
+              <a:t>, </a:t>
+            </a:r>
+            <a:r>
+              <a:rPr lang="ko-KR" altLang="en-US" sz="1500" dirty="0"/>
+              <a:t>현재페이지가 아닌 다른 페이지는 페이지 넘버에 링크 </a:t>
+            </a:r>
+            <a:r>
+              <a:rPr lang="en-US" altLang="ko-KR" sz="1500" dirty="0"/>
+              <a:t>(get </a:t>
+            </a:r>
+            <a:r>
+              <a:rPr lang="ko-KR" altLang="en-US" sz="1500" dirty="0"/>
+              <a:t>요청</a:t>
+            </a:r>
+            <a:r>
+              <a:rPr lang="en-US" altLang="ko-KR" sz="1500" dirty="0"/>
+              <a:t>)</a:t>
+            </a:r>
+            <a:r>
+              <a:rPr lang="ko-KR" altLang="en-US" sz="1500" dirty="0"/>
+              <a:t>가 걸려있게 된다</a:t>
+            </a:r>
+            <a:r>
+              <a:rPr lang="en-US" altLang="ko-KR" sz="1500" dirty="0"/>
+              <a:t>. (get</a:t>
+            </a:r>
+            <a:r>
+              <a:rPr lang="ko-KR" altLang="en-US" sz="1500" dirty="0"/>
+              <a:t>요청이 </a:t>
+            </a:r>
+            <a:r>
+              <a:rPr lang="en-US" altLang="ko-KR" sz="1500" dirty="0"/>
+              <a:t>page, size 2</a:t>
+            </a:r>
+            <a:r>
+              <a:rPr lang="ko-KR" altLang="en-US" sz="1500" dirty="0"/>
+              <a:t>개의</a:t>
+            </a:r>
+            <a:r>
+              <a:rPr lang="en-US" altLang="ko-KR" sz="1500" dirty="0"/>
+              <a:t> query parameter</a:t>
+            </a:r>
+            <a:r>
+              <a:rPr lang="ko-KR" altLang="en-US" sz="1500" dirty="0"/>
+              <a:t>와 함께 해당하는 </a:t>
+            </a:r>
+            <a:r>
+              <a:rPr lang="en-US" altLang="ko-KR" sz="1500" dirty="0" err="1"/>
+              <a:t>url</a:t>
+            </a:r>
+            <a:r>
+              <a:rPr lang="ko-KR" altLang="en-US" sz="1500" dirty="0"/>
+              <a:t>로 전달된다</a:t>
+            </a:r>
+            <a:r>
+              <a:rPr lang="en-US" altLang="ko-KR" sz="1500" dirty="0"/>
+              <a:t>.)</a:t>
+            </a:r>
+          </a:p>
+          <a:p>
+            <a:r>
+              <a:rPr lang="ko-KR" altLang="en-US" sz="1500" dirty="0" err="1"/>
+              <a:t>매핑된</a:t>
+            </a:r>
+            <a:r>
+              <a:rPr lang="ko-KR" altLang="en-US" sz="1500" dirty="0"/>
+              <a:t> 메소드가 호출되고</a:t>
+            </a:r>
+            <a:r>
+              <a:rPr lang="en-US" altLang="ko-KR" sz="1500" dirty="0"/>
+              <a:t>, </a:t>
+            </a:r>
+            <a:r>
+              <a:rPr lang="en-US" altLang="ko-KR" sz="1500" dirty="0" err="1"/>
+              <a:t>postService</a:t>
+            </a:r>
+            <a:r>
+              <a:rPr lang="ko-KR" altLang="en-US" sz="1500" dirty="0"/>
+              <a:t>의 해당 메소드를 파라미터와 함께 호출 후</a:t>
+            </a:r>
+            <a:r>
+              <a:rPr lang="en-US" altLang="ko-KR" sz="1500" dirty="0"/>
+              <a:t>, </a:t>
+            </a:r>
+            <a:r>
+              <a:rPr lang="en-US" altLang="ko-KR" sz="1500" dirty="0" err="1"/>
+              <a:t>requestScope</a:t>
+            </a:r>
+            <a:r>
+              <a:rPr lang="ko-KR" altLang="en-US" sz="1500" dirty="0"/>
+              <a:t>의 </a:t>
+            </a:r>
+            <a:r>
+              <a:rPr lang="en-US" altLang="ko-KR" sz="1500" dirty="0"/>
+              <a:t>model</a:t>
+            </a:r>
+            <a:r>
+              <a:rPr lang="ko-KR" altLang="en-US" sz="1500" dirty="0"/>
+              <a:t>에 있는 </a:t>
+            </a:r>
+            <a:r>
+              <a:rPr lang="en-US" altLang="ko-KR" sz="1500" dirty="0"/>
+              <a:t>attribute</a:t>
+            </a:r>
+            <a:r>
+              <a:rPr lang="ko-KR" altLang="en-US" sz="1500" dirty="0"/>
+              <a:t>와 함께 </a:t>
+            </a:r>
+            <a:r>
+              <a:rPr lang="en-US" altLang="ko-KR" sz="1500" dirty="0" err="1"/>
+              <a:t>postList.jsp</a:t>
+            </a:r>
+            <a:r>
+              <a:rPr lang="ko-KR" altLang="en-US" sz="1500" dirty="0"/>
+              <a:t>를 다시 호출한다</a:t>
+            </a:r>
+            <a:r>
+              <a:rPr lang="en-US" altLang="ko-KR" sz="1500" dirty="0"/>
+              <a:t>.</a:t>
+            </a:r>
+          </a:p>
+          <a:p>
+            <a:endParaRPr lang="ko-KR" altLang="en-US" sz="1500" dirty="0"/>
+          </a:p>
+        </p:txBody>
+      </p:sp>
+      <p:pic>
+        <p:nvPicPr>
+          <p:cNvPr id="7" name="그림 6">
+            <a:extLst>
+              <a:ext uri="{FF2B5EF4-FFF2-40B4-BE49-F238E27FC236}">
+                <a16:creationId xmlns:a16="http://schemas.microsoft.com/office/drawing/2014/main" id="{2430D72B-1FE4-7F44-04CC-00BBAF15C07D}"/>
+              </a:ext>
+            </a:extLst>
+          </p:cNvPr>
+          <p:cNvPicPr>
+            <a:picLocks noChangeAspect="1"/>
+          </p:cNvPicPr>
+          <p:nvPr/>
+        </p:nvPicPr>
+        <p:blipFill>
+          <a:blip r:embed="rId2"/>
+          <a:stretch>
+            <a:fillRect/>
+          </a:stretch>
+        </p:blipFill>
+        <p:spPr>
+          <a:xfrm>
+            <a:off x="464467" y="1260099"/>
+            <a:ext cx="6227951" cy="2235864"/>
+          </a:xfrm>
+          <a:prstGeom prst="rect">
+            <a:avLst/>
+          </a:prstGeom>
+        </p:spPr>
+      </p:pic>
+      <p:pic>
+        <p:nvPicPr>
+          <p:cNvPr id="9" name="그림 8">
+            <a:extLst>
+              <a:ext uri="{FF2B5EF4-FFF2-40B4-BE49-F238E27FC236}">
+                <a16:creationId xmlns:a16="http://schemas.microsoft.com/office/drawing/2014/main" id="{A7782E27-6948-4180-7E20-64F4E89EB950}"/>
+              </a:ext>
+            </a:extLst>
+          </p:cNvPr>
+          <p:cNvPicPr>
+            <a:picLocks noChangeAspect="1"/>
+          </p:cNvPicPr>
+          <p:nvPr/>
+        </p:nvPicPr>
+        <p:blipFill>
+          <a:blip r:embed="rId3"/>
+          <a:stretch>
+            <a:fillRect/>
+          </a:stretch>
+        </p:blipFill>
+        <p:spPr>
+          <a:xfrm>
+            <a:off x="6692418" y="1165983"/>
+            <a:ext cx="4787540" cy="2196054"/>
+          </a:xfrm>
+          <a:prstGeom prst="rect">
+            <a:avLst/>
+          </a:prstGeom>
+        </p:spPr>
+      </p:pic>
+    </p:spTree>
+    <p:extLst>
+      <p:ext uri="{BB962C8B-B14F-4D97-AF65-F5344CB8AC3E}">
+        <p14:creationId xmlns:p14="http://schemas.microsoft.com/office/powerpoint/2010/main" val="320098866"/>
       </p:ext>
     </p:extLst>
   </p:cSld>
@@ -4400,6 +6842,1056 @@
           <p:cNvPr id="2" name="제목 1">
             <a:extLst>
               <a:ext uri="{FF2B5EF4-FFF2-40B4-BE49-F238E27FC236}">
+                <a16:creationId xmlns:a16="http://schemas.microsoft.com/office/drawing/2014/main" id="{CDFB9567-DDFB-78A3-4955-CDC503869301}"/>
+              </a:ext>
+            </a:extLst>
+          </p:cNvPr>
+          <p:cNvSpPr>
+            <a:spLocks noGrp="1"/>
+          </p:cNvSpPr>
+          <p:nvPr>
+            <p:ph type="title"/>
+          </p:nvPr>
+        </p:nvSpPr>
+        <p:spPr/>
+        <p:txBody>
+          <a:bodyPr>
+            <a:normAutofit/>
+          </a:bodyPr>
+          <a:lstStyle/>
+          <a:p>
+            <a:r>
+              <a:rPr lang="ko-KR" altLang="en-US" sz="3000" dirty="0"/>
+              <a:t>테이블</a:t>
+            </a:r>
+          </a:p>
+        </p:txBody>
+      </p:sp>
+      <p:sp>
+        <p:nvSpPr>
+          <p:cNvPr id="6" name="직사각형 5">
+            <a:extLst>
+              <a:ext uri="{FF2B5EF4-FFF2-40B4-BE49-F238E27FC236}">
+                <a16:creationId xmlns:a16="http://schemas.microsoft.com/office/drawing/2014/main" id="{365C1814-EC52-10FC-C2CC-BECB573DC276}"/>
+              </a:ext>
+            </a:extLst>
+          </p:cNvPr>
+          <p:cNvSpPr/>
+          <p:nvPr/>
+        </p:nvSpPr>
+        <p:spPr>
+          <a:xfrm>
+            <a:off x="1048732" y="1639307"/>
+            <a:ext cx="2628900" cy="433387"/>
+          </a:xfrm>
+          <a:prstGeom prst="rect">
+            <a:avLst/>
+          </a:prstGeom>
+        </p:spPr>
+        <p:style>
+          <a:lnRef idx="2">
+            <a:schemeClr val="accent6"/>
+          </a:lnRef>
+          <a:fillRef idx="1">
+            <a:schemeClr val="lt1"/>
+          </a:fillRef>
+          <a:effectRef idx="0">
+            <a:schemeClr val="accent6"/>
+          </a:effectRef>
+          <a:fontRef idx="minor">
+            <a:schemeClr val="dk1"/>
+          </a:fontRef>
+        </p:style>
+        <p:txBody>
+          <a:bodyPr rtlCol="0" anchor="ctr"/>
+          <a:lstStyle/>
+          <a:p>
+            <a:pPr algn="ctr"/>
+            <a:r>
+              <a:rPr lang="en-US" altLang="ko-KR" dirty="0"/>
+              <a:t>OT.POSTS</a:t>
+            </a:r>
+            <a:endParaRPr lang="ko-KR" altLang="en-US" dirty="0"/>
+          </a:p>
+        </p:txBody>
+      </p:sp>
+      <p:pic>
+        <p:nvPicPr>
+          <p:cNvPr id="8" name="그림 7">
+            <a:extLst>
+              <a:ext uri="{FF2B5EF4-FFF2-40B4-BE49-F238E27FC236}">
+                <a16:creationId xmlns:a16="http://schemas.microsoft.com/office/drawing/2014/main" id="{F87F010C-0C46-09FC-7430-6E24FF70E221}"/>
+              </a:ext>
+            </a:extLst>
+          </p:cNvPr>
+          <p:cNvPicPr>
+            <a:picLocks noChangeAspect="1"/>
+          </p:cNvPicPr>
+          <p:nvPr/>
+        </p:nvPicPr>
+        <p:blipFill>
+          <a:blip r:embed="rId2"/>
+          <a:stretch>
+            <a:fillRect/>
+          </a:stretch>
+        </p:blipFill>
+        <p:spPr>
+          <a:xfrm>
+            <a:off x="5152435" y="2197894"/>
+            <a:ext cx="4085698" cy="1847850"/>
+          </a:xfrm>
+          <a:prstGeom prst="rect">
+            <a:avLst/>
+          </a:prstGeom>
+        </p:spPr>
+      </p:pic>
+      <p:pic>
+        <p:nvPicPr>
+          <p:cNvPr id="10" name="그림 9">
+            <a:extLst>
+              <a:ext uri="{FF2B5EF4-FFF2-40B4-BE49-F238E27FC236}">
+                <a16:creationId xmlns:a16="http://schemas.microsoft.com/office/drawing/2014/main" id="{30AE5082-9F2F-2DE0-6690-F149F1B37856}"/>
+              </a:ext>
+            </a:extLst>
+          </p:cNvPr>
+          <p:cNvPicPr>
+            <a:picLocks noChangeAspect="1"/>
+          </p:cNvPicPr>
+          <p:nvPr/>
+        </p:nvPicPr>
+        <p:blipFill>
+          <a:blip r:embed="rId3"/>
+          <a:stretch>
+            <a:fillRect/>
+          </a:stretch>
+        </p:blipFill>
+        <p:spPr>
+          <a:xfrm>
+            <a:off x="609600" y="2197894"/>
+            <a:ext cx="3657600" cy="1847850"/>
+          </a:xfrm>
+          <a:prstGeom prst="rect">
+            <a:avLst/>
+          </a:prstGeom>
+        </p:spPr>
+      </p:pic>
+      <p:sp>
+        <p:nvSpPr>
+          <p:cNvPr id="11" name="직사각형 10">
+            <a:extLst>
+              <a:ext uri="{FF2B5EF4-FFF2-40B4-BE49-F238E27FC236}">
+                <a16:creationId xmlns:a16="http://schemas.microsoft.com/office/drawing/2014/main" id="{E2E6F7A4-9B69-4400-3766-7D3114DC6703}"/>
+              </a:ext>
+            </a:extLst>
+          </p:cNvPr>
+          <p:cNvSpPr/>
+          <p:nvPr/>
+        </p:nvSpPr>
+        <p:spPr>
+          <a:xfrm>
+            <a:off x="5828320" y="1639307"/>
+            <a:ext cx="2628900" cy="433387"/>
+          </a:xfrm>
+          <a:prstGeom prst="rect">
+            <a:avLst/>
+          </a:prstGeom>
+        </p:spPr>
+        <p:style>
+          <a:lnRef idx="2">
+            <a:schemeClr val="accent6"/>
+          </a:lnRef>
+          <a:fillRef idx="1">
+            <a:schemeClr val="lt1"/>
+          </a:fillRef>
+          <a:effectRef idx="0">
+            <a:schemeClr val="accent6"/>
+          </a:effectRef>
+          <a:fontRef idx="minor">
+            <a:schemeClr val="dk1"/>
+          </a:fontRef>
+        </p:style>
+        <p:txBody>
+          <a:bodyPr rtlCol="0" anchor="ctr"/>
+          <a:lstStyle/>
+          <a:p>
+            <a:pPr algn="ctr"/>
+            <a:r>
+              <a:rPr lang="en-US" altLang="ko-KR" dirty="0"/>
+              <a:t>OT.COMMENTS</a:t>
+            </a:r>
+            <a:endParaRPr lang="ko-KR" altLang="en-US" dirty="0"/>
+          </a:p>
+        </p:txBody>
+      </p:sp>
+      <p:sp>
+        <p:nvSpPr>
+          <p:cNvPr id="28" name="화살표: 오른쪽으로 구부러짐 27">
+            <a:extLst>
+              <a:ext uri="{FF2B5EF4-FFF2-40B4-BE49-F238E27FC236}">
+                <a16:creationId xmlns:a16="http://schemas.microsoft.com/office/drawing/2014/main" id="{69B5FCD4-4393-C870-26EE-5DBCBA065583}"/>
+              </a:ext>
+            </a:extLst>
+          </p:cNvPr>
+          <p:cNvSpPr/>
+          <p:nvPr/>
+        </p:nvSpPr>
+        <p:spPr>
+          <a:xfrm rot="10539409">
+            <a:off x="9262328" y="2479251"/>
+            <a:ext cx="302677" cy="650450"/>
+          </a:xfrm>
+          <a:prstGeom prst="curvedRightArrow">
+            <a:avLst/>
+          </a:prstGeom>
+        </p:spPr>
+        <p:style>
+          <a:lnRef idx="2">
+            <a:schemeClr val="accent1">
+              <a:shade val="15000"/>
+            </a:schemeClr>
+          </a:lnRef>
+          <a:fillRef idx="1">
+            <a:schemeClr val="accent1"/>
+          </a:fillRef>
+          <a:effectRef idx="0">
+            <a:schemeClr val="accent1"/>
+          </a:effectRef>
+          <a:fontRef idx="minor">
+            <a:schemeClr val="lt1"/>
+          </a:fontRef>
+        </p:style>
+        <p:txBody>
+          <a:bodyPr rtlCol="0" anchor="ctr"/>
+          <a:lstStyle/>
+          <a:p>
+            <a:pPr algn="ctr"/>
+            <a:endParaRPr lang="ko-KR" altLang="en-US">
+              <a:solidFill>
+                <a:schemeClr val="tx1"/>
+              </a:solidFill>
+            </a:endParaRPr>
+          </a:p>
+        </p:txBody>
+      </p:sp>
+      <p:cxnSp>
+        <p:nvCxnSpPr>
+          <p:cNvPr id="33" name="연결선: 꺾임 32">
+            <a:extLst>
+              <a:ext uri="{FF2B5EF4-FFF2-40B4-BE49-F238E27FC236}">
+                <a16:creationId xmlns:a16="http://schemas.microsoft.com/office/drawing/2014/main" id="{59C68857-58F8-0FE3-3614-1D26BA6F5CEB}"/>
+              </a:ext>
+            </a:extLst>
+          </p:cNvPr>
+          <p:cNvCxnSpPr/>
+          <p:nvPr/>
+        </p:nvCxnSpPr>
+        <p:spPr>
+          <a:xfrm rot="10800000">
+            <a:off x="4267201" y="2667786"/>
+            <a:ext cx="885235" cy="169682"/>
+          </a:xfrm>
+          <a:prstGeom prst="bentConnector3">
+            <a:avLst/>
+          </a:prstGeom>
+          <a:ln>
+            <a:tailEnd type="triangle"/>
+          </a:ln>
+        </p:spPr>
+        <p:style>
+          <a:lnRef idx="2">
+            <a:schemeClr val="accent1"/>
+          </a:lnRef>
+          <a:fillRef idx="0">
+            <a:schemeClr val="accent1"/>
+          </a:fillRef>
+          <a:effectRef idx="1">
+            <a:schemeClr val="accent1"/>
+          </a:effectRef>
+          <a:fontRef idx="minor">
+            <a:schemeClr val="tx1"/>
+          </a:fontRef>
+        </p:style>
+      </p:cxnSp>
+      <p:pic>
+        <p:nvPicPr>
+          <p:cNvPr id="35" name="그림 34">
+            <a:extLst>
+              <a:ext uri="{FF2B5EF4-FFF2-40B4-BE49-F238E27FC236}">
+                <a16:creationId xmlns:a16="http://schemas.microsoft.com/office/drawing/2014/main" id="{CCE7AEC9-17AD-7E67-8CE1-4A5D55868736}"/>
+              </a:ext>
+            </a:extLst>
+          </p:cNvPr>
+          <p:cNvPicPr>
+            <a:picLocks noChangeAspect="1"/>
+          </p:cNvPicPr>
+          <p:nvPr/>
+        </p:nvPicPr>
+        <p:blipFill>
+          <a:blip r:embed="rId4"/>
+          <a:stretch>
+            <a:fillRect/>
+          </a:stretch>
+        </p:blipFill>
+        <p:spPr>
+          <a:xfrm>
+            <a:off x="704850" y="4824069"/>
+            <a:ext cx="3562350" cy="1847850"/>
+          </a:xfrm>
+          <a:prstGeom prst="rect">
+            <a:avLst/>
+          </a:prstGeom>
+        </p:spPr>
+      </p:pic>
+      <p:sp>
+        <p:nvSpPr>
+          <p:cNvPr id="36" name="직사각형 35">
+            <a:extLst>
+              <a:ext uri="{FF2B5EF4-FFF2-40B4-BE49-F238E27FC236}">
+                <a16:creationId xmlns:a16="http://schemas.microsoft.com/office/drawing/2014/main" id="{17F8A303-A879-6583-ACEB-3BBD3F66E876}"/>
+              </a:ext>
+            </a:extLst>
+          </p:cNvPr>
+          <p:cNvSpPr/>
+          <p:nvPr/>
+        </p:nvSpPr>
+        <p:spPr>
+          <a:xfrm>
+            <a:off x="1123950" y="4336256"/>
+            <a:ext cx="2628900" cy="433387"/>
+          </a:xfrm>
+          <a:prstGeom prst="rect">
+            <a:avLst/>
+          </a:prstGeom>
+        </p:spPr>
+        <p:style>
+          <a:lnRef idx="2">
+            <a:schemeClr val="accent6"/>
+          </a:lnRef>
+          <a:fillRef idx="1">
+            <a:schemeClr val="lt1"/>
+          </a:fillRef>
+          <a:effectRef idx="0">
+            <a:schemeClr val="accent6"/>
+          </a:effectRef>
+          <a:fontRef idx="minor">
+            <a:schemeClr val="dk1"/>
+          </a:fontRef>
+        </p:style>
+        <p:txBody>
+          <a:bodyPr rtlCol="0" anchor="ctr"/>
+          <a:lstStyle/>
+          <a:p>
+            <a:pPr algn="ctr"/>
+            <a:r>
+              <a:rPr lang="en-US" altLang="ko-KR" dirty="0"/>
+              <a:t>OT.USERS</a:t>
+            </a:r>
+            <a:endParaRPr lang="ko-KR" altLang="en-US" dirty="0"/>
+          </a:p>
+        </p:txBody>
+      </p:sp>
+    </p:spTree>
+    <p:extLst>
+      <p:ext uri="{BB962C8B-B14F-4D97-AF65-F5344CB8AC3E}">
+        <p14:creationId xmlns:p14="http://schemas.microsoft.com/office/powerpoint/2010/main" val="1073913737"/>
+      </p:ext>
+    </p:extLst>
+  </p:cSld>
+  <p:clrMapOvr>
+    <a:masterClrMapping/>
+  </p:clrMapOvr>
+</p:sld>
+</file>
+
+<file path=ppt/slides/slide4.xml><?xml version="1.0" encoding="utf-8"?>
+<p:sld xmlns:a="http://schemas.openxmlformats.org/drawingml/2006/main" xmlns:r="http://schemas.openxmlformats.org/officeDocument/2006/relationships" xmlns:p="http://schemas.openxmlformats.org/presentationml/2006/main">
+  <p:cSld>
+    <p:spTree>
+      <p:nvGrpSpPr>
+        <p:cNvPr id="1" name=""/>
+        <p:cNvGrpSpPr/>
+        <p:nvPr/>
+      </p:nvGrpSpPr>
+      <p:grpSpPr>
+        <a:xfrm>
+          <a:off x="0" y="0"/>
+          <a:ext cx="0" cy="0"/>
+          <a:chOff x="0" y="0"/>
+          <a:chExt cx="0" cy="0"/>
+        </a:xfrm>
+      </p:grpSpPr>
+      <p:sp>
+        <p:nvSpPr>
+          <p:cNvPr id="2" name="제목 1">
+            <a:extLst>
+              <a:ext uri="{FF2B5EF4-FFF2-40B4-BE49-F238E27FC236}">
+                <a16:creationId xmlns:a16="http://schemas.microsoft.com/office/drawing/2014/main" id="{19F0BDF9-5B76-BFEC-08B1-860E420CEC57}"/>
+              </a:ext>
+            </a:extLst>
+          </p:cNvPr>
+          <p:cNvSpPr>
+            <a:spLocks noGrp="1"/>
+          </p:cNvSpPr>
+          <p:nvPr>
+            <p:ph type="title"/>
+          </p:nvPr>
+        </p:nvSpPr>
+        <p:spPr/>
+        <p:txBody>
+          <a:bodyPr/>
+          <a:lstStyle/>
+          <a:p>
+            <a:r>
+              <a:rPr lang="en-US" altLang="ko-KR" dirty="0"/>
+              <a:t>Model</a:t>
+            </a:r>
+            <a:endParaRPr lang="ko-KR" altLang="en-US" dirty="0"/>
+          </a:p>
+        </p:txBody>
+      </p:sp>
+      <p:sp>
+        <p:nvSpPr>
+          <p:cNvPr id="3" name="내용 개체 틀 2">
+            <a:extLst>
+              <a:ext uri="{FF2B5EF4-FFF2-40B4-BE49-F238E27FC236}">
+                <a16:creationId xmlns:a16="http://schemas.microsoft.com/office/drawing/2014/main" id="{6A3BAFDB-A7D3-EC79-4B63-E26278F93E80}"/>
+              </a:ext>
+            </a:extLst>
+          </p:cNvPr>
+          <p:cNvSpPr>
+            <a:spLocks noGrp="1"/>
+          </p:cNvSpPr>
+          <p:nvPr>
+            <p:ph idx="1"/>
+          </p:nvPr>
+        </p:nvSpPr>
+        <p:spPr/>
+        <p:txBody>
+          <a:bodyPr>
+            <a:normAutofit/>
+          </a:bodyPr>
+          <a:lstStyle/>
+          <a:p>
+            <a:r>
+              <a:rPr lang="ko-KR" altLang="en-US" sz="1500" dirty="0"/>
+              <a:t>모델 클래스는 테이블의 내용을 자바 객체로 표현하기 위한 수단이다</a:t>
+            </a:r>
+            <a:r>
+              <a:rPr lang="en-US" altLang="ko-KR" sz="1500" dirty="0"/>
+              <a:t>.</a:t>
+            </a:r>
+          </a:p>
+          <a:p>
+            <a:r>
+              <a:rPr lang="en-US" altLang="ko-KR" sz="1500" dirty="0"/>
+              <a:t>Comment</a:t>
+            </a:r>
+            <a:r>
+              <a:rPr lang="ko-KR" altLang="en-US" sz="1500" dirty="0"/>
+              <a:t> 클래스는 </a:t>
+            </a:r>
+            <a:r>
+              <a:rPr lang="en-US" altLang="ko-KR" sz="1500" dirty="0"/>
+              <a:t>comments </a:t>
+            </a:r>
+            <a:r>
+              <a:rPr lang="ko-KR" altLang="en-US" sz="1500" dirty="0"/>
+              <a:t>테이블의 구조와 </a:t>
+            </a:r>
+            <a:r>
+              <a:rPr lang="ko-KR" altLang="en-US" sz="1500" dirty="0" err="1"/>
+              <a:t>매핑된다</a:t>
+            </a:r>
+            <a:r>
+              <a:rPr lang="en-US" altLang="ko-KR" sz="1500" dirty="0"/>
+              <a:t>.</a:t>
+            </a:r>
+          </a:p>
+          <a:p>
+            <a:r>
+              <a:rPr lang="ko-KR" altLang="en-US" sz="1500" dirty="0"/>
+              <a:t>클래스의 각 필드는 테이블의 각 열에 대응된다</a:t>
+            </a:r>
+            <a:r>
+              <a:rPr lang="en-US" altLang="ko-KR" sz="1500" dirty="0"/>
+              <a:t>.</a:t>
+            </a:r>
+          </a:p>
+          <a:p>
+            <a:r>
+              <a:rPr lang="en-US" altLang="ko-KR" sz="1500" dirty="0" err="1"/>
+              <a:t>childComments</a:t>
+            </a:r>
+            <a:r>
+              <a:rPr lang="en-US" altLang="ko-KR" sz="1500" dirty="0"/>
+              <a:t> </a:t>
+            </a:r>
+            <a:r>
+              <a:rPr lang="ko-KR" altLang="en-US" sz="1500" dirty="0"/>
+              <a:t>필드는 테이블의 특정 열과 직접적으로 </a:t>
+            </a:r>
+            <a:r>
+              <a:rPr lang="ko-KR" altLang="en-US" sz="1500" dirty="0" err="1"/>
+              <a:t>매핑되지</a:t>
+            </a:r>
+            <a:r>
+              <a:rPr lang="ko-KR" altLang="en-US" sz="1500" dirty="0"/>
+              <a:t> 않지만</a:t>
+            </a:r>
+            <a:r>
+              <a:rPr lang="en-US" altLang="ko-KR" sz="1500" dirty="0"/>
+              <a:t>, </a:t>
+            </a:r>
+            <a:r>
+              <a:rPr lang="ko-KR" altLang="en-US" sz="1500" dirty="0"/>
+              <a:t>계층적 데이터 구조를 자바 객체로 표현하기 위해 사용된다</a:t>
+            </a:r>
+            <a:r>
+              <a:rPr lang="en-US" altLang="ko-KR" sz="1500" dirty="0"/>
+              <a:t>.</a:t>
+            </a:r>
+            <a:endParaRPr lang="ko-KR" altLang="en-US" sz="1500" dirty="0"/>
+          </a:p>
+        </p:txBody>
+      </p:sp>
+      <p:pic>
+        <p:nvPicPr>
+          <p:cNvPr id="5" name="그림 4">
+            <a:extLst>
+              <a:ext uri="{FF2B5EF4-FFF2-40B4-BE49-F238E27FC236}">
+                <a16:creationId xmlns:a16="http://schemas.microsoft.com/office/drawing/2014/main" id="{7C070463-1D58-5B0D-7A7E-8DDA53128F25}"/>
+              </a:ext>
+            </a:extLst>
+          </p:cNvPr>
+          <p:cNvPicPr>
+            <a:picLocks noChangeAspect="1"/>
+          </p:cNvPicPr>
+          <p:nvPr/>
+        </p:nvPicPr>
+        <p:blipFill>
+          <a:blip r:embed="rId2"/>
+          <a:stretch>
+            <a:fillRect/>
+          </a:stretch>
+        </p:blipFill>
+        <p:spPr>
+          <a:xfrm>
+            <a:off x="724292" y="3540026"/>
+            <a:ext cx="3411625" cy="2952849"/>
+          </a:xfrm>
+          <a:prstGeom prst="rect">
+            <a:avLst/>
+          </a:prstGeom>
+        </p:spPr>
+      </p:pic>
+      <p:pic>
+        <p:nvPicPr>
+          <p:cNvPr id="7" name="그림 6">
+            <a:extLst>
+              <a:ext uri="{FF2B5EF4-FFF2-40B4-BE49-F238E27FC236}">
+                <a16:creationId xmlns:a16="http://schemas.microsoft.com/office/drawing/2014/main" id="{FBD483FC-ADE9-6F02-E800-1D3CD0CDC915}"/>
+              </a:ext>
+            </a:extLst>
+          </p:cNvPr>
+          <p:cNvPicPr>
+            <a:picLocks noChangeAspect="1"/>
+          </p:cNvPicPr>
+          <p:nvPr/>
+        </p:nvPicPr>
+        <p:blipFill>
+          <a:blip r:embed="rId3"/>
+          <a:stretch>
+            <a:fillRect/>
+          </a:stretch>
+        </p:blipFill>
+        <p:spPr>
+          <a:xfrm>
+            <a:off x="4641811" y="3540025"/>
+            <a:ext cx="2908378" cy="2952849"/>
+          </a:xfrm>
+          <a:prstGeom prst="rect">
+            <a:avLst/>
+          </a:prstGeom>
+        </p:spPr>
+      </p:pic>
+      <p:pic>
+        <p:nvPicPr>
+          <p:cNvPr id="9" name="그림 8">
+            <a:extLst>
+              <a:ext uri="{FF2B5EF4-FFF2-40B4-BE49-F238E27FC236}">
+                <a16:creationId xmlns:a16="http://schemas.microsoft.com/office/drawing/2014/main" id="{E3EE2533-A82E-2764-2625-089BC9C4009A}"/>
+              </a:ext>
+            </a:extLst>
+          </p:cNvPr>
+          <p:cNvPicPr>
+            <a:picLocks noChangeAspect="1"/>
+          </p:cNvPicPr>
+          <p:nvPr/>
+        </p:nvPicPr>
+        <p:blipFill>
+          <a:blip r:embed="rId4"/>
+          <a:stretch>
+            <a:fillRect/>
+          </a:stretch>
+        </p:blipFill>
+        <p:spPr>
+          <a:xfrm>
+            <a:off x="8056083" y="3540819"/>
+            <a:ext cx="3376251" cy="2952055"/>
+          </a:xfrm>
+          <a:prstGeom prst="rect">
+            <a:avLst/>
+          </a:prstGeom>
+        </p:spPr>
+      </p:pic>
+    </p:spTree>
+    <p:extLst>
+      <p:ext uri="{BB962C8B-B14F-4D97-AF65-F5344CB8AC3E}">
+        <p14:creationId xmlns:p14="http://schemas.microsoft.com/office/powerpoint/2010/main" val="1060799738"/>
+      </p:ext>
+    </p:extLst>
+  </p:cSld>
+  <p:clrMapOvr>
+    <a:masterClrMapping/>
+  </p:clrMapOvr>
+</p:sld>
+</file>
+
+<file path=ppt/slides/slide5.xml><?xml version="1.0" encoding="utf-8"?>
+<p:sld xmlns:a="http://schemas.openxmlformats.org/drawingml/2006/main" xmlns:r="http://schemas.openxmlformats.org/officeDocument/2006/relationships" xmlns:p="http://schemas.openxmlformats.org/presentationml/2006/main">
+  <p:cSld>
+    <p:spTree>
+      <p:nvGrpSpPr>
+        <p:cNvPr id="1" name=""/>
+        <p:cNvGrpSpPr/>
+        <p:nvPr/>
+      </p:nvGrpSpPr>
+      <p:grpSpPr>
+        <a:xfrm>
+          <a:off x="0" y="0"/>
+          <a:ext cx="0" cy="0"/>
+          <a:chOff x="0" y="0"/>
+          <a:chExt cx="0" cy="0"/>
+        </a:xfrm>
+      </p:grpSpPr>
+      <p:sp>
+        <p:nvSpPr>
+          <p:cNvPr id="2" name="제목 1">
+            <a:extLst>
+              <a:ext uri="{FF2B5EF4-FFF2-40B4-BE49-F238E27FC236}">
+                <a16:creationId xmlns:a16="http://schemas.microsoft.com/office/drawing/2014/main" id="{770D71F0-28CD-4FC8-B3BE-2895346ED31E}"/>
+              </a:ext>
+            </a:extLst>
+          </p:cNvPr>
+          <p:cNvSpPr>
+            <a:spLocks noGrp="1"/>
+          </p:cNvSpPr>
+          <p:nvPr>
+            <p:ph type="title"/>
+          </p:nvPr>
+        </p:nvSpPr>
+        <p:spPr/>
+        <p:txBody>
+          <a:bodyPr/>
+          <a:lstStyle/>
+          <a:p>
+            <a:r>
+              <a:rPr lang="en-US" altLang="ko-KR" dirty="0"/>
+              <a:t>Mapper</a:t>
+            </a:r>
+            <a:endParaRPr lang="ko-KR" altLang="en-US" dirty="0"/>
+          </a:p>
+        </p:txBody>
+      </p:sp>
+      <p:sp>
+        <p:nvSpPr>
+          <p:cNvPr id="3" name="내용 개체 틀 2">
+            <a:extLst>
+              <a:ext uri="{FF2B5EF4-FFF2-40B4-BE49-F238E27FC236}">
+                <a16:creationId xmlns:a16="http://schemas.microsoft.com/office/drawing/2014/main" id="{1304916A-04CB-2019-DF86-AEDAA1520C12}"/>
+              </a:ext>
+            </a:extLst>
+          </p:cNvPr>
+          <p:cNvSpPr>
+            <a:spLocks noGrp="1"/>
+          </p:cNvSpPr>
+          <p:nvPr>
+            <p:ph idx="1"/>
+          </p:nvPr>
+        </p:nvSpPr>
+        <p:spPr>
+          <a:xfrm>
+            <a:off x="6278252" y="1825625"/>
+            <a:ext cx="5075548" cy="4351338"/>
+          </a:xfrm>
+        </p:spPr>
+        <p:txBody>
+          <a:bodyPr>
+            <a:normAutofit/>
+          </a:bodyPr>
+          <a:lstStyle/>
+          <a:p>
+            <a:r>
+              <a:rPr lang="en-US" altLang="ko-KR" sz="1500" dirty="0" err="1"/>
+              <a:t>Mybatis</a:t>
+            </a:r>
+            <a:r>
+              <a:rPr lang="ko-KR" altLang="en-US" sz="1500" dirty="0"/>
+              <a:t>를 사용하여 </a:t>
+            </a:r>
+            <a:r>
+              <a:rPr lang="en-US" altLang="ko-KR" sz="1500" dirty="0"/>
+              <a:t>XML </a:t>
+            </a:r>
+            <a:r>
+              <a:rPr lang="ko-KR" altLang="en-US" sz="1500" dirty="0"/>
+              <a:t>파일에 작성된 </a:t>
+            </a:r>
+            <a:r>
+              <a:rPr lang="en-US" altLang="ko-KR" sz="1500" dirty="0"/>
+              <a:t>SQL </a:t>
+            </a:r>
+            <a:r>
+              <a:rPr lang="ko-KR" altLang="en-US" sz="1500" dirty="0"/>
+              <a:t>쿼리를 자바 메서드로 쉽게 호출할 수 있으며</a:t>
+            </a:r>
+            <a:r>
+              <a:rPr lang="en-US" altLang="ko-KR" sz="1500" dirty="0"/>
+              <a:t>, </a:t>
+            </a:r>
+            <a:r>
+              <a:rPr lang="ko-KR" altLang="en-US" sz="1500" dirty="0"/>
+              <a:t>그 결과는 자동으로 </a:t>
+            </a:r>
+            <a:r>
+              <a:rPr lang="en-US" altLang="ko-KR" sz="1500" dirty="0"/>
+              <a:t>Comment </a:t>
+            </a:r>
+            <a:r>
+              <a:rPr lang="ko-KR" altLang="en-US" sz="1500" dirty="0"/>
+              <a:t>객체로 </a:t>
+            </a:r>
+            <a:r>
+              <a:rPr lang="ko-KR" altLang="en-US" sz="1500" dirty="0" err="1"/>
+              <a:t>매핑되어</a:t>
+            </a:r>
+            <a:r>
+              <a:rPr lang="ko-KR" altLang="en-US" sz="1500" dirty="0"/>
+              <a:t> 반환된다</a:t>
+            </a:r>
+            <a:r>
+              <a:rPr lang="en-US" altLang="ko-KR" sz="1500" dirty="0"/>
+              <a:t>. (select</a:t>
+            </a:r>
+            <a:r>
+              <a:rPr lang="ko-KR" altLang="en-US" sz="1500" dirty="0"/>
+              <a:t>문의 경우</a:t>
+            </a:r>
+            <a:r>
+              <a:rPr lang="en-US" altLang="ko-KR" sz="1500" dirty="0"/>
+              <a:t>, insert, update, delete</a:t>
+            </a:r>
+            <a:r>
+              <a:rPr lang="ko-KR" altLang="en-US" sz="1500" dirty="0"/>
+              <a:t>문의 경우 영향을 받은 행</a:t>
+            </a:r>
+            <a:r>
+              <a:rPr lang="en-US" altLang="ko-KR" sz="1500" dirty="0"/>
+              <a:t>(row)</a:t>
+            </a:r>
+            <a:r>
+              <a:rPr lang="ko-KR" altLang="en-US" sz="1500" dirty="0"/>
+              <a:t>의 수를 정수 형태로 반환한다</a:t>
+            </a:r>
+            <a:r>
+              <a:rPr lang="en-US" altLang="ko-KR" sz="1500" dirty="0"/>
+              <a:t>.)</a:t>
+            </a:r>
+          </a:p>
+          <a:p>
+            <a:r>
+              <a:rPr lang="en-US" altLang="ko-KR" sz="1500" dirty="0" err="1"/>
+              <a:t>MyBatis</a:t>
+            </a:r>
+            <a:r>
+              <a:rPr lang="ko-KR" altLang="en-US" sz="1500" dirty="0"/>
+              <a:t>는 </a:t>
+            </a:r>
+            <a:r>
+              <a:rPr lang="en-US" altLang="ko-KR" sz="1500" dirty="0" err="1"/>
+              <a:t>resultMap</a:t>
+            </a:r>
+            <a:r>
+              <a:rPr lang="ko-KR" altLang="en-US" sz="1500" dirty="0"/>
+              <a:t>을 사용해 </a:t>
+            </a:r>
+            <a:r>
+              <a:rPr lang="en-US" altLang="ko-KR" sz="1500" dirty="0"/>
+              <a:t>SQL </a:t>
+            </a:r>
+            <a:r>
+              <a:rPr lang="ko-KR" altLang="en-US" sz="1500" dirty="0"/>
+              <a:t>쿼리 결과의 각 열을 </a:t>
+            </a:r>
+            <a:r>
+              <a:rPr lang="en-US" altLang="ko-KR" sz="1500" dirty="0"/>
+              <a:t>Comment </a:t>
+            </a:r>
+            <a:r>
+              <a:rPr lang="ko-KR" altLang="en-US" sz="1500" dirty="0"/>
+              <a:t>객체의 필드에 대응시킨다</a:t>
+            </a:r>
+            <a:r>
+              <a:rPr lang="en-US" altLang="ko-KR" sz="1500" dirty="0"/>
+              <a:t>. (select</a:t>
+            </a:r>
+            <a:r>
+              <a:rPr lang="ko-KR" altLang="en-US" sz="1500" dirty="0"/>
+              <a:t>문의 경우</a:t>
+            </a:r>
+            <a:r>
+              <a:rPr lang="en-US" altLang="ko-KR" sz="1500" dirty="0"/>
+              <a:t>)</a:t>
+            </a:r>
+          </a:p>
+          <a:p>
+            <a:r>
+              <a:rPr lang="ko-KR" altLang="en-US" sz="1500" dirty="0"/>
+              <a:t>여러 매개변수를 사용하는 경우</a:t>
+            </a:r>
+            <a:r>
+              <a:rPr lang="en-US" altLang="ko-KR" sz="1500" dirty="0"/>
+              <a:t>, @Param</a:t>
+            </a:r>
+            <a:r>
+              <a:rPr lang="ko-KR" altLang="en-US" sz="1500" dirty="0"/>
+              <a:t> </a:t>
+            </a:r>
+            <a:r>
+              <a:rPr lang="ko-KR" altLang="en-US" sz="1500" dirty="0" err="1"/>
+              <a:t>어노테이션은</a:t>
+            </a:r>
+            <a:r>
+              <a:rPr lang="ko-KR" altLang="en-US" sz="1500" dirty="0"/>
+              <a:t> </a:t>
+            </a:r>
+            <a:r>
+              <a:rPr lang="en-US" altLang="ko-KR" sz="1500" dirty="0" err="1"/>
+              <a:t>MyBatis</a:t>
+            </a:r>
+            <a:r>
+              <a:rPr lang="ko-KR" altLang="en-US" sz="1500" dirty="0"/>
+              <a:t>에서 </a:t>
+            </a:r>
+            <a:r>
+              <a:rPr lang="en-US" altLang="ko-KR" sz="1500" dirty="0" err="1"/>
+              <a:t>sql</a:t>
+            </a:r>
+            <a:r>
+              <a:rPr lang="en-US" altLang="ko-KR" sz="1500" dirty="0"/>
+              <a:t> </a:t>
+            </a:r>
+            <a:r>
+              <a:rPr lang="ko-KR" altLang="en-US" sz="1500" dirty="0"/>
+              <a:t>쿼리와 </a:t>
+            </a:r>
+            <a:r>
+              <a:rPr lang="ko-KR" altLang="en-US" sz="1500" dirty="0" err="1"/>
+              <a:t>매퍼</a:t>
+            </a:r>
+            <a:r>
+              <a:rPr lang="ko-KR" altLang="en-US" sz="1500" dirty="0"/>
+              <a:t> 메서드의 매개변수 간의 명확한 이름 매핑을 가능하게 한다</a:t>
+            </a:r>
+            <a:r>
+              <a:rPr lang="en-US" altLang="ko-KR" sz="1500" dirty="0"/>
+              <a:t>.</a:t>
+            </a:r>
+          </a:p>
+          <a:p>
+            <a:endParaRPr lang="ko-KR" altLang="en-US" sz="1500" dirty="0"/>
+          </a:p>
+        </p:txBody>
+      </p:sp>
+      <p:pic>
+        <p:nvPicPr>
+          <p:cNvPr id="5" name="그림 4">
+            <a:extLst>
+              <a:ext uri="{FF2B5EF4-FFF2-40B4-BE49-F238E27FC236}">
+                <a16:creationId xmlns:a16="http://schemas.microsoft.com/office/drawing/2014/main" id="{E844D4A6-B192-C44B-DC9B-D768E5860832}"/>
+              </a:ext>
+            </a:extLst>
+          </p:cNvPr>
+          <p:cNvPicPr>
+            <a:picLocks noChangeAspect="1"/>
+          </p:cNvPicPr>
+          <p:nvPr/>
+        </p:nvPicPr>
+        <p:blipFill>
+          <a:blip r:embed="rId2"/>
+          <a:stretch>
+            <a:fillRect/>
+          </a:stretch>
+        </p:blipFill>
+        <p:spPr>
+          <a:xfrm>
+            <a:off x="114300" y="1377794"/>
+            <a:ext cx="5981700" cy="5333513"/>
+          </a:xfrm>
+          <a:prstGeom prst="rect">
+            <a:avLst/>
+          </a:prstGeom>
+        </p:spPr>
+      </p:pic>
+      <p:pic>
+        <p:nvPicPr>
+          <p:cNvPr id="7" name="그림 6">
+            <a:extLst>
+              <a:ext uri="{FF2B5EF4-FFF2-40B4-BE49-F238E27FC236}">
+                <a16:creationId xmlns:a16="http://schemas.microsoft.com/office/drawing/2014/main" id="{D5420259-0173-D475-78F4-08F806CA5D81}"/>
+              </a:ext>
+            </a:extLst>
+          </p:cNvPr>
+          <p:cNvPicPr>
+            <a:picLocks noChangeAspect="1"/>
+          </p:cNvPicPr>
+          <p:nvPr/>
+        </p:nvPicPr>
+        <p:blipFill>
+          <a:blip r:embed="rId3"/>
+          <a:stretch>
+            <a:fillRect/>
+          </a:stretch>
+        </p:blipFill>
+        <p:spPr>
+          <a:xfrm>
+            <a:off x="6438900" y="4590117"/>
+            <a:ext cx="4572000" cy="600075"/>
+          </a:xfrm>
+          <a:prstGeom prst="rect">
+            <a:avLst/>
+          </a:prstGeom>
+        </p:spPr>
+      </p:pic>
+    </p:spTree>
+    <p:extLst>
+      <p:ext uri="{BB962C8B-B14F-4D97-AF65-F5344CB8AC3E}">
+        <p14:creationId xmlns:p14="http://schemas.microsoft.com/office/powerpoint/2010/main" val="3985133119"/>
+      </p:ext>
+    </p:extLst>
+  </p:cSld>
+  <p:clrMapOvr>
+    <a:masterClrMapping/>
+  </p:clrMapOvr>
+</p:sld>
+</file>
+
+<file path=ppt/slides/slide6.xml><?xml version="1.0" encoding="utf-8"?>
+<p:sld xmlns:a="http://schemas.openxmlformats.org/drawingml/2006/main" xmlns:r="http://schemas.openxmlformats.org/officeDocument/2006/relationships" xmlns:p="http://schemas.openxmlformats.org/presentationml/2006/main">
+  <p:cSld>
+    <p:spTree>
+      <p:nvGrpSpPr>
+        <p:cNvPr id="1" name=""/>
+        <p:cNvGrpSpPr/>
+        <p:nvPr/>
+      </p:nvGrpSpPr>
+      <p:grpSpPr>
+        <a:xfrm>
+          <a:off x="0" y="0"/>
+          <a:ext cx="0" cy="0"/>
+          <a:chOff x="0" y="0"/>
+          <a:chExt cx="0" cy="0"/>
+        </a:xfrm>
+      </p:grpSpPr>
+      <p:sp>
+        <p:nvSpPr>
+          <p:cNvPr id="2" name="제목 1">
+            <a:extLst>
+              <a:ext uri="{FF2B5EF4-FFF2-40B4-BE49-F238E27FC236}">
+                <a16:creationId xmlns:a16="http://schemas.microsoft.com/office/drawing/2014/main" id="{0B0983CA-4766-7F4D-F6BE-58E2707D2D99}"/>
+              </a:ext>
+            </a:extLst>
+          </p:cNvPr>
+          <p:cNvSpPr>
+            <a:spLocks noGrp="1"/>
+          </p:cNvSpPr>
+          <p:nvPr>
+            <p:ph type="title"/>
+          </p:nvPr>
+        </p:nvSpPr>
+        <p:spPr/>
+        <p:txBody>
+          <a:bodyPr/>
+          <a:lstStyle/>
+          <a:p>
+            <a:r>
+              <a:rPr lang="en-US" altLang="ko-KR" dirty="0"/>
+              <a:t>Service</a:t>
+            </a:r>
+            <a:endParaRPr lang="ko-KR" altLang="en-US" dirty="0"/>
+          </a:p>
+        </p:txBody>
+      </p:sp>
+      <p:sp>
+        <p:nvSpPr>
+          <p:cNvPr id="3" name="내용 개체 틀 2">
+            <a:extLst>
+              <a:ext uri="{FF2B5EF4-FFF2-40B4-BE49-F238E27FC236}">
+                <a16:creationId xmlns:a16="http://schemas.microsoft.com/office/drawing/2014/main" id="{E76D6C5C-9498-FCA5-D225-DBDD5A158D68}"/>
+              </a:ext>
+            </a:extLst>
+          </p:cNvPr>
+          <p:cNvSpPr>
+            <a:spLocks noGrp="1"/>
+          </p:cNvSpPr>
+          <p:nvPr>
+            <p:ph idx="1"/>
+          </p:nvPr>
+        </p:nvSpPr>
+        <p:spPr/>
+        <p:txBody>
+          <a:bodyPr/>
+          <a:lstStyle/>
+          <a:p>
+            <a:endParaRPr lang="ko-KR" altLang="en-US" dirty="0"/>
+          </a:p>
+        </p:txBody>
+      </p:sp>
+    </p:spTree>
+    <p:extLst>
+      <p:ext uri="{BB962C8B-B14F-4D97-AF65-F5344CB8AC3E}">
+        <p14:creationId xmlns:p14="http://schemas.microsoft.com/office/powerpoint/2010/main" val="1579052133"/>
+      </p:ext>
+    </p:extLst>
+  </p:cSld>
+  <p:clrMapOvr>
+    <a:masterClrMapping/>
+  </p:clrMapOvr>
+</p:sld>
+</file>
+
+<file path=ppt/slides/slide7.xml><?xml version="1.0" encoding="utf-8"?>
+<p:sld xmlns:a="http://schemas.openxmlformats.org/drawingml/2006/main" xmlns:r="http://schemas.openxmlformats.org/officeDocument/2006/relationships" xmlns:p="http://schemas.openxmlformats.org/presentationml/2006/main">
+  <p:cSld>
+    <p:spTree>
+      <p:nvGrpSpPr>
+        <p:cNvPr id="1" name=""/>
+        <p:cNvGrpSpPr/>
+        <p:nvPr/>
+      </p:nvGrpSpPr>
+      <p:grpSpPr>
+        <a:xfrm>
+          <a:off x="0" y="0"/>
+          <a:ext cx="0" cy="0"/>
+          <a:chOff x="0" y="0"/>
+          <a:chExt cx="0" cy="0"/>
+        </a:xfrm>
+      </p:grpSpPr>
+      <p:sp>
+        <p:nvSpPr>
+          <p:cNvPr id="2" name="제목 1">
+            <a:extLst>
+              <a:ext uri="{FF2B5EF4-FFF2-40B4-BE49-F238E27FC236}">
                 <a16:creationId xmlns:a16="http://schemas.microsoft.com/office/drawing/2014/main" id="{95E14533-AF9F-A7A9-AA7B-50974B5A428D}"/>
               </a:ext>
             </a:extLst>
@@ -4895,7 +8387,7 @@
 </p:sld>
 </file>
 
-<file path=ppt/slides/slide4.xml><?xml version="1.0" encoding="utf-8"?>
+<file path=ppt/slides/slide8.xml><?xml version="1.0" encoding="utf-8"?>
 <p:sld xmlns:a="http://schemas.openxmlformats.org/drawingml/2006/main" xmlns:r="http://schemas.openxmlformats.org/officeDocument/2006/relationships" xmlns:p="http://schemas.openxmlformats.org/presentationml/2006/main">
   <p:cSld>
     <p:spTree>
@@ -5250,7 +8742,7 @@
 </p:sld>
 </file>
 
-<file path=ppt/slides/slide5.xml><?xml version="1.0" encoding="utf-8"?>
+<file path=ppt/slides/slide9.xml><?xml version="1.0" encoding="utf-8"?>
 <p:sld xmlns:a="http://schemas.openxmlformats.org/drawingml/2006/main" xmlns:r="http://schemas.openxmlformats.org/officeDocument/2006/relationships" xmlns:p="http://schemas.openxmlformats.org/presentationml/2006/main">
   <p:cSld>
     <p:spTree>
@@ -5666,1350 +9158,6 @@
     <p:extLst>
       <p:ext uri="{BB962C8B-B14F-4D97-AF65-F5344CB8AC3E}">
         <p14:creationId xmlns:p14="http://schemas.microsoft.com/office/powerpoint/2010/main" val="2502994158"/>
-      </p:ext>
-    </p:extLst>
-  </p:cSld>
-  <p:clrMapOvr>
-    <a:masterClrMapping/>
-  </p:clrMapOvr>
-</p:sld>
-</file>
-
-<file path=ppt/slides/slide6.xml><?xml version="1.0" encoding="utf-8"?>
-<p:sld xmlns:a="http://schemas.openxmlformats.org/drawingml/2006/main" xmlns:r="http://schemas.openxmlformats.org/officeDocument/2006/relationships" xmlns:p="http://schemas.openxmlformats.org/presentationml/2006/main">
-  <p:cSld>
-    <p:spTree>
-      <p:nvGrpSpPr>
-        <p:cNvPr id="1" name=""/>
-        <p:cNvGrpSpPr/>
-        <p:nvPr/>
-      </p:nvGrpSpPr>
-      <p:grpSpPr>
-        <a:xfrm>
-          <a:off x="0" y="0"/>
-          <a:ext cx="0" cy="0"/>
-          <a:chOff x="0" y="0"/>
-          <a:chExt cx="0" cy="0"/>
-        </a:xfrm>
-      </p:grpSpPr>
-      <p:sp>
-        <p:nvSpPr>
-          <p:cNvPr id="2" name="제목 1">
-            <a:extLst>
-              <a:ext uri="{FF2B5EF4-FFF2-40B4-BE49-F238E27FC236}">
-                <a16:creationId xmlns:a16="http://schemas.microsoft.com/office/drawing/2014/main" id="{DE5DE670-98EC-CC4A-377A-0AB9C1ED6038}"/>
-              </a:ext>
-            </a:extLst>
-          </p:cNvPr>
-          <p:cNvSpPr>
-            <a:spLocks noGrp="1"/>
-          </p:cNvSpPr>
-          <p:nvPr>
-            <p:ph type="title"/>
-          </p:nvPr>
-        </p:nvSpPr>
-        <p:spPr/>
-        <p:txBody>
-          <a:bodyPr/>
-          <a:lstStyle/>
-          <a:p>
-            <a:endParaRPr lang="ko-KR" altLang="en-US" sz="2000" dirty="0"/>
-          </a:p>
-        </p:txBody>
-      </p:sp>
-      <p:sp>
-        <p:nvSpPr>
-          <p:cNvPr id="3" name="내용 개체 틀 2">
-            <a:extLst>
-              <a:ext uri="{FF2B5EF4-FFF2-40B4-BE49-F238E27FC236}">
-                <a16:creationId xmlns:a16="http://schemas.microsoft.com/office/drawing/2014/main" id="{6FEF0C43-18B5-3984-DEAC-3F521D400C15}"/>
-              </a:ext>
-            </a:extLst>
-          </p:cNvPr>
-          <p:cNvSpPr>
-            <a:spLocks noGrp="1"/>
-          </p:cNvSpPr>
-          <p:nvPr>
-            <p:ph idx="1"/>
-          </p:nvPr>
-        </p:nvSpPr>
-        <p:spPr>
-          <a:xfrm>
-            <a:off x="3990974" y="1825625"/>
-            <a:ext cx="7362825" cy="4351338"/>
-          </a:xfrm>
-        </p:spPr>
-        <p:txBody>
-          <a:bodyPr>
-            <a:normAutofit/>
-          </a:bodyPr>
-          <a:lstStyle/>
-          <a:p>
-            <a:r>
-              <a:rPr lang="ko-KR" altLang="en-US" sz="1500" dirty="0"/>
-              <a:t>앞서 비밀번호 변경 실패 시</a:t>
-            </a:r>
-            <a:r>
-              <a:rPr lang="en-US" altLang="ko-KR" sz="1500" dirty="0"/>
-              <a:t>, </a:t>
-            </a:r>
-            <a:r>
-              <a:rPr lang="en-US" altLang="ko-KR" sz="1500" dirty="0" err="1"/>
-              <a:t>changePassword.jsp</a:t>
-            </a:r>
-            <a:r>
-              <a:rPr lang="ko-KR" altLang="en-US" sz="1500" dirty="0"/>
-              <a:t>가 사용자에게 보여지게 되고</a:t>
-            </a:r>
-            <a:r>
-              <a:rPr lang="en-US" altLang="ko-KR" sz="1500" dirty="0"/>
-              <a:t>, request scope</a:t>
-            </a:r>
-            <a:r>
-              <a:rPr lang="ko-KR" altLang="en-US" sz="1500" dirty="0"/>
-              <a:t>내에서 사용되는 </a:t>
-            </a:r>
-            <a:r>
-              <a:rPr lang="en-US" altLang="ko-KR" sz="1500" dirty="0"/>
-              <a:t>Model</a:t>
-            </a:r>
-            <a:r>
-              <a:rPr lang="ko-KR" altLang="en-US" sz="1500" dirty="0"/>
-              <a:t> 객체에 저장된 </a:t>
-            </a:r>
-            <a:r>
-              <a:rPr lang="en-US" altLang="ko-KR" sz="1500" dirty="0"/>
-              <a:t>key: error</a:t>
-            </a:r>
-            <a:r>
-              <a:rPr lang="ko-KR" altLang="en-US" sz="1500" dirty="0"/>
-              <a:t>의 </a:t>
-            </a:r>
-            <a:r>
-              <a:rPr lang="en-US" altLang="ko-KR" sz="1500" dirty="0"/>
-              <a:t>attribute</a:t>
-            </a:r>
-            <a:r>
-              <a:rPr lang="ko-KR" altLang="en-US" sz="1500" dirty="0"/>
-              <a:t>가 있는지 확인하고</a:t>
-            </a:r>
-            <a:r>
-              <a:rPr lang="en-US" altLang="ko-KR" sz="1500" dirty="0"/>
-              <a:t>, </a:t>
-            </a:r>
-            <a:r>
-              <a:rPr lang="ko-KR" altLang="en-US" sz="1500" dirty="0"/>
-              <a:t>있으면 </a:t>
-            </a:r>
-            <a:r>
-              <a:rPr lang="en-US" altLang="ko-KR" sz="1500" dirty="0"/>
-              <a:t>key error</a:t>
-            </a:r>
-            <a:r>
-              <a:rPr lang="ko-KR" altLang="en-US" sz="1500" dirty="0"/>
-              <a:t>의 </a:t>
-            </a:r>
-            <a:r>
-              <a:rPr lang="en-US" altLang="ko-KR" sz="1500" dirty="0"/>
-              <a:t>value</a:t>
-            </a:r>
-            <a:r>
-              <a:rPr lang="ko-KR" altLang="en-US" sz="1500" dirty="0"/>
-              <a:t>를 출력한다</a:t>
-            </a:r>
-            <a:r>
-              <a:rPr lang="en-US" altLang="ko-KR" sz="1500" dirty="0"/>
-              <a:t>. </a:t>
-            </a:r>
-            <a:r>
-              <a:rPr lang="ko-KR" altLang="en-US" sz="1500" dirty="0"/>
-              <a:t>해당</a:t>
-            </a:r>
-            <a:r>
-              <a:rPr lang="en-US" altLang="ko-KR" sz="1500" dirty="0"/>
-              <a:t> </a:t>
-            </a:r>
-            <a:r>
-              <a:rPr lang="ko-KR" altLang="en-US" sz="1500" dirty="0"/>
-              <a:t>코드에서는 </a:t>
-            </a:r>
-            <a:r>
-              <a:rPr lang="en-US" altLang="ko-KR" sz="1500" dirty="0"/>
-              <a:t>JSTL </a:t>
-            </a:r>
-            <a:r>
-              <a:rPr lang="ko-KR" altLang="en-US" sz="1500" dirty="0"/>
-              <a:t>문법이 사용되어 졌다</a:t>
-            </a:r>
-            <a:r>
-              <a:rPr lang="en-US" altLang="ko-KR" sz="1500" dirty="0"/>
-              <a:t>.</a:t>
-            </a:r>
-          </a:p>
-          <a:p>
-            <a:endParaRPr lang="ko-KR" altLang="en-US" sz="1500" dirty="0"/>
-          </a:p>
-        </p:txBody>
-      </p:sp>
-      <p:pic>
-        <p:nvPicPr>
-          <p:cNvPr id="5" name="그림 4">
-            <a:extLst>
-              <a:ext uri="{FF2B5EF4-FFF2-40B4-BE49-F238E27FC236}">
-                <a16:creationId xmlns:a16="http://schemas.microsoft.com/office/drawing/2014/main" id="{55A7A573-8F13-81DF-3AF8-57CBB3D6A431}"/>
-              </a:ext>
-            </a:extLst>
-          </p:cNvPr>
-          <p:cNvPicPr>
-            <a:picLocks noChangeAspect="1"/>
-          </p:cNvPicPr>
-          <p:nvPr/>
-        </p:nvPicPr>
-        <p:blipFill>
-          <a:blip r:embed="rId2"/>
-          <a:stretch>
-            <a:fillRect/>
-          </a:stretch>
-        </p:blipFill>
-        <p:spPr>
-          <a:xfrm>
-            <a:off x="237339" y="1825625"/>
-            <a:ext cx="3829050" cy="590550"/>
-          </a:xfrm>
-          <a:prstGeom prst="rect">
-            <a:avLst/>
-          </a:prstGeom>
-        </p:spPr>
-      </p:pic>
-    </p:spTree>
-    <p:extLst>
-      <p:ext uri="{BB962C8B-B14F-4D97-AF65-F5344CB8AC3E}">
-        <p14:creationId xmlns:p14="http://schemas.microsoft.com/office/powerpoint/2010/main" val="1750921117"/>
-      </p:ext>
-    </p:extLst>
-  </p:cSld>
-  <p:clrMapOvr>
-    <a:masterClrMapping/>
-  </p:clrMapOvr>
-</p:sld>
-</file>
-
-<file path=ppt/slides/slide7.xml><?xml version="1.0" encoding="utf-8"?>
-<p:sld xmlns:a="http://schemas.openxmlformats.org/drawingml/2006/main" xmlns:r="http://schemas.openxmlformats.org/officeDocument/2006/relationships" xmlns:p="http://schemas.openxmlformats.org/presentationml/2006/main">
-  <p:cSld>
-    <p:spTree>
-      <p:nvGrpSpPr>
-        <p:cNvPr id="1" name=""/>
-        <p:cNvGrpSpPr/>
-        <p:nvPr/>
-      </p:nvGrpSpPr>
-      <p:grpSpPr>
-        <a:xfrm>
-          <a:off x="0" y="0"/>
-          <a:ext cx="0" cy="0"/>
-          <a:chOff x="0" y="0"/>
-          <a:chExt cx="0" cy="0"/>
-        </a:xfrm>
-      </p:grpSpPr>
-      <p:sp>
-        <p:nvSpPr>
-          <p:cNvPr id="2" name="제목 1">
-            <a:extLst>
-              <a:ext uri="{FF2B5EF4-FFF2-40B4-BE49-F238E27FC236}">
-                <a16:creationId xmlns:a16="http://schemas.microsoft.com/office/drawing/2014/main" id="{D8E95061-9728-1973-4037-937FEC386AA1}"/>
-              </a:ext>
-            </a:extLst>
-          </p:cNvPr>
-          <p:cNvSpPr>
-            <a:spLocks noGrp="1"/>
-          </p:cNvSpPr>
-          <p:nvPr>
-            <p:ph type="title"/>
-          </p:nvPr>
-        </p:nvSpPr>
-        <p:spPr/>
-        <p:txBody>
-          <a:bodyPr>
-            <a:normAutofit/>
-          </a:bodyPr>
-          <a:lstStyle/>
-          <a:p>
-            <a:r>
-              <a:rPr lang="en-US" altLang="ko-KR" sz="3000" dirty="0"/>
-              <a:t>VIEW</a:t>
-            </a:r>
-            <a:r>
-              <a:rPr lang="en-US" altLang="ko-KR" sz="2000" dirty="0"/>
-              <a:t>(</a:t>
-            </a:r>
-            <a:r>
-              <a:rPr lang="en-US" altLang="ko-KR" sz="2000" dirty="0" err="1"/>
-              <a:t>commentForm.jsp</a:t>
-            </a:r>
-            <a:r>
-              <a:rPr lang="en-US" altLang="ko-KR" sz="2000" dirty="0"/>
-              <a:t>)</a:t>
-            </a:r>
-            <a:endParaRPr lang="ko-KR" altLang="en-US" sz="2000" dirty="0"/>
-          </a:p>
-        </p:txBody>
-      </p:sp>
-      <p:sp>
-        <p:nvSpPr>
-          <p:cNvPr id="3" name="내용 개체 틀 2">
-            <a:extLst>
-              <a:ext uri="{FF2B5EF4-FFF2-40B4-BE49-F238E27FC236}">
-                <a16:creationId xmlns:a16="http://schemas.microsoft.com/office/drawing/2014/main" id="{17764B07-571D-D2CA-7FFB-47E26782EC5A}"/>
-              </a:ext>
-            </a:extLst>
-          </p:cNvPr>
-          <p:cNvSpPr>
-            <a:spLocks noGrp="1"/>
-          </p:cNvSpPr>
-          <p:nvPr>
-            <p:ph idx="1"/>
-          </p:nvPr>
-        </p:nvSpPr>
-        <p:spPr>
-          <a:xfrm>
-            <a:off x="838200" y="3992563"/>
-            <a:ext cx="10515600" cy="2184399"/>
-          </a:xfrm>
-        </p:spPr>
-        <p:txBody>
-          <a:bodyPr>
-            <a:normAutofit/>
-          </a:bodyPr>
-          <a:lstStyle/>
-          <a:p>
-            <a:r>
-              <a:rPr lang="en-US" altLang="ko-KR" sz="1500" dirty="0"/>
-              <a:t>Spring</a:t>
-            </a:r>
-            <a:r>
-              <a:rPr lang="ko-KR" altLang="en-US" sz="1500" dirty="0"/>
-              <a:t>의 </a:t>
-            </a:r>
-            <a:r>
-              <a:rPr lang="en-US" altLang="ko-KR" sz="1500" dirty="0"/>
-              <a:t>Form Tag Library</a:t>
-            </a:r>
-            <a:r>
-              <a:rPr lang="ko-KR" altLang="en-US" sz="1500" dirty="0"/>
-              <a:t>를 이용</a:t>
-            </a:r>
-            <a:r>
-              <a:rPr lang="en-US" altLang="ko-KR" sz="1500" dirty="0"/>
-              <a:t>. </a:t>
-            </a:r>
-            <a:r>
-              <a:rPr lang="en-US" altLang="ko-KR" sz="1500" dirty="0" err="1"/>
-              <a:t>commentForm.jsp</a:t>
-            </a:r>
-            <a:r>
-              <a:rPr lang="ko-KR" altLang="en-US" sz="1500" dirty="0"/>
-              <a:t>를 호출한 메소드에서 </a:t>
-            </a:r>
-            <a:r>
-              <a:rPr lang="en-US" altLang="ko-KR" sz="1500" dirty="0" err="1"/>
-              <a:t>requestScope</a:t>
-            </a:r>
-            <a:r>
-              <a:rPr lang="ko-KR" altLang="en-US" sz="1500" dirty="0"/>
-              <a:t>의 </a:t>
-            </a:r>
-            <a:r>
-              <a:rPr lang="en-US" altLang="ko-KR" sz="1500" dirty="0"/>
-              <a:t>model</a:t>
-            </a:r>
-            <a:r>
-              <a:rPr lang="ko-KR" altLang="en-US" sz="1500" dirty="0"/>
-              <a:t>에 등록한 </a:t>
-            </a:r>
-            <a:r>
-              <a:rPr lang="en-US" altLang="ko-KR" sz="1500" dirty="0"/>
-              <a:t>key comment</a:t>
-            </a:r>
-            <a:r>
-              <a:rPr lang="ko-KR" altLang="en-US" sz="1500" dirty="0"/>
-              <a:t>의 </a:t>
-            </a:r>
-            <a:r>
-              <a:rPr lang="en-US" altLang="ko-KR" sz="1500" dirty="0"/>
-              <a:t>property</a:t>
-            </a:r>
-            <a:r>
-              <a:rPr lang="ko-KR" altLang="en-US" sz="1500" dirty="0"/>
-              <a:t>를 </a:t>
-            </a:r>
-            <a:r>
-              <a:rPr lang="en-US" altLang="ko-KR" sz="1500" dirty="0"/>
-              <a:t>post request</a:t>
-            </a:r>
-            <a:r>
-              <a:rPr lang="ko-KR" altLang="en-US" sz="1500" dirty="0"/>
-              <a:t>의 </a:t>
-            </a:r>
-            <a:r>
-              <a:rPr lang="en-US" altLang="ko-KR" sz="1500" dirty="0"/>
-              <a:t>request body</a:t>
-            </a:r>
-            <a:r>
-              <a:rPr lang="ko-KR" altLang="en-US" sz="1500" dirty="0"/>
-              <a:t>에 </a:t>
-            </a:r>
-            <a:r>
-              <a:rPr lang="en-US" altLang="ko-KR" sz="1500" dirty="0"/>
-              <a:t>key value</a:t>
-            </a:r>
-            <a:r>
-              <a:rPr lang="ko-KR" altLang="en-US" sz="1500" dirty="0"/>
-              <a:t>형태로 저장</a:t>
-            </a:r>
-            <a:r>
-              <a:rPr lang="en-US" altLang="ko-KR" sz="1500" dirty="0"/>
-              <a:t>.</a:t>
-            </a:r>
-          </a:p>
-          <a:p>
-            <a:r>
-              <a:rPr lang="en-US" altLang="ko-KR" sz="1500" dirty="0"/>
-              <a:t>Hidden</a:t>
-            </a:r>
-            <a:r>
-              <a:rPr lang="ko-KR" altLang="en-US" sz="1500" dirty="0"/>
-              <a:t> 필드는 사용자에게는 보여지지 않지만</a:t>
-            </a:r>
-            <a:r>
-              <a:rPr lang="en-US" altLang="ko-KR" sz="1500" dirty="0"/>
-              <a:t>, </a:t>
-            </a:r>
-            <a:r>
-              <a:rPr lang="ko-KR" altLang="en-US" sz="1500" dirty="0"/>
-              <a:t>해당 </a:t>
-            </a:r>
-            <a:r>
-              <a:rPr lang="en-US" altLang="ko-KR" sz="1500" dirty="0"/>
-              <a:t>post </a:t>
-            </a:r>
-            <a:r>
-              <a:rPr lang="ko-KR" altLang="en-US" sz="1500" dirty="0"/>
-              <a:t>요청 시</a:t>
-            </a:r>
-            <a:r>
-              <a:rPr lang="en-US" altLang="ko-KR" sz="1500" dirty="0"/>
-              <a:t>, request body</a:t>
-            </a:r>
-            <a:r>
-              <a:rPr lang="ko-KR" altLang="en-US" sz="1500" dirty="0"/>
-              <a:t>에 </a:t>
-            </a:r>
-            <a:r>
-              <a:rPr lang="en-US" altLang="ko-KR" sz="1500" dirty="0"/>
-              <a:t>key value</a:t>
-            </a:r>
-            <a:r>
-              <a:rPr lang="ko-KR" altLang="en-US" sz="1500" dirty="0"/>
-              <a:t>형태로 </a:t>
-            </a:r>
-            <a:r>
-              <a:rPr lang="ko-KR" altLang="en-US" sz="1500" dirty="0" err="1"/>
-              <a:t>저장되서</a:t>
-            </a:r>
-            <a:r>
-              <a:rPr lang="ko-KR" altLang="en-US" sz="1500" dirty="0"/>
-              <a:t> 컨트롤러로 보내지게 된다</a:t>
-            </a:r>
-            <a:r>
-              <a:rPr lang="en-US" altLang="ko-KR" sz="1500" dirty="0"/>
-              <a:t>.</a:t>
-            </a:r>
-          </a:p>
-          <a:p>
-            <a:r>
-              <a:rPr lang="ko-KR" altLang="en-US" sz="1500" dirty="0"/>
-              <a:t>받은 </a:t>
-            </a:r>
-            <a:r>
-              <a:rPr lang="en-US" altLang="ko-KR" sz="1500" dirty="0"/>
-              <a:t>comment</a:t>
-            </a:r>
-            <a:r>
-              <a:rPr lang="ko-KR" altLang="en-US" sz="1500" dirty="0"/>
-              <a:t>객체의 </a:t>
-            </a:r>
-            <a:r>
-              <a:rPr lang="en-US" altLang="ko-KR" sz="1500" dirty="0"/>
-              <a:t>content property</a:t>
-            </a:r>
-            <a:r>
-              <a:rPr lang="ko-KR" altLang="en-US" sz="1500" dirty="0"/>
-              <a:t>로 채워진 내용 입력란이 있고</a:t>
-            </a:r>
-            <a:r>
-              <a:rPr lang="en-US" altLang="ko-KR" sz="1500" dirty="0"/>
-              <a:t>, </a:t>
-            </a:r>
-            <a:r>
-              <a:rPr lang="ko-KR" altLang="en-US" sz="1500" dirty="0"/>
-              <a:t>수정할 내용 입력 후 수정 버튼을 누르면</a:t>
-            </a:r>
-            <a:r>
-              <a:rPr lang="en-US" altLang="ko-KR" sz="1500" dirty="0"/>
-              <a:t>, </a:t>
-            </a:r>
-            <a:r>
-              <a:rPr lang="ko-KR" altLang="en-US" sz="1500" dirty="0"/>
-              <a:t>원래 값을 그대로 가진 </a:t>
-            </a:r>
-            <a:r>
-              <a:rPr lang="en-US" altLang="ko-KR" sz="1500" dirty="0" err="1"/>
-              <a:t>commentId</a:t>
-            </a:r>
-            <a:r>
-              <a:rPr lang="en-US" altLang="ko-KR" sz="1500" dirty="0"/>
-              <a:t>, </a:t>
-            </a:r>
-            <a:r>
-              <a:rPr lang="en-US" altLang="ko-KR" sz="1500" dirty="0" err="1"/>
-              <a:t>postId</a:t>
-            </a:r>
-            <a:r>
-              <a:rPr lang="en-US" altLang="ko-KR" sz="1500" dirty="0"/>
-              <a:t>, author, </a:t>
-            </a:r>
-            <a:r>
-              <a:rPr lang="ko-KR" altLang="en-US" sz="1500" dirty="0"/>
-              <a:t>그리고 새로운 값을 </a:t>
-            </a:r>
-            <a:r>
-              <a:rPr lang="en-US" altLang="ko-KR" sz="1500" dirty="0"/>
-              <a:t>value</a:t>
-            </a:r>
-            <a:r>
-              <a:rPr lang="ko-KR" altLang="en-US" sz="1500" dirty="0"/>
-              <a:t>로 가지는 </a:t>
-            </a:r>
-            <a:r>
-              <a:rPr lang="en-US" altLang="ko-KR" sz="1500" dirty="0"/>
-              <a:t>content</a:t>
-            </a:r>
-            <a:r>
-              <a:rPr lang="ko-KR" altLang="en-US" sz="1500" dirty="0"/>
-              <a:t>가 </a:t>
-            </a:r>
-            <a:r>
-              <a:rPr lang="en-US" altLang="ko-KR" sz="1500" dirty="0"/>
-              <a:t>key, value </a:t>
-            </a:r>
-            <a:r>
-              <a:rPr lang="ko-KR" altLang="en-US" sz="1500" dirty="0"/>
-              <a:t>형태로 </a:t>
-            </a:r>
-            <a:r>
-              <a:rPr lang="en-US" altLang="ko-KR" sz="1500" dirty="0"/>
-              <a:t>request body</a:t>
-            </a:r>
-            <a:r>
-              <a:rPr lang="ko-KR" altLang="en-US" sz="1500" dirty="0"/>
-              <a:t>에 </a:t>
-            </a:r>
-            <a:r>
-              <a:rPr lang="ko-KR" altLang="en-US" sz="1500" dirty="0" err="1"/>
-              <a:t>저장되서</a:t>
-            </a:r>
-            <a:r>
-              <a:rPr lang="en-US" altLang="ko-KR" sz="1500" dirty="0"/>
-              <a:t>, </a:t>
-            </a:r>
-            <a:r>
-              <a:rPr lang="ko-KR" altLang="en-US" sz="1500" dirty="0"/>
-              <a:t>해당 </a:t>
-            </a:r>
-            <a:r>
-              <a:rPr lang="en-US" altLang="ko-KR" sz="1500" dirty="0" err="1"/>
-              <a:t>url</a:t>
-            </a:r>
-            <a:r>
-              <a:rPr lang="ko-KR" altLang="en-US" sz="1500" dirty="0"/>
-              <a:t>로 보내진다</a:t>
-            </a:r>
-            <a:r>
-              <a:rPr lang="en-US" altLang="ko-KR" sz="1500" dirty="0"/>
-              <a:t>.</a:t>
-            </a:r>
-            <a:endParaRPr lang="ko-KR" altLang="en-US" sz="1500" dirty="0"/>
-          </a:p>
-        </p:txBody>
-      </p:sp>
-      <p:pic>
-        <p:nvPicPr>
-          <p:cNvPr id="5" name="그림 4">
-            <a:extLst>
-              <a:ext uri="{FF2B5EF4-FFF2-40B4-BE49-F238E27FC236}">
-                <a16:creationId xmlns:a16="http://schemas.microsoft.com/office/drawing/2014/main" id="{C1F72199-F9E3-B2A7-0173-61C3A8090F16}"/>
-              </a:ext>
-            </a:extLst>
-          </p:cNvPr>
-          <p:cNvPicPr>
-            <a:picLocks noChangeAspect="1"/>
-          </p:cNvPicPr>
-          <p:nvPr/>
-        </p:nvPicPr>
-        <p:blipFill>
-          <a:blip r:embed="rId2"/>
-          <a:stretch>
-            <a:fillRect/>
-          </a:stretch>
-        </p:blipFill>
-        <p:spPr>
-          <a:xfrm>
-            <a:off x="309854" y="1244737"/>
-            <a:ext cx="11572292" cy="2621986"/>
-          </a:xfrm>
-          <a:prstGeom prst="rect">
-            <a:avLst/>
-          </a:prstGeom>
-        </p:spPr>
-      </p:pic>
-    </p:spTree>
-    <p:extLst>
-      <p:ext uri="{BB962C8B-B14F-4D97-AF65-F5344CB8AC3E}">
-        <p14:creationId xmlns:p14="http://schemas.microsoft.com/office/powerpoint/2010/main" val="3449772088"/>
-      </p:ext>
-    </p:extLst>
-  </p:cSld>
-  <p:clrMapOvr>
-    <a:masterClrMapping/>
-  </p:clrMapOvr>
-</p:sld>
-</file>
-
-<file path=ppt/slides/slide8.xml><?xml version="1.0" encoding="utf-8"?>
-<p:sld xmlns:a="http://schemas.openxmlformats.org/drawingml/2006/main" xmlns:r="http://schemas.openxmlformats.org/officeDocument/2006/relationships" xmlns:p="http://schemas.openxmlformats.org/presentationml/2006/main">
-  <p:cSld>
-    <p:spTree>
-      <p:nvGrpSpPr>
-        <p:cNvPr id="1" name=""/>
-        <p:cNvGrpSpPr/>
-        <p:nvPr/>
-      </p:nvGrpSpPr>
-      <p:grpSpPr>
-        <a:xfrm>
-          <a:off x="0" y="0"/>
-          <a:ext cx="0" cy="0"/>
-          <a:chOff x="0" y="0"/>
-          <a:chExt cx="0" cy="0"/>
-        </a:xfrm>
-      </p:grpSpPr>
-      <p:sp>
-        <p:nvSpPr>
-          <p:cNvPr id="2" name="제목 1">
-            <a:extLst>
-              <a:ext uri="{FF2B5EF4-FFF2-40B4-BE49-F238E27FC236}">
-                <a16:creationId xmlns:a16="http://schemas.microsoft.com/office/drawing/2014/main" id="{EDD67C3A-5B90-B55E-9263-3CA3B68CCBB4}"/>
-              </a:ext>
-            </a:extLst>
-          </p:cNvPr>
-          <p:cNvSpPr>
-            <a:spLocks noGrp="1"/>
-          </p:cNvSpPr>
-          <p:nvPr>
-            <p:ph type="title"/>
-          </p:nvPr>
-        </p:nvSpPr>
-        <p:spPr/>
-        <p:txBody>
-          <a:bodyPr>
-            <a:normAutofit/>
-          </a:bodyPr>
-          <a:lstStyle/>
-          <a:p>
-            <a:r>
-              <a:rPr lang="en-US" altLang="ko-KR" sz="3000" dirty="0"/>
-              <a:t>Controller</a:t>
-            </a:r>
-            <a:r>
-              <a:rPr lang="en-US" altLang="ko-KR" sz="2000" dirty="0"/>
-              <a:t>(</a:t>
-            </a:r>
-            <a:r>
-              <a:rPr lang="en-US" altLang="ko-KR" sz="2000" dirty="0" err="1"/>
-              <a:t>CommentController</a:t>
-            </a:r>
-            <a:r>
-              <a:rPr lang="en-US" altLang="ko-KR" sz="2000" dirty="0"/>
-              <a:t>)</a:t>
-            </a:r>
-            <a:endParaRPr lang="ko-KR" altLang="en-US" sz="2000" dirty="0"/>
-          </a:p>
-        </p:txBody>
-      </p:sp>
-      <p:sp>
-        <p:nvSpPr>
-          <p:cNvPr id="7" name="내용 개체 틀 6">
-            <a:extLst>
-              <a:ext uri="{FF2B5EF4-FFF2-40B4-BE49-F238E27FC236}">
-                <a16:creationId xmlns:a16="http://schemas.microsoft.com/office/drawing/2014/main" id="{840E1A57-F1D6-71DE-F0F1-197DF44D97E1}"/>
-              </a:ext>
-            </a:extLst>
-          </p:cNvPr>
-          <p:cNvSpPr>
-            <a:spLocks noGrp="1"/>
-          </p:cNvSpPr>
-          <p:nvPr>
-            <p:ph idx="1"/>
-          </p:nvPr>
-        </p:nvSpPr>
-        <p:spPr>
-          <a:xfrm>
-            <a:off x="838200" y="3623469"/>
-            <a:ext cx="10515600" cy="2586037"/>
-          </a:xfrm>
-        </p:spPr>
-        <p:txBody>
-          <a:bodyPr>
-            <a:normAutofit/>
-          </a:bodyPr>
-          <a:lstStyle/>
-          <a:p>
-            <a:r>
-              <a:rPr lang="ko-KR" altLang="en-US" sz="1500" dirty="0"/>
-              <a:t>앞에서 받은 </a:t>
-            </a:r>
-            <a:r>
-              <a:rPr lang="en-US" altLang="ko-KR" sz="1500" dirty="0"/>
-              <a:t>post request</a:t>
-            </a:r>
-            <a:r>
-              <a:rPr lang="ko-KR" altLang="en-US" sz="1500" dirty="0"/>
-              <a:t>와 </a:t>
-            </a:r>
-            <a:r>
-              <a:rPr lang="ko-KR" altLang="en-US" sz="1500" dirty="0" err="1"/>
-              <a:t>매핑되는</a:t>
-            </a:r>
-            <a:r>
-              <a:rPr lang="ko-KR" altLang="en-US" sz="1500" dirty="0"/>
-              <a:t> 메소드 </a:t>
-            </a:r>
-            <a:r>
-              <a:rPr lang="en-US" altLang="ko-KR" sz="1500" dirty="0" err="1"/>
-              <a:t>updaeComment</a:t>
-            </a:r>
-            <a:r>
-              <a:rPr lang="ko-KR" altLang="en-US" sz="1500" dirty="0"/>
-              <a:t>를 호출한다</a:t>
-            </a:r>
-            <a:r>
-              <a:rPr lang="en-US" altLang="ko-KR" sz="1500" dirty="0"/>
-              <a:t>.</a:t>
-            </a:r>
-          </a:p>
-          <a:p>
-            <a:r>
-              <a:rPr lang="en-US" altLang="ko-KR" sz="1500" dirty="0"/>
-              <a:t>@PathVariable: </a:t>
-            </a:r>
-            <a:r>
-              <a:rPr lang="en-US" altLang="ko-KR" sz="1500" dirty="0" err="1"/>
-              <a:t>url</a:t>
-            </a:r>
-            <a:r>
-              <a:rPr lang="ko-KR" altLang="en-US" sz="1500" dirty="0"/>
-              <a:t>에 있는 </a:t>
-            </a:r>
-            <a:r>
-              <a:rPr lang="en-US" altLang="ko-KR" sz="1500" dirty="0"/>
-              <a:t>id</a:t>
-            </a:r>
-            <a:r>
-              <a:rPr lang="ko-KR" altLang="en-US" sz="1500" dirty="0"/>
-              <a:t>값을 </a:t>
-            </a:r>
-            <a:r>
-              <a:rPr lang="en-US" altLang="ko-KR" sz="1500" dirty="0"/>
-              <a:t>parameter</a:t>
-            </a:r>
-            <a:r>
-              <a:rPr lang="ko-KR" altLang="en-US" sz="1500" dirty="0"/>
-              <a:t>로 받아들인다</a:t>
-            </a:r>
-            <a:r>
-              <a:rPr lang="en-US" altLang="ko-KR" sz="1500" dirty="0"/>
-              <a:t>.</a:t>
-            </a:r>
-          </a:p>
-          <a:p>
-            <a:r>
-              <a:rPr lang="en-US" altLang="ko-KR" sz="1500" dirty="0"/>
-              <a:t>@ModelAttribute: Comment </a:t>
-            </a:r>
-            <a:r>
-              <a:rPr lang="ko-KR" altLang="en-US" sz="1500" dirty="0"/>
-              <a:t>객체 타입의 </a:t>
-            </a:r>
-            <a:r>
-              <a:rPr lang="en-US" altLang="ko-KR" sz="1500" dirty="0"/>
-              <a:t>comment</a:t>
-            </a:r>
-            <a:r>
-              <a:rPr lang="ko-KR" altLang="en-US" sz="1500" dirty="0"/>
-              <a:t> 인스턴스를 앞에서 받은 </a:t>
-            </a:r>
-            <a:r>
-              <a:rPr lang="en-US" altLang="ko-KR" sz="1500" dirty="0"/>
-              <a:t>request body</a:t>
-            </a:r>
-            <a:r>
-              <a:rPr lang="ko-KR" altLang="en-US" sz="1500" dirty="0"/>
-              <a:t>에 있던</a:t>
-            </a:r>
-            <a:r>
-              <a:rPr lang="en-US" altLang="ko-KR" sz="1500" dirty="0"/>
-              <a:t>, key</a:t>
-            </a:r>
-            <a:r>
-              <a:rPr lang="ko-KR" altLang="en-US" sz="1500" dirty="0"/>
-              <a:t> </a:t>
-            </a:r>
-            <a:r>
-              <a:rPr lang="en-US" altLang="ko-KR" sz="1500" dirty="0"/>
-              <a:t>value</a:t>
-            </a:r>
-            <a:r>
-              <a:rPr lang="ko-KR" altLang="en-US" sz="1500" dirty="0"/>
-              <a:t>로 </a:t>
-            </a:r>
-            <a:r>
-              <a:rPr lang="en-US" altLang="ko-KR" sz="1500" dirty="0"/>
-              <a:t>property</a:t>
-            </a:r>
-            <a:r>
-              <a:rPr lang="ko-KR" altLang="en-US" sz="1500" dirty="0"/>
-              <a:t>를 업데이트한다</a:t>
-            </a:r>
-            <a:r>
-              <a:rPr lang="en-US" altLang="ko-KR" sz="1500" dirty="0"/>
-              <a:t>.</a:t>
-            </a:r>
-          </a:p>
-          <a:p>
-            <a:r>
-              <a:rPr lang="en-US" altLang="ko-KR" sz="1500" dirty="0"/>
-              <a:t>Session: session</a:t>
-            </a:r>
-            <a:r>
-              <a:rPr lang="ko-KR" altLang="en-US" sz="1500" dirty="0"/>
-              <a:t>을 </a:t>
-            </a:r>
-            <a:r>
-              <a:rPr lang="en-US" altLang="ko-KR" sz="1500" dirty="0"/>
-              <a:t>parameter</a:t>
-            </a:r>
-            <a:r>
-              <a:rPr lang="ko-KR" altLang="en-US" sz="1500" dirty="0"/>
-              <a:t>로 받아들이고</a:t>
-            </a:r>
-            <a:r>
-              <a:rPr lang="en-US" altLang="ko-KR" sz="1500" dirty="0"/>
-              <a:t>, session scope</a:t>
-            </a:r>
-            <a:r>
-              <a:rPr lang="ko-KR" altLang="en-US" sz="1500" dirty="0"/>
-              <a:t>에 저장된 로그인한 </a:t>
-            </a:r>
-            <a:r>
-              <a:rPr lang="en-US" altLang="ko-KR" sz="1500" dirty="0" err="1"/>
-              <a:t>userId</a:t>
-            </a:r>
-            <a:r>
-              <a:rPr lang="ko-KR" altLang="en-US" sz="1500" dirty="0"/>
-              <a:t> 값을 메소드 내부에서 사용한다</a:t>
-            </a:r>
-            <a:r>
-              <a:rPr lang="en-US" altLang="ko-KR" sz="1500" dirty="0"/>
-              <a:t>.</a:t>
-            </a:r>
-          </a:p>
-          <a:p>
-            <a:r>
-              <a:rPr lang="en-US" altLang="ko-KR" sz="1500" dirty="0" err="1"/>
-              <a:t>commentService</a:t>
-            </a:r>
-            <a:r>
-              <a:rPr lang="ko-KR" altLang="en-US" sz="1500" dirty="0"/>
-              <a:t>의 </a:t>
-            </a:r>
-            <a:r>
-              <a:rPr lang="en-US" altLang="ko-KR" sz="1500" dirty="0" err="1"/>
-              <a:t>updateComment</a:t>
-            </a:r>
-            <a:r>
-              <a:rPr lang="ko-KR" altLang="en-US" sz="1500" dirty="0"/>
-              <a:t>를 호출해서</a:t>
-            </a:r>
-            <a:r>
-              <a:rPr lang="en-US" altLang="ko-KR" sz="1500" dirty="0"/>
-              <a:t>, content</a:t>
-            </a:r>
-            <a:r>
-              <a:rPr lang="ko-KR" altLang="en-US" sz="1500" dirty="0"/>
-              <a:t>를 업데이트 한다</a:t>
-            </a:r>
-            <a:r>
-              <a:rPr lang="en-US" altLang="ko-KR" sz="1500" dirty="0"/>
-              <a:t>.</a:t>
-            </a:r>
-          </a:p>
-          <a:p>
-            <a:r>
-              <a:rPr lang="en-US" altLang="ko-KR" sz="1500" dirty="0"/>
-              <a:t>Posts/</a:t>
-            </a:r>
-            <a:r>
-              <a:rPr lang="ko-KR" altLang="en-US" sz="1500" dirty="0"/>
-              <a:t>해당</a:t>
-            </a:r>
-            <a:r>
-              <a:rPr lang="en-US" altLang="ko-KR" sz="1500" dirty="0"/>
-              <a:t>_</a:t>
-            </a:r>
-            <a:r>
-              <a:rPr lang="en-US" altLang="ko-KR" sz="1500" dirty="0" err="1"/>
-              <a:t>comment_PostId</a:t>
-            </a:r>
-            <a:r>
-              <a:rPr lang="en-US" altLang="ko-KR" sz="1500" dirty="0"/>
-              <a:t> </a:t>
-            </a:r>
-            <a:r>
-              <a:rPr lang="en-US" altLang="ko-KR" sz="1500" dirty="0" err="1"/>
-              <a:t>url</a:t>
-            </a:r>
-            <a:r>
-              <a:rPr lang="ko-KR" altLang="en-US" sz="1500" dirty="0"/>
-              <a:t>로 </a:t>
-            </a:r>
-            <a:r>
-              <a:rPr lang="en-US" altLang="ko-KR" sz="1500" dirty="0"/>
-              <a:t>get </a:t>
-            </a:r>
-            <a:r>
-              <a:rPr lang="ko-KR" altLang="en-US" sz="1500" dirty="0"/>
-              <a:t>요청을 보낸다</a:t>
-            </a:r>
-            <a:r>
-              <a:rPr lang="en-US" altLang="ko-KR" sz="1500" dirty="0"/>
-              <a:t>.</a:t>
-            </a:r>
-          </a:p>
-          <a:p>
-            <a:endParaRPr lang="ko-KR" altLang="en-US" sz="1500" dirty="0"/>
-          </a:p>
-        </p:txBody>
-      </p:sp>
-      <p:pic>
-        <p:nvPicPr>
-          <p:cNvPr id="8" name="내용 개체 틀 4">
-            <a:extLst>
-              <a:ext uri="{FF2B5EF4-FFF2-40B4-BE49-F238E27FC236}">
-                <a16:creationId xmlns:a16="http://schemas.microsoft.com/office/drawing/2014/main" id="{B2F847B9-813B-AE06-A6C1-2C4810DA2CC4}"/>
-              </a:ext>
-            </a:extLst>
-          </p:cNvPr>
-          <p:cNvPicPr>
-            <a:picLocks noChangeAspect="1"/>
-          </p:cNvPicPr>
-          <p:nvPr/>
-        </p:nvPicPr>
-        <p:blipFill>
-          <a:blip r:embed="rId2"/>
-          <a:stretch>
-            <a:fillRect/>
-          </a:stretch>
-        </p:blipFill>
-        <p:spPr>
-          <a:xfrm>
-            <a:off x="648339" y="1401499"/>
-            <a:ext cx="7643178" cy="2108463"/>
-          </a:xfrm>
-          <a:prstGeom prst="rect">
-            <a:avLst/>
-          </a:prstGeom>
-        </p:spPr>
-      </p:pic>
-    </p:spTree>
-    <p:extLst>
-      <p:ext uri="{BB962C8B-B14F-4D97-AF65-F5344CB8AC3E}">
-        <p14:creationId xmlns:p14="http://schemas.microsoft.com/office/powerpoint/2010/main" val="3050576128"/>
-      </p:ext>
-    </p:extLst>
-  </p:cSld>
-  <p:clrMapOvr>
-    <a:masterClrMapping/>
-  </p:clrMapOvr>
-</p:sld>
-</file>
-
-<file path=ppt/slides/slide9.xml><?xml version="1.0" encoding="utf-8"?>
-<p:sld xmlns:a="http://schemas.openxmlformats.org/drawingml/2006/main" xmlns:r="http://schemas.openxmlformats.org/officeDocument/2006/relationships" xmlns:p="http://schemas.openxmlformats.org/presentationml/2006/main">
-  <p:cSld>
-    <p:spTree>
-      <p:nvGrpSpPr>
-        <p:cNvPr id="1" name=""/>
-        <p:cNvGrpSpPr/>
-        <p:nvPr/>
-      </p:nvGrpSpPr>
-      <p:grpSpPr>
-        <a:xfrm>
-          <a:off x="0" y="0"/>
-          <a:ext cx="0" cy="0"/>
-          <a:chOff x="0" y="0"/>
-          <a:chExt cx="0" cy="0"/>
-        </a:xfrm>
-      </p:grpSpPr>
-      <p:sp>
-        <p:nvSpPr>
-          <p:cNvPr id="2" name="제목 1">
-            <a:extLst>
-              <a:ext uri="{FF2B5EF4-FFF2-40B4-BE49-F238E27FC236}">
-                <a16:creationId xmlns:a16="http://schemas.microsoft.com/office/drawing/2014/main" id="{7705D37F-2324-86BE-0895-4E1843861A31}"/>
-              </a:ext>
-            </a:extLst>
-          </p:cNvPr>
-          <p:cNvSpPr>
-            <a:spLocks noGrp="1"/>
-          </p:cNvSpPr>
-          <p:nvPr>
-            <p:ph type="title"/>
-          </p:nvPr>
-        </p:nvSpPr>
-        <p:spPr/>
-        <p:txBody>
-          <a:bodyPr>
-            <a:normAutofit/>
-          </a:bodyPr>
-          <a:lstStyle/>
-          <a:p>
-            <a:r>
-              <a:rPr lang="en-US" altLang="ko-KR" sz="3000" dirty="0"/>
-              <a:t>Controller</a:t>
-            </a:r>
-            <a:r>
-              <a:rPr lang="en-US" altLang="ko-KR" sz="2000" dirty="0"/>
-              <a:t>(</a:t>
-            </a:r>
-            <a:r>
-              <a:rPr lang="en-US" altLang="ko-KR" sz="2000" dirty="0" err="1"/>
-              <a:t>PostController</a:t>
-            </a:r>
-            <a:r>
-              <a:rPr lang="en-US" altLang="ko-KR" sz="2000" dirty="0"/>
-              <a:t>)</a:t>
-            </a:r>
-            <a:endParaRPr lang="ko-KR" altLang="en-US" sz="3000" dirty="0"/>
-          </a:p>
-        </p:txBody>
-      </p:sp>
-      <p:sp>
-        <p:nvSpPr>
-          <p:cNvPr id="3" name="내용 개체 틀 2">
-            <a:extLst>
-              <a:ext uri="{FF2B5EF4-FFF2-40B4-BE49-F238E27FC236}">
-                <a16:creationId xmlns:a16="http://schemas.microsoft.com/office/drawing/2014/main" id="{E64A8C8C-5AB6-8301-1FDC-1AFD1592F487}"/>
-              </a:ext>
-            </a:extLst>
-          </p:cNvPr>
-          <p:cNvSpPr>
-            <a:spLocks noGrp="1"/>
-          </p:cNvSpPr>
-          <p:nvPr>
-            <p:ph idx="1"/>
-          </p:nvPr>
-        </p:nvSpPr>
-        <p:spPr>
-          <a:xfrm>
-            <a:off x="5429838" y="1825625"/>
-            <a:ext cx="5923961" cy="4351338"/>
-          </a:xfrm>
-        </p:spPr>
-        <p:txBody>
-          <a:bodyPr>
-            <a:normAutofit/>
-          </a:bodyPr>
-          <a:lstStyle/>
-          <a:p>
-            <a:r>
-              <a:rPr lang="ko-KR" altLang="en-US" sz="1500" dirty="0"/>
-              <a:t>앞에서 보낸 </a:t>
-            </a:r>
-            <a:r>
-              <a:rPr lang="en-US" altLang="ko-KR" sz="1500" dirty="0"/>
-              <a:t>get </a:t>
-            </a:r>
-            <a:r>
-              <a:rPr lang="ko-KR" altLang="en-US" sz="1500" dirty="0"/>
-              <a:t>요청을 받아서 </a:t>
-            </a:r>
-            <a:r>
-              <a:rPr lang="ko-KR" altLang="en-US" sz="1500" dirty="0" err="1"/>
-              <a:t>매핑되는</a:t>
-            </a:r>
-            <a:r>
-              <a:rPr lang="ko-KR" altLang="en-US" sz="1500" dirty="0"/>
-              <a:t> 메소드 </a:t>
-            </a:r>
-            <a:r>
-              <a:rPr lang="en-US" altLang="ko-KR" sz="1500" dirty="0" err="1"/>
-              <a:t>getPostById</a:t>
-            </a:r>
-            <a:r>
-              <a:rPr lang="ko-KR" altLang="en-US" sz="1500" dirty="0"/>
-              <a:t>를 실행한다</a:t>
-            </a:r>
-            <a:r>
-              <a:rPr lang="en-US" altLang="ko-KR" sz="1500" dirty="0"/>
-              <a:t>. </a:t>
-            </a:r>
-            <a:r>
-              <a:rPr lang="ko-KR" altLang="en-US" sz="1500" dirty="0"/>
-              <a:t>여기서는 </a:t>
-            </a:r>
-            <a:r>
-              <a:rPr lang="en-US" altLang="ko-KR" sz="1500" dirty="0"/>
-              <a:t>id</a:t>
-            </a:r>
-            <a:r>
-              <a:rPr lang="ko-KR" altLang="en-US" sz="1500" dirty="0"/>
-              <a:t>를 </a:t>
-            </a:r>
-            <a:r>
-              <a:rPr lang="en-US" altLang="ko-KR" sz="1500" dirty="0"/>
-              <a:t>parameter</a:t>
-            </a:r>
-            <a:r>
-              <a:rPr lang="ko-KR" altLang="en-US" sz="1500" dirty="0"/>
-              <a:t>로 받아들인다</a:t>
-            </a:r>
-            <a:r>
-              <a:rPr lang="en-US" altLang="ko-KR" sz="1500" dirty="0"/>
-              <a:t>.</a:t>
-            </a:r>
-          </a:p>
-          <a:p>
-            <a:r>
-              <a:rPr lang="en-US" altLang="ko-KR" sz="1500" dirty="0" err="1"/>
-              <a:t>postService</a:t>
-            </a:r>
-            <a:r>
-              <a:rPr lang="ko-KR" altLang="en-US" sz="1500" dirty="0"/>
-              <a:t>의 </a:t>
-            </a:r>
-            <a:r>
-              <a:rPr lang="en-US" altLang="ko-KR" sz="1500" dirty="0" err="1"/>
-              <a:t>getPostById</a:t>
-            </a:r>
-            <a:r>
-              <a:rPr lang="en-US" altLang="ko-KR" sz="1500" dirty="0"/>
-              <a:t> </a:t>
-            </a:r>
-            <a:r>
-              <a:rPr lang="ko-KR" altLang="en-US" sz="1500" dirty="0"/>
-              <a:t>메소드를 호출하고</a:t>
-            </a:r>
-            <a:r>
-              <a:rPr lang="en-US" altLang="ko-KR" sz="1500" dirty="0"/>
-              <a:t>, </a:t>
-            </a:r>
-            <a:r>
-              <a:rPr lang="ko-KR" altLang="en-US" sz="1500" dirty="0"/>
-              <a:t>해당하는 </a:t>
-            </a:r>
-            <a:r>
-              <a:rPr lang="en-US" altLang="ko-KR" sz="1500" dirty="0"/>
-              <a:t>post </a:t>
-            </a:r>
-            <a:r>
-              <a:rPr lang="ko-KR" altLang="en-US" sz="1500" dirty="0"/>
-              <a:t>타입의 객체를 얻는다</a:t>
-            </a:r>
-            <a:r>
-              <a:rPr lang="en-US" altLang="ko-KR" sz="1500" dirty="0"/>
-              <a:t>.</a:t>
-            </a:r>
-          </a:p>
-          <a:p>
-            <a:r>
-              <a:rPr lang="en-US" altLang="ko-KR" sz="1500" dirty="0"/>
-              <a:t>Post</a:t>
-            </a:r>
-            <a:r>
-              <a:rPr lang="ko-KR" altLang="en-US" sz="1500" dirty="0"/>
-              <a:t>객체가 있으면</a:t>
-            </a:r>
-            <a:r>
-              <a:rPr lang="en-US" altLang="ko-KR" sz="1500" dirty="0"/>
-              <a:t>, </a:t>
-            </a:r>
-            <a:r>
-              <a:rPr lang="ko-KR" altLang="en-US" sz="1500" dirty="0"/>
-              <a:t>해당 </a:t>
-            </a:r>
-            <a:r>
-              <a:rPr lang="en-US" altLang="ko-KR" sz="1500" dirty="0"/>
-              <a:t>post </a:t>
-            </a:r>
-            <a:r>
-              <a:rPr lang="ko-KR" altLang="en-US" sz="1500" dirty="0"/>
-              <a:t>객체를 </a:t>
-            </a:r>
-            <a:r>
-              <a:rPr lang="en-US" altLang="ko-KR" sz="1500" dirty="0" err="1"/>
-              <a:t>requestScope</a:t>
-            </a:r>
-            <a:r>
-              <a:rPr lang="ko-KR" altLang="en-US" sz="1500" dirty="0"/>
-              <a:t>의 </a:t>
-            </a:r>
-            <a:r>
-              <a:rPr lang="en-US" altLang="ko-KR" sz="1500" dirty="0"/>
-              <a:t>model</a:t>
-            </a:r>
-            <a:r>
-              <a:rPr lang="ko-KR" altLang="en-US" sz="1500" dirty="0"/>
-              <a:t>의 </a:t>
-            </a:r>
-            <a:r>
-              <a:rPr lang="en-US" altLang="ko-KR" sz="1500" dirty="0"/>
-              <a:t>attribute</a:t>
-            </a:r>
-            <a:r>
-              <a:rPr lang="ko-KR" altLang="en-US" sz="1500" dirty="0"/>
-              <a:t>로 </a:t>
-            </a:r>
-            <a:r>
-              <a:rPr lang="en-US" altLang="ko-KR" sz="1500" dirty="0"/>
-              <a:t>key “post”</a:t>
-            </a:r>
-            <a:r>
-              <a:rPr lang="ko-KR" altLang="en-US" sz="1500" dirty="0"/>
-              <a:t>와 함께 저장한다</a:t>
-            </a:r>
-            <a:r>
-              <a:rPr lang="en-US" altLang="ko-KR" sz="1500" dirty="0"/>
-              <a:t>.</a:t>
-            </a:r>
-          </a:p>
-          <a:p>
-            <a:r>
-              <a:rPr lang="ko-KR" altLang="en-US" sz="1500" dirty="0"/>
-              <a:t>해당 </a:t>
-            </a:r>
-            <a:r>
-              <a:rPr lang="en-US" altLang="ko-KR" sz="1500" dirty="0"/>
-              <a:t>post</a:t>
-            </a:r>
-            <a:r>
-              <a:rPr lang="ko-KR" altLang="en-US" sz="1500" dirty="0"/>
-              <a:t>의 </a:t>
-            </a:r>
-            <a:r>
-              <a:rPr lang="en-US" altLang="ko-KR" sz="1500" dirty="0"/>
-              <a:t>comment</a:t>
-            </a:r>
-            <a:r>
-              <a:rPr lang="ko-KR" altLang="en-US" sz="1500" dirty="0"/>
-              <a:t>의 리스트도 </a:t>
-            </a:r>
-            <a:r>
-              <a:rPr lang="en-US" altLang="ko-KR" sz="1500" dirty="0" err="1"/>
-              <a:t>requestScope</a:t>
-            </a:r>
-            <a:r>
-              <a:rPr lang="ko-KR" altLang="en-US" sz="1500" dirty="0"/>
-              <a:t>의 </a:t>
-            </a:r>
-            <a:r>
-              <a:rPr lang="en-US" altLang="ko-KR" sz="1500" dirty="0"/>
-              <a:t>model</a:t>
-            </a:r>
-            <a:r>
-              <a:rPr lang="ko-KR" altLang="en-US" sz="1500" dirty="0"/>
-              <a:t>의 </a:t>
-            </a:r>
-            <a:r>
-              <a:rPr lang="en-US" altLang="ko-KR" sz="1500" dirty="0"/>
-              <a:t>attribute</a:t>
-            </a:r>
-            <a:r>
-              <a:rPr lang="ko-KR" altLang="en-US" sz="1500" dirty="0"/>
-              <a:t>로 </a:t>
-            </a:r>
-            <a:r>
-              <a:rPr lang="en-US" altLang="ko-KR" sz="1500" dirty="0"/>
-              <a:t>key “comments”</a:t>
-            </a:r>
-            <a:r>
-              <a:rPr lang="ko-KR" altLang="en-US" sz="1500" dirty="0"/>
-              <a:t>와 함께 저장한다</a:t>
-            </a:r>
-            <a:r>
-              <a:rPr lang="en-US" altLang="ko-KR" sz="1500" dirty="0"/>
-              <a:t>.</a:t>
-            </a:r>
-          </a:p>
-          <a:p>
-            <a:r>
-              <a:rPr lang="en-US" altLang="ko-KR" sz="1500" dirty="0" err="1"/>
-              <a:t>postDetail.jsp</a:t>
-            </a:r>
-            <a:r>
-              <a:rPr lang="ko-KR" altLang="en-US" sz="1500" dirty="0"/>
-              <a:t>를 호출한다</a:t>
-            </a:r>
-            <a:r>
-              <a:rPr lang="en-US" altLang="ko-KR" sz="1500" dirty="0"/>
-              <a:t>.</a:t>
-            </a:r>
-            <a:endParaRPr lang="ko-KR" altLang="en-US" sz="1500" dirty="0"/>
-          </a:p>
-        </p:txBody>
-      </p:sp>
-      <p:pic>
-        <p:nvPicPr>
-          <p:cNvPr id="5" name="그림 4">
-            <a:extLst>
-              <a:ext uri="{FF2B5EF4-FFF2-40B4-BE49-F238E27FC236}">
-                <a16:creationId xmlns:a16="http://schemas.microsoft.com/office/drawing/2014/main" id="{B96B1725-C96D-6AEF-4FB5-05ECA598850F}"/>
-              </a:ext>
-            </a:extLst>
-          </p:cNvPr>
-          <p:cNvPicPr>
-            <a:picLocks noChangeAspect="1"/>
-          </p:cNvPicPr>
-          <p:nvPr/>
-        </p:nvPicPr>
-        <p:blipFill>
-          <a:blip r:embed="rId2"/>
-          <a:stretch>
-            <a:fillRect/>
-          </a:stretch>
-        </p:blipFill>
-        <p:spPr>
-          <a:xfrm>
-            <a:off x="271903" y="1825625"/>
-            <a:ext cx="5225455" cy="2171340"/>
-          </a:xfrm>
-          <a:prstGeom prst="rect">
-            <a:avLst/>
-          </a:prstGeom>
-        </p:spPr>
-      </p:pic>
-    </p:spTree>
-    <p:extLst>
-      <p:ext uri="{BB962C8B-B14F-4D97-AF65-F5344CB8AC3E}">
-        <p14:creationId xmlns:p14="http://schemas.microsoft.com/office/powerpoint/2010/main" val="2561456104"/>
       </p:ext>
     </p:extLst>
   </p:cSld>

--- a/스프링 게시판 만들기_240821.pptx
+++ b/스프링 게시판 만들기_240821.pptx
@@ -11,18 +11,21 @@
     <p:sldId id="270" r:id="rId5"/>
     <p:sldId id="272" r:id="rId6"/>
     <p:sldId id="273" r:id="rId7"/>
-    <p:sldId id="257" r:id="rId8"/>
-    <p:sldId id="259" r:id="rId9"/>
-    <p:sldId id="260" r:id="rId10"/>
-    <p:sldId id="261" r:id="rId11"/>
-    <p:sldId id="262" r:id="rId12"/>
-    <p:sldId id="263" r:id="rId13"/>
-    <p:sldId id="264" r:id="rId14"/>
-    <p:sldId id="265" r:id="rId15"/>
-    <p:sldId id="266" r:id="rId16"/>
-    <p:sldId id="267" r:id="rId17"/>
-    <p:sldId id="268" r:id="rId18"/>
-    <p:sldId id="269" r:id="rId19"/>
+    <p:sldId id="274" r:id="rId8"/>
+    <p:sldId id="257" r:id="rId9"/>
+    <p:sldId id="259" r:id="rId10"/>
+    <p:sldId id="260" r:id="rId11"/>
+    <p:sldId id="261" r:id="rId12"/>
+    <p:sldId id="262" r:id="rId13"/>
+    <p:sldId id="263" r:id="rId14"/>
+    <p:sldId id="264" r:id="rId15"/>
+    <p:sldId id="265" r:id="rId16"/>
+    <p:sldId id="266" r:id="rId17"/>
+    <p:sldId id="267" r:id="rId18"/>
+    <p:sldId id="268" r:id="rId19"/>
+    <p:sldId id="269" r:id="rId20"/>
+    <p:sldId id="276" r:id="rId21"/>
+    <p:sldId id="275" r:id="rId22"/>
   </p:sldIdLst>
   <p:sldSz cx="12192000" cy="6858000"/>
   <p:notesSz cx="6858000" cy="9144000"/>
@@ -3431,6 +3434,431 @@
           <p:cNvPr id="2" name="제목 1">
             <a:extLst>
               <a:ext uri="{FF2B5EF4-FFF2-40B4-BE49-F238E27FC236}">
+                <a16:creationId xmlns:a16="http://schemas.microsoft.com/office/drawing/2014/main" id="{C7A70ABB-1CBE-FBBF-E74C-E3DBD3EE4EB6}"/>
+              </a:ext>
+            </a:extLst>
+          </p:cNvPr>
+          <p:cNvSpPr>
+            <a:spLocks noGrp="1"/>
+          </p:cNvSpPr>
+          <p:nvPr>
+            <p:ph type="title"/>
+          </p:nvPr>
+        </p:nvSpPr>
+        <p:spPr/>
+        <p:txBody>
+          <a:bodyPr/>
+          <a:lstStyle/>
+          <a:p>
+            <a:r>
+              <a:rPr lang="en-US" altLang="ko-KR" sz="3000" dirty="0"/>
+              <a:t>Controller</a:t>
+            </a:r>
+            <a:r>
+              <a:rPr lang="en-US" altLang="ko-KR" sz="2000" dirty="0"/>
+              <a:t>(</a:t>
+            </a:r>
+            <a:r>
+              <a:rPr lang="en-US" altLang="ko-KR" sz="2000" dirty="0" err="1"/>
+              <a:t>UserController</a:t>
+            </a:r>
+            <a:r>
+              <a:rPr lang="en-US" altLang="ko-KR" sz="2000" dirty="0"/>
+              <a:t>)</a:t>
+            </a:r>
+            <a:endParaRPr lang="ko-KR" altLang="en-US" sz="2000" dirty="0"/>
+          </a:p>
+        </p:txBody>
+      </p:sp>
+      <p:sp>
+        <p:nvSpPr>
+          <p:cNvPr id="3" name="내용 개체 틀 2">
+            <a:extLst>
+              <a:ext uri="{FF2B5EF4-FFF2-40B4-BE49-F238E27FC236}">
+                <a16:creationId xmlns:a16="http://schemas.microsoft.com/office/drawing/2014/main" id="{DEA9CDA8-0219-529B-A333-4B9479A92801}"/>
+              </a:ext>
+            </a:extLst>
+          </p:cNvPr>
+          <p:cNvSpPr>
+            <a:spLocks noGrp="1"/>
+          </p:cNvSpPr>
+          <p:nvPr>
+            <p:ph idx="1"/>
+          </p:nvPr>
+        </p:nvSpPr>
+        <p:spPr>
+          <a:xfrm>
+            <a:off x="838200" y="3525625"/>
+            <a:ext cx="10515600" cy="2651338"/>
+          </a:xfrm>
+        </p:spPr>
+        <p:txBody>
+          <a:bodyPr>
+            <a:normAutofit/>
+          </a:bodyPr>
+          <a:lstStyle/>
+          <a:p>
+            <a:r>
+              <a:rPr lang="en-US" altLang="ko-KR" sz="2000" dirty="0" err="1"/>
+              <a:t>PostMapping</a:t>
+            </a:r>
+            <a:endParaRPr lang="en-US" altLang="ko-KR" sz="2000" dirty="0"/>
+          </a:p>
+          <a:p>
+            <a:pPr marL="0" indent="0">
+              <a:buNone/>
+            </a:pPr>
+            <a:r>
+              <a:rPr lang="en-US" altLang="ko-KR" sz="1500" dirty="0" err="1"/>
+              <a:t>changePassword.jsp</a:t>
+            </a:r>
+            <a:r>
+              <a:rPr lang="ko-KR" altLang="en-US" sz="1500" dirty="0"/>
+              <a:t> 화면에서 사용자의 </a:t>
+            </a:r>
+            <a:r>
+              <a:rPr lang="en-US" altLang="ko-KR" sz="1500" dirty="0"/>
+              <a:t>Post </a:t>
+            </a:r>
+            <a:r>
+              <a:rPr lang="ko-KR" altLang="en-US" sz="1500" dirty="0"/>
+              <a:t>요청을 </a:t>
+            </a:r>
+            <a:r>
+              <a:rPr lang="en-US" altLang="ko-KR" sz="1500" dirty="0" err="1"/>
+              <a:t>changePassword</a:t>
+            </a:r>
+            <a:r>
+              <a:rPr lang="en-US" altLang="ko-KR" sz="1500" dirty="0"/>
+              <a:t> </a:t>
+            </a:r>
+            <a:r>
+              <a:rPr lang="ko-KR" altLang="en-US" sz="1500" dirty="0"/>
+              <a:t>메소드로 </a:t>
+            </a:r>
+            <a:r>
+              <a:rPr lang="ko-KR" altLang="en-US" sz="1500" dirty="0" err="1"/>
+              <a:t>매핑시킨다</a:t>
+            </a:r>
+            <a:r>
+              <a:rPr lang="en-US" altLang="ko-KR" sz="1500" dirty="0"/>
+              <a:t>.</a:t>
+            </a:r>
+          </a:p>
+          <a:p>
+            <a:pPr marL="0" indent="0">
+              <a:buNone/>
+            </a:pPr>
+            <a:r>
+              <a:rPr lang="en-US" altLang="ko-KR" sz="1500" dirty="0"/>
+              <a:t>@RequestParam: Request Body</a:t>
+            </a:r>
+            <a:r>
+              <a:rPr lang="ko-KR" altLang="en-US" sz="1500" dirty="0"/>
+              <a:t>에 있는 데이터를 </a:t>
+            </a:r>
+            <a:r>
+              <a:rPr lang="en-US" altLang="ko-KR" sz="1500" dirty="0"/>
+              <a:t>key</a:t>
+            </a:r>
+            <a:r>
+              <a:rPr lang="ko-KR" altLang="en-US" sz="1500" dirty="0"/>
+              <a:t>값을 통해서 받아들인다</a:t>
+            </a:r>
+            <a:r>
+              <a:rPr lang="en-US" altLang="ko-KR" sz="1500" dirty="0"/>
+              <a:t>.</a:t>
+            </a:r>
+            <a:endParaRPr lang="en-US" altLang="ko-KR" sz="2000" dirty="0"/>
+          </a:p>
+          <a:p>
+            <a:pPr marL="0" indent="0">
+              <a:buNone/>
+            </a:pPr>
+            <a:r>
+              <a:rPr lang="en-US" altLang="ko-KR" sz="1500" dirty="0" err="1"/>
+              <a:t>userService</a:t>
+            </a:r>
+            <a:r>
+              <a:rPr lang="ko-KR" altLang="en-US" sz="1500" dirty="0"/>
+              <a:t>의 </a:t>
+            </a:r>
+            <a:r>
+              <a:rPr lang="en-US" altLang="ko-KR" sz="1500" dirty="0" err="1"/>
+              <a:t>changePassword</a:t>
+            </a:r>
+            <a:r>
+              <a:rPr lang="ko-KR" altLang="en-US" sz="1500" dirty="0"/>
+              <a:t>메소드를 수행하고</a:t>
+            </a:r>
+            <a:r>
+              <a:rPr lang="en-US" altLang="ko-KR" sz="1500" dirty="0"/>
+              <a:t>, </a:t>
+            </a:r>
+            <a:r>
+              <a:rPr lang="en-US" altLang="ko-KR" sz="1500" dirty="0" err="1"/>
+              <a:t>boolean</a:t>
+            </a:r>
+            <a:r>
+              <a:rPr lang="en-US" altLang="ko-KR" sz="1500" dirty="0"/>
+              <a:t> </a:t>
+            </a:r>
+            <a:r>
+              <a:rPr lang="ko-KR" altLang="en-US" sz="1500" dirty="0"/>
+              <a:t>형태의 </a:t>
+            </a:r>
+            <a:r>
+              <a:rPr lang="en-US" altLang="ko-KR" sz="1500" dirty="0"/>
+              <a:t>return</a:t>
+            </a:r>
+            <a:r>
+              <a:rPr lang="ko-KR" altLang="en-US" sz="1500" dirty="0"/>
+              <a:t>값을 </a:t>
+            </a:r>
+            <a:r>
+              <a:rPr lang="en-US" altLang="ko-KR" sz="1500" dirty="0"/>
+              <a:t>changed</a:t>
+            </a:r>
+            <a:r>
+              <a:rPr lang="ko-KR" altLang="en-US" sz="1500" dirty="0"/>
+              <a:t>에 저장한다</a:t>
+            </a:r>
+            <a:r>
+              <a:rPr lang="en-US" altLang="ko-KR" sz="1500" dirty="0"/>
+              <a:t>.</a:t>
+            </a:r>
+          </a:p>
+          <a:p>
+            <a:pPr marL="0" indent="0">
+              <a:buNone/>
+            </a:pPr>
+            <a:r>
+              <a:rPr lang="ko-KR" altLang="en-US" sz="1500" dirty="0"/>
+              <a:t>만약</a:t>
+            </a:r>
+            <a:r>
+              <a:rPr lang="en-US" altLang="ko-KR" sz="1500" dirty="0"/>
+              <a:t>, Password</a:t>
+            </a:r>
+            <a:r>
+              <a:rPr lang="ko-KR" altLang="en-US" sz="1500" dirty="0"/>
+              <a:t>가 </a:t>
+            </a:r>
+            <a:r>
+              <a:rPr lang="ko-KR" altLang="en-US" sz="1500" dirty="0" err="1"/>
+              <a:t>변경됬으면</a:t>
+            </a:r>
+            <a:r>
+              <a:rPr lang="en-US" altLang="ko-KR" sz="1500" dirty="0"/>
+              <a:t>, user/login </a:t>
+            </a:r>
+            <a:r>
+              <a:rPr lang="en-US" altLang="ko-KR" sz="1500" dirty="0" err="1"/>
+              <a:t>url</a:t>
+            </a:r>
+            <a:r>
+              <a:rPr lang="ko-KR" altLang="en-US" sz="1500" dirty="0"/>
+              <a:t>로 </a:t>
+            </a:r>
+            <a:r>
+              <a:rPr lang="en-US" altLang="ko-KR" sz="1500" dirty="0"/>
+              <a:t>get </a:t>
+            </a:r>
+            <a:r>
+              <a:rPr lang="ko-KR" altLang="en-US" sz="1500" dirty="0"/>
+              <a:t>요청을 보낸다</a:t>
+            </a:r>
+            <a:r>
+              <a:rPr lang="en-US" altLang="ko-KR" sz="1500" dirty="0"/>
+              <a:t>. </a:t>
+            </a:r>
+            <a:r>
+              <a:rPr lang="ko-KR" altLang="en-US" sz="1500" dirty="0"/>
+              <a:t>그러면 앞에서 본 </a:t>
+            </a:r>
+            <a:r>
+              <a:rPr lang="en-US" altLang="ko-KR" sz="1500" dirty="0" err="1"/>
+              <a:t>url</a:t>
+            </a:r>
+            <a:r>
+              <a:rPr lang="ko-KR" altLang="en-US" sz="1500" dirty="0"/>
+              <a:t>에 </a:t>
+            </a:r>
+            <a:r>
+              <a:rPr lang="ko-KR" altLang="en-US" sz="1500" dirty="0" err="1"/>
+              <a:t>매핑된</a:t>
+            </a:r>
+            <a:r>
+              <a:rPr lang="ko-KR" altLang="en-US" sz="1500" dirty="0"/>
+              <a:t> 메소드가 실행되고</a:t>
+            </a:r>
+            <a:r>
+              <a:rPr lang="en-US" altLang="ko-KR" sz="1500" dirty="0"/>
+              <a:t>, </a:t>
+            </a:r>
+            <a:r>
+              <a:rPr lang="en-US" altLang="ko-KR" sz="1500" dirty="0" err="1"/>
+              <a:t>login.jsp</a:t>
+            </a:r>
+            <a:r>
+              <a:rPr lang="ko-KR" altLang="en-US" sz="1500" dirty="0"/>
+              <a:t>가 사용자에게 보여지게 된다</a:t>
+            </a:r>
+            <a:r>
+              <a:rPr lang="en-US" altLang="ko-KR" sz="1500" dirty="0"/>
+              <a:t>.</a:t>
+            </a:r>
+          </a:p>
+          <a:p>
+            <a:pPr marL="0" indent="0">
+              <a:buNone/>
+            </a:pPr>
+            <a:r>
+              <a:rPr lang="en-US" altLang="ko-KR" sz="1500" dirty="0"/>
+              <a:t>Model: </a:t>
+            </a:r>
+            <a:r>
+              <a:rPr lang="ko-KR" altLang="en-US" sz="1500" dirty="0"/>
+              <a:t>모델은 데이터를 </a:t>
+            </a:r>
+            <a:r>
+              <a:rPr lang="en-US" altLang="ko-KR" sz="1500" dirty="0"/>
+              <a:t>view</a:t>
+            </a:r>
+            <a:r>
+              <a:rPr lang="ko-KR" altLang="en-US" sz="1500" dirty="0"/>
+              <a:t>로 보내는 것을 허용한다</a:t>
+            </a:r>
+            <a:r>
+              <a:rPr lang="en-US" altLang="ko-KR" sz="1500" dirty="0"/>
+              <a:t>. (</a:t>
+            </a:r>
+            <a:r>
+              <a:rPr lang="ko-KR" altLang="en-US" sz="1500" dirty="0"/>
+              <a:t>여기서는 </a:t>
+            </a:r>
+            <a:r>
+              <a:rPr lang="en-US" altLang="ko-KR" sz="1500" dirty="0"/>
+              <a:t>model</a:t>
+            </a:r>
+            <a:r>
+              <a:rPr lang="ko-KR" altLang="en-US" sz="1500" dirty="0"/>
+              <a:t>에 </a:t>
+            </a:r>
+            <a:r>
+              <a:rPr lang="en-US" altLang="ko-KR" sz="1500" dirty="0"/>
+              <a:t>key “error”, value “</a:t>
+            </a:r>
+            <a:r>
+              <a:rPr lang="ko-KR" altLang="en-US" sz="1500" dirty="0"/>
+              <a:t>패스워드를 바꾸는데 실패했습니다</a:t>
+            </a:r>
+            <a:r>
+              <a:rPr lang="en-US" altLang="ko-KR" sz="1500" dirty="0"/>
+              <a:t>.”</a:t>
+            </a:r>
+            <a:r>
+              <a:rPr lang="ko-KR" altLang="en-US" sz="1500" dirty="0"/>
+              <a:t>를 등록하고 이 데이터를 </a:t>
+            </a:r>
+            <a:r>
+              <a:rPr lang="en-US" altLang="ko-KR" sz="1500" dirty="0" err="1"/>
+              <a:t>changePassword.jsp</a:t>
+            </a:r>
+            <a:r>
+              <a:rPr lang="ko-KR" altLang="en-US" sz="1500" dirty="0"/>
+              <a:t>로 보낸다</a:t>
+            </a:r>
+            <a:r>
+              <a:rPr lang="en-US" altLang="ko-KR" sz="1500" dirty="0"/>
+              <a:t>.)</a:t>
+            </a:r>
+          </a:p>
+          <a:p>
+            <a:pPr marL="0" indent="0">
+              <a:buNone/>
+            </a:pPr>
+            <a:endParaRPr lang="en-US" altLang="ko-KR" sz="1500" dirty="0"/>
+          </a:p>
+          <a:p>
+            <a:pPr marL="0" indent="0">
+              <a:buNone/>
+            </a:pPr>
+            <a:endParaRPr lang="en-US" altLang="ko-KR" sz="1500" dirty="0"/>
+          </a:p>
+          <a:p>
+            <a:pPr marL="0" indent="0">
+              <a:buNone/>
+            </a:pPr>
+            <a:endParaRPr lang="en-US" altLang="ko-KR" sz="1500" dirty="0"/>
+          </a:p>
+        </p:txBody>
+      </p:sp>
+      <p:pic>
+        <p:nvPicPr>
+          <p:cNvPr id="9" name="그림 8">
+            <a:extLst>
+              <a:ext uri="{FF2B5EF4-FFF2-40B4-BE49-F238E27FC236}">
+                <a16:creationId xmlns:a16="http://schemas.microsoft.com/office/drawing/2014/main" id="{E2FCED0D-B818-8784-48B7-BA465D42A6FB}"/>
+              </a:ext>
+            </a:extLst>
+          </p:cNvPr>
+          <p:cNvPicPr>
+            <a:picLocks noChangeAspect="1"/>
+          </p:cNvPicPr>
+          <p:nvPr/>
+        </p:nvPicPr>
+        <p:blipFill>
+          <a:blip r:embed="rId2"/>
+          <a:stretch>
+            <a:fillRect/>
+          </a:stretch>
+        </p:blipFill>
+        <p:spPr>
+          <a:xfrm>
+            <a:off x="668518" y="1258675"/>
+            <a:ext cx="8029575" cy="2266950"/>
+          </a:xfrm>
+          <a:prstGeom prst="rect">
+            <a:avLst/>
+          </a:prstGeom>
+        </p:spPr>
+      </p:pic>
+    </p:spTree>
+    <p:extLst>
+      <p:ext uri="{BB962C8B-B14F-4D97-AF65-F5344CB8AC3E}">
+        <p14:creationId xmlns:p14="http://schemas.microsoft.com/office/powerpoint/2010/main" val="2502994158"/>
+      </p:ext>
+    </p:extLst>
+  </p:cSld>
+  <p:clrMapOvr>
+    <a:masterClrMapping/>
+  </p:clrMapOvr>
+</p:sld>
+</file>
+
+<file path=ppt/slides/slide11.xml><?xml version="1.0" encoding="utf-8"?>
+<p:sld xmlns:a="http://schemas.openxmlformats.org/drawingml/2006/main" xmlns:r="http://schemas.openxmlformats.org/officeDocument/2006/relationships" xmlns:p="http://schemas.openxmlformats.org/presentationml/2006/main">
+  <p:cSld>
+    <p:spTree>
+      <p:nvGrpSpPr>
+        <p:cNvPr id="1" name=""/>
+        <p:cNvGrpSpPr/>
+        <p:nvPr/>
+      </p:nvGrpSpPr>
+      <p:grpSpPr>
+        <a:xfrm>
+          <a:off x="0" y="0"/>
+          <a:ext cx="0" cy="0"/>
+          <a:chOff x="0" y="0"/>
+          <a:chExt cx="0" cy="0"/>
+        </a:xfrm>
+      </p:grpSpPr>
+      <p:sp>
+        <p:nvSpPr>
+          <p:cNvPr id="2" name="제목 1">
+            <a:extLst>
+              <a:ext uri="{FF2B5EF4-FFF2-40B4-BE49-F238E27FC236}">
                 <a16:creationId xmlns:a16="http://schemas.microsoft.com/office/drawing/2014/main" id="{DE5DE670-98EC-CC4A-377A-0AB9C1ED6038}"/>
               </a:ext>
             </a:extLst>
@@ -3628,7 +4056,7 @@
 </p:sld>
 </file>
 
-<file path=ppt/slides/slide11.xml><?xml version="1.0" encoding="utf-8"?>
+<file path=ppt/slides/slide12.xml><?xml version="1.0" encoding="utf-8"?>
 <p:sld xmlns:a="http://schemas.openxmlformats.org/drawingml/2006/main" xmlns:r="http://schemas.openxmlformats.org/officeDocument/2006/relationships" xmlns:p="http://schemas.openxmlformats.org/presentationml/2006/main">
   <p:cSld>
     <p:spTree>
@@ -4019,7 +4447,7 @@
 </p:sld>
 </file>
 
-<file path=ppt/slides/slide12.xml><?xml version="1.0" encoding="utf-8"?>
+<file path=ppt/slides/slide13.xml><?xml version="1.0" encoding="utf-8"?>
 <p:sld xmlns:a="http://schemas.openxmlformats.org/drawingml/2006/main" xmlns:r="http://schemas.openxmlformats.org/officeDocument/2006/relationships" xmlns:p="http://schemas.openxmlformats.org/presentationml/2006/main">
   <p:cSld>
     <p:spTree>
@@ -4386,7 +4814,7 @@
 </p:sld>
 </file>
 
-<file path=ppt/slides/slide13.xml><?xml version="1.0" encoding="utf-8"?>
+<file path=ppt/slides/slide14.xml><?xml version="1.0" encoding="utf-8"?>
 <p:sld xmlns:a="http://schemas.openxmlformats.org/drawingml/2006/main" xmlns:r="http://schemas.openxmlformats.org/officeDocument/2006/relationships" xmlns:p="http://schemas.openxmlformats.org/presentationml/2006/main">
   <p:cSld>
     <p:spTree>
@@ -4654,7 +5082,23 @@
             </a:r>
             <a:r>
               <a:rPr lang="ko-KR" altLang="en-US" sz="1500" dirty="0"/>
-              <a:t>의 리스트도 </a:t>
+              <a:t>의 </a:t>
+            </a:r>
+            <a:r>
+              <a:rPr lang="en-US" altLang="ko-KR" sz="1500" dirty="0"/>
+              <a:t>list&lt;</a:t>
+            </a:r>
+            <a:r>
+              <a:rPr lang="en-US" altLang="ko-KR" sz="1500" dirty="0" err="1"/>
+              <a:t>rootComment</a:t>
+            </a:r>
+            <a:r>
+              <a:rPr lang="en-US" altLang="ko-KR" sz="1500" dirty="0"/>
+              <a:t>&gt;</a:t>
+            </a:r>
+            <a:r>
+              <a:rPr lang="ko-KR" altLang="en-US" sz="1500" dirty="0"/>
+              <a:t>도 </a:t>
             </a:r>
             <a:r>
               <a:rPr lang="en-US" altLang="ko-KR" sz="1500" dirty="0" err="1"/>
@@ -4753,7 +5197,7 @@
 </p:sld>
 </file>
 
-<file path=ppt/slides/slide14.xml><?xml version="1.0" encoding="utf-8"?>
+<file path=ppt/slides/slide15.xml><?xml version="1.0" encoding="utf-8"?>
 <p:sld xmlns:a="http://schemas.openxmlformats.org/drawingml/2006/main" xmlns:r="http://schemas.openxmlformats.org/officeDocument/2006/relationships" xmlns:p="http://schemas.openxmlformats.org/presentationml/2006/main">
   <p:cSld>
     <p:spTree>
@@ -5076,7 +5520,7 @@
 </p:sld>
 </file>
 
-<file path=ppt/slides/slide15.xml><?xml version="1.0" encoding="utf-8"?>
+<file path=ppt/slides/slide16.xml><?xml version="1.0" encoding="utf-8"?>
 <p:sld xmlns:a="http://schemas.openxmlformats.org/drawingml/2006/main" xmlns:r="http://schemas.openxmlformats.org/officeDocument/2006/relationships" xmlns:p="http://schemas.openxmlformats.org/presentationml/2006/main">
   <p:cSld>
     <p:spTree>
@@ -5547,7 +5991,7 @@
 </p:sld>
 </file>
 
-<file path=ppt/slides/slide16.xml><?xml version="1.0" encoding="utf-8"?>
+<file path=ppt/slides/slide17.xml><?xml version="1.0" encoding="utf-8"?>
 <p:sld xmlns:a="http://schemas.openxmlformats.org/drawingml/2006/main" xmlns:r="http://schemas.openxmlformats.org/officeDocument/2006/relationships" xmlns:p="http://schemas.openxmlformats.org/presentationml/2006/main">
   <p:cSld>
     <p:spTree>
@@ -5878,7 +6322,7 @@
 </p:sld>
 </file>
 
-<file path=ppt/slides/slide17.xml><?xml version="1.0" encoding="utf-8"?>
+<file path=ppt/slides/slide18.xml><?xml version="1.0" encoding="utf-8"?>
 <p:sld xmlns:a="http://schemas.openxmlformats.org/drawingml/2006/main" xmlns:r="http://schemas.openxmlformats.org/officeDocument/2006/relationships" xmlns:p="http://schemas.openxmlformats.org/presentationml/2006/main">
   <p:cSld>
     <p:spTree>
@@ -6256,7 +6700,7 @@
 </p:sld>
 </file>
 
-<file path=ppt/slides/slide18.xml><?xml version="1.0" encoding="utf-8"?>
+<file path=ppt/slides/slide19.xml><?xml version="1.0" encoding="utf-8"?>
 <p:sld xmlns:a="http://schemas.openxmlformats.org/drawingml/2006/main" xmlns:r="http://schemas.openxmlformats.org/officeDocument/2006/relationships" xmlns:p="http://schemas.openxmlformats.org/presentationml/2006/main">
   <p:cSld>
     <p:spTree>
@@ -6820,6 +7264,843 @@
 </p:sld>
 </file>
 
+<file path=ppt/slides/slide20.xml><?xml version="1.0" encoding="utf-8"?>
+<p:sld xmlns:a="http://schemas.openxmlformats.org/drawingml/2006/main" xmlns:r="http://schemas.openxmlformats.org/officeDocument/2006/relationships" xmlns:p="http://schemas.openxmlformats.org/presentationml/2006/main">
+  <p:cSld>
+    <p:spTree>
+      <p:nvGrpSpPr>
+        <p:cNvPr id="1" name=""/>
+        <p:cNvGrpSpPr/>
+        <p:nvPr/>
+      </p:nvGrpSpPr>
+      <p:grpSpPr>
+        <a:xfrm>
+          <a:off x="0" y="0"/>
+          <a:ext cx="0" cy="0"/>
+          <a:chOff x="0" y="0"/>
+          <a:chExt cx="0" cy="0"/>
+        </a:xfrm>
+      </p:grpSpPr>
+      <p:sp>
+        <p:nvSpPr>
+          <p:cNvPr id="2" name="제목 1">
+            <a:extLst>
+              <a:ext uri="{FF2B5EF4-FFF2-40B4-BE49-F238E27FC236}">
+                <a16:creationId xmlns:a16="http://schemas.microsoft.com/office/drawing/2014/main" id="{914E337C-465C-7C68-BC60-19D3D18D42A8}"/>
+              </a:ext>
+            </a:extLst>
+          </p:cNvPr>
+          <p:cNvSpPr>
+            <a:spLocks noGrp="1"/>
+          </p:cNvSpPr>
+          <p:nvPr>
+            <p:ph type="title"/>
+          </p:nvPr>
+        </p:nvSpPr>
+        <p:spPr/>
+        <p:txBody>
+          <a:bodyPr>
+            <a:normAutofit/>
+          </a:bodyPr>
+          <a:lstStyle/>
+          <a:p>
+            <a:r>
+              <a:rPr lang="ko-KR" altLang="en-US" sz="3000" dirty="0"/>
+              <a:t>웹 애플리케이션 동작 원리</a:t>
+            </a:r>
+          </a:p>
+        </p:txBody>
+      </p:sp>
+      <p:sp>
+        <p:nvSpPr>
+          <p:cNvPr id="3" name="내용 개체 틀 2">
+            <a:extLst>
+              <a:ext uri="{FF2B5EF4-FFF2-40B4-BE49-F238E27FC236}">
+                <a16:creationId xmlns:a16="http://schemas.microsoft.com/office/drawing/2014/main" id="{1C340A4F-6E16-2945-20F4-83B22407A749}"/>
+              </a:ext>
+            </a:extLst>
+          </p:cNvPr>
+          <p:cNvSpPr>
+            <a:spLocks noGrp="1"/>
+          </p:cNvSpPr>
+          <p:nvPr>
+            <p:ph idx="1"/>
+          </p:nvPr>
+        </p:nvSpPr>
+        <p:spPr/>
+        <p:txBody>
+          <a:bodyPr>
+            <a:normAutofit/>
+          </a:bodyPr>
+          <a:lstStyle/>
+          <a:p>
+            <a:pPr marL="342900" indent="-342900">
+              <a:buFont typeface="+mj-lt"/>
+              <a:buAutoNum type="arabicPeriod"/>
+            </a:pPr>
+            <a:r>
+              <a:rPr lang="en-US" altLang="ko-KR" sz="1500" dirty="0"/>
+              <a:t>Tomcat </a:t>
+            </a:r>
+            <a:r>
+              <a:rPr lang="ko-KR" altLang="en-US" sz="1500" dirty="0"/>
+              <a:t>초기화 </a:t>
+            </a:r>
+            <a:r>
+              <a:rPr lang="en-US" altLang="ko-KR" sz="1500" dirty="0"/>
+              <a:t>(webapp</a:t>
+            </a:r>
+            <a:r>
+              <a:rPr lang="ko-KR" altLang="en-US" sz="1500" dirty="0"/>
+              <a:t> </a:t>
+            </a:r>
+            <a:r>
+              <a:rPr lang="en-US" altLang="ko-KR" sz="1500" dirty="0"/>
+              <a:t>directory</a:t>
+            </a:r>
+            <a:r>
+              <a:rPr lang="ko-KR" altLang="en-US" sz="1500" dirty="0"/>
+              <a:t>에 있는 웹 애플리케이션을 찾는다</a:t>
+            </a:r>
+            <a:r>
+              <a:rPr lang="en-US" altLang="ko-KR" sz="1500" dirty="0"/>
+              <a:t>.)</a:t>
+            </a:r>
+          </a:p>
+          <a:p>
+            <a:pPr marL="342900" indent="-342900">
+              <a:buFont typeface="+mj-lt"/>
+              <a:buAutoNum type="arabicPeriod"/>
+            </a:pPr>
+            <a:r>
+              <a:rPr lang="en-US" altLang="ko-KR" sz="1500" dirty="0"/>
+              <a:t>Tomcat</a:t>
+            </a:r>
+            <a:r>
+              <a:rPr lang="ko-KR" altLang="en-US" sz="1500" dirty="0"/>
+              <a:t>은 </a:t>
+            </a:r>
+            <a:r>
+              <a:rPr lang="en-US" altLang="ko-KR" sz="1500" dirty="0" err="1"/>
+              <a:t>WebApplicationInitiailizer</a:t>
+            </a:r>
+            <a:r>
+              <a:rPr lang="ko-KR" altLang="en-US" sz="1500" dirty="0"/>
+              <a:t>를 찾는다</a:t>
+            </a:r>
+            <a:r>
+              <a:rPr lang="en-US" altLang="ko-KR" sz="1500" dirty="0"/>
+              <a:t>.</a:t>
+            </a:r>
+          </a:p>
+          <a:p>
+            <a:pPr marL="342900" indent="-342900">
+              <a:buFont typeface="+mj-lt"/>
+              <a:buAutoNum type="arabicPeriod"/>
+            </a:pPr>
+            <a:r>
+              <a:rPr lang="en-US" altLang="ko-KR" sz="1500" dirty="0" err="1"/>
+              <a:t>WebApplicationInitializer</a:t>
+            </a:r>
+            <a:r>
+              <a:rPr lang="ko-KR" altLang="en-US" sz="1500" dirty="0"/>
+              <a:t>가 스프링 환경을 세팅한다</a:t>
+            </a:r>
+            <a:r>
+              <a:rPr lang="en-US" altLang="ko-KR" sz="1500" dirty="0"/>
+              <a:t>. (</a:t>
+            </a:r>
+            <a:r>
+              <a:rPr lang="en-US" altLang="ko-KR" sz="1500" dirty="0" err="1"/>
+              <a:t>ApplicationContext</a:t>
+            </a:r>
+            <a:r>
+              <a:rPr lang="ko-KR" altLang="en-US" sz="1500" dirty="0"/>
+              <a:t>를 만든다</a:t>
+            </a:r>
+            <a:r>
+              <a:rPr lang="en-US" altLang="ko-KR" sz="1500" dirty="0"/>
+              <a:t>.)</a:t>
+            </a:r>
+          </a:p>
+          <a:p>
+            <a:pPr marL="342900" indent="-342900">
+              <a:buFont typeface="+mj-lt"/>
+              <a:buAutoNum type="arabicPeriod"/>
+            </a:pPr>
+            <a:r>
+              <a:rPr lang="en-US" altLang="ko-KR" sz="1500" dirty="0" err="1"/>
+              <a:t>WebAppInitializer</a:t>
+            </a:r>
+            <a:r>
+              <a:rPr lang="ko-KR" altLang="en-US" sz="1500" dirty="0"/>
+              <a:t>가 </a:t>
+            </a:r>
+            <a:r>
+              <a:rPr lang="en-US" altLang="ko-KR" sz="1500" dirty="0" err="1"/>
+              <a:t>DispatcherServlet</a:t>
+            </a:r>
+            <a:r>
+              <a:rPr lang="ko-KR" altLang="en-US" sz="1500" dirty="0"/>
+              <a:t>을 만들고 등록한다</a:t>
+            </a:r>
+            <a:r>
+              <a:rPr lang="en-US" altLang="ko-KR" sz="1500" dirty="0"/>
+              <a:t>.</a:t>
+            </a:r>
+          </a:p>
+          <a:p>
+            <a:pPr marL="342900" indent="-342900">
+              <a:buFont typeface="+mj-lt"/>
+              <a:buAutoNum type="arabicPeriod"/>
+            </a:pPr>
+            <a:r>
+              <a:rPr lang="en-US" altLang="ko-KR" sz="1500" dirty="0" err="1"/>
+              <a:t>WebAppInitializer</a:t>
+            </a:r>
+            <a:r>
+              <a:rPr lang="ko-KR" altLang="en-US" sz="1500" dirty="0"/>
+              <a:t>가 </a:t>
+            </a:r>
+            <a:r>
+              <a:rPr lang="en-US" altLang="ko-KR" sz="1500" dirty="0"/>
+              <a:t>Servlet</a:t>
+            </a:r>
+            <a:r>
+              <a:rPr lang="ko-KR" altLang="en-US" sz="1500" dirty="0"/>
+              <a:t>이 설정을 위해 </a:t>
+            </a:r>
+            <a:r>
+              <a:rPr lang="en-US" altLang="ko-KR" sz="1500" dirty="0" err="1"/>
+              <a:t>AppConfig</a:t>
+            </a:r>
+            <a:r>
+              <a:rPr lang="en-US" altLang="ko-KR" sz="1500" dirty="0"/>
+              <a:t> </a:t>
+            </a:r>
+            <a:r>
+              <a:rPr lang="ko-KR" altLang="en-US" sz="1500" dirty="0"/>
+              <a:t>클래스를 사용하도록 구성한다</a:t>
+            </a:r>
+            <a:r>
+              <a:rPr lang="en-US" altLang="ko-KR" sz="1500" dirty="0"/>
+              <a:t>.</a:t>
+            </a:r>
+          </a:p>
+          <a:p>
+            <a:pPr marL="342900" indent="-342900">
+              <a:buFont typeface="+mj-lt"/>
+              <a:buAutoNum type="arabicPeriod"/>
+            </a:pPr>
+            <a:r>
+              <a:rPr lang="ko-KR" altLang="en-US" sz="1500" dirty="0"/>
+              <a:t>스프링이 </a:t>
+            </a:r>
+            <a:r>
+              <a:rPr lang="en-US" altLang="ko-KR" sz="1500" dirty="0" err="1"/>
+              <a:t>ApplicationContext</a:t>
+            </a:r>
+            <a:r>
+              <a:rPr lang="en-US" altLang="ko-KR" sz="1500" dirty="0"/>
+              <a:t> (IoC </a:t>
+            </a:r>
+            <a:r>
+              <a:rPr lang="ko-KR" altLang="en-US" sz="1500" dirty="0"/>
+              <a:t>컨테이너</a:t>
+            </a:r>
+            <a:r>
+              <a:rPr lang="en-US" altLang="ko-KR" sz="1500" dirty="0"/>
+              <a:t>)</a:t>
+            </a:r>
+            <a:r>
+              <a:rPr lang="ko-KR" altLang="en-US" sz="1500" dirty="0"/>
+              <a:t>를 </a:t>
+            </a:r>
+            <a:r>
+              <a:rPr lang="en-US" altLang="ko-KR" sz="1500" dirty="0" err="1"/>
+              <a:t>AppConfig</a:t>
+            </a:r>
+            <a:r>
+              <a:rPr lang="en-US" altLang="ko-KR" sz="1500" dirty="0"/>
+              <a:t> </a:t>
+            </a:r>
+            <a:r>
+              <a:rPr lang="ko-KR" altLang="en-US" sz="1500" dirty="0"/>
+              <a:t>클래스에 근거해서 만든다</a:t>
+            </a:r>
+            <a:r>
+              <a:rPr lang="en-US" altLang="ko-KR" sz="1500" dirty="0"/>
+              <a:t>.</a:t>
+            </a:r>
+          </a:p>
+          <a:p>
+            <a:pPr marL="342900" indent="-342900">
+              <a:buFont typeface="+mj-lt"/>
+              <a:buAutoNum type="arabicPeriod"/>
+            </a:pPr>
+            <a:r>
+              <a:rPr lang="en-US" altLang="ko-KR" sz="1500" dirty="0" err="1"/>
+              <a:t>ApplicationContext</a:t>
+            </a:r>
+            <a:r>
+              <a:rPr lang="ko-KR" altLang="en-US" sz="1500" dirty="0"/>
+              <a:t>가 </a:t>
+            </a:r>
+            <a:r>
+              <a:rPr lang="en-US" altLang="ko-KR" sz="1500" dirty="0"/>
+              <a:t>component</a:t>
+            </a:r>
+            <a:r>
+              <a:rPr lang="ko-KR" altLang="en-US" sz="1500" dirty="0"/>
+              <a:t>를 스캔하고</a:t>
+            </a:r>
+            <a:r>
+              <a:rPr lang="en-US" altLang="ko-KR" sz="1500" dirty="0"/>
+              <a:t>, </a:t>
+            </a:r>
+            <a:r>
+              <a:rPr lang="en-US" altLang="ko-KR" sz="1500" dirty="0" err="1"/>
+              <a:t>AppConig</a:t>
+            </a:r>
+            <a:r>
+              <a:rPr lang="ko-KR" altLang="en-US" sz="1500" dirty="0"/>
+              <a:t>에 정의된 대로 </a:t>
+            </a:r>
+            <a:r>
+              <a:rPr lang="en-US" altLang="ko-KR" sz="1500" dirty="0"/>
+              <a:t>bean</a:t>
+            </a:r>
+            <a:r>
+              <a:rPr lang="ko-KR" altLang="en-US" sz="1500" dirty="0"/>
+              <a:t>을 만든다</a:t>
+            </a:r>
+            <a:r>
+              <a:rPr lang="en-US" altLang="ko-KR" sz="1500" dirty="0"/>
+              <a:t>.</a:t>
+            </a:r>
+          </a:p>
+          <a:p>
+            <a:pPr marL="342900" indent="-342900">
+              <a:buFont typeface="+mj-lt"/>
+              <a:buAutoNum type="arabicPeriod"/>
+            </a:pPr>
+            <a:r>
+              <a:rPr lang="ko-KR" altLang="en-US" sz="1500" dirty="0"/>
+              <a:t>요청이 들어오면</a:t>
+            </a:r>
+            <a:r>
+              <a:rPr lang="en-US" altLang="ko-KR" sz="1500" dirty="0"/>
+              <a:t>, </a:t>
+            </a:r>
+            <a:r>
+              <a:rPr lang="en-US" altLang="ko-KR" sz="1500" dirty="0" err="1"/>
+              <a:t>DispatcherServlet</a:t>
+            </a:r>
+            <a:r>
+              <a:rPr lang="ko-KR" altLang="en-US" sz="1500" dirty="0"/>
+              <a:t>이 받는다</a:t>
+            </a:r>
+            <a:r>
+              <a:rPr lang="en-US" altLang="ko-KR" sz="1500" dirty="0"/>
+              <a:t>. </a:t>
+            </a:r>
+          </a:p>
+          <a:p>
+            <a:pPr marL="342900" indent="-342900">
+              <a:buFont typeface="+mj-lt"/>
+              <a:buAutoNum type="arabicPeriod"/>
+            </a:pPr>
+            <a:r>
+              <a:rPr lang="en-US" altLang="ko-KR" sz="1500" dirty="0"/>
+              <a:t>Servlet</a:t>
+            </a:r>
+            <a:r>
+              <a:rPr lang="ko-KR" altLang="en-US" sz="1500" dirty="0"/>
+              <a:t>은 요청을 처리하기 위해 </a:t>
+            </a:r>
+            <a:r>
+              <a:rPr lang="en-US" altLang="ko-KR" sz="1500" dirty="0" err="1"/>
+              <a:t>ApplicationContext</a:t>
+            </a:r>
+            <a:r>
+              <a:rPr lang="ko-KR" altLang="en-US" sz="1500" dirty="0"/>
+              <a:t>의 </a:t>
+            </a:r>
+            <a:r>
+              <a:rPr lang="en-US" altLang="ko-KR" sz="1500" dirty="0"/>
+              <a:t>bean</a:t>
+            </a:r>
+            <a:r>
+              <a:rPr lang="ko-KR" altLang="en-US" sz="1500" dirty="0"/>
+              <a:t>을 이용한다</a:t>
+            </a:r>
+            <a:r>
+              <a:rPr lang="en-US" altLang="ko-KR" sz="1500" dirty="0"/>
+              <a:t>.</a:t>
+            </a:r>
+            <a:endParaRPr lang="ko-KR" altLang="en-US" sz="1500" dirty="0"/>
+          </a:p>
+        </p:txBody>
+      </p:sp>
+    </p:spTree>
+    <p:extLst>
+      <p:ext uri="{BB962C8B-B14F-4D97-AF65-F5344CB8AC3E}">
+        <p14:creationId xmlns:p14="http://schemas.microsoft.com/office/powerpoint/2010/main" val="1463731395"/>
+      </p:ext>
+    </p:extLst>
+  </p:cSld>
+  <p:clrMapOvr>
+    <a:masterClrMapping/>
+  </p:clrMapOvr>
+</p:sld>
+</file>
+
+<file path=ppt/slides/slide21.xml><?xml version="1.0" encoding="utf-8"?>
+<p:sld xmlns:a="http://schemas.openxmlformats.org/drawingml/2006/main" xmlns:r="http://schemas.openxmlformats.org/officeDocument/2006/relationships" xmlns:p="http://schemas.openxmlformats.org/presentationml/2006/main">
+  <p:cSld>
+    <p:spTree>
+      <p:nvGrpSpPr>
+        <p:cNvPr id="1" name=""/>
+        <p:cNvGrpSpPr/>
+        <p:nvPr/>
+      </p:nvGrpSpPr>
+      <p:grpSpPr>
+        <a:xfrm>
+          <a:off x="0" y="0"/>
+          <a:ext cx="0" cy="0"/>
+          <a:chOff x="0" y="0"/>
+          <a:chExt cx="0" cy="0"/>
+        </a:xfrm>
+      </p:grpSpPr>
+      <p:sp>
+        <p:nvSpPr>
+          <p:cNvPr id="2" name="제목 1">
+            <a:extLst>
+              <a:ext uri="{FF2B5EF4-FFF2-40B4-BE49-F238E27FC236}">
+                <a16:creationId xmlns:a16="http://schemas.microsoft.com/office/drawing/2014/main" id="{4828AE60-84A1-B989-6120-CBCA71A4BF1F}"/>
+              </a:ext>
+            </a:extLst>
+          </p:cNvPr>
+          <p:cNvSpPr>
+            <a:spLocks noGrp="1"/>
+          </p:cNvSpPr>
+          <p:nvPr>
+            <p:ph type="title"/>
+          </p:nvPr>
+        </p:nvSpPr>
+        <p:spPr/>
+        <p:txBody>
+          <a:bodyPr/>
+          <a:lstStyle/>
+          <a:p>
+            <a:r>
+              <a:rPr lang="ko-KR" altLang="en-US" dirty="0"/>
+              <a:t>빌드와 </a:t>
+            </a:r>
+            <a:r>
+              <a:rPr lang="ko-KR" altLang="en-US" dirty="0" err="1"/>
+              <a:t>베포</a:t>
+            </a:r>
+            <a:endParaRPr lang="ko-KR" altLang="en-US" dirty="0"/>
+          </a:p>
+        </p:txBody>
+      </p:sp>
+      <p:sp>
+        <p:nvSpPr>
+          <p:cNvPr id="3" name="내용 개체 틀 2">
+            <a:extLst>
+              <a:ext uri="{FF2B5EF4-FFF2-40B4-BE49-F238E27FC236}">
+                <a16:creationId xmlns:a16="http://schemas.microsoft.com/office/drawing/2014/main" id="{B21569F9-D25D-F2C0-01E7-F83094C56BD3}"/>
+              </a:ext>
+            </a:extLst>
+          </p:cNvPr>
+          <p:cNvSpPr>
+            <a:spLocks noGrp="1"/>
+          </p:cNvSpPr>
+          <p:nvPr>
+            <p:ph idx="1"/>
+          </p:nvPr>
+        </p:nvSpPr>
+        <p:spPr/>
+        <p:txBody>
+          <a:bodyPr>
+            <a:normAutofit/>
+          </a:bodyPr>
+          <a:lstStyle/>
+          <a:p>
+            <a:r>
+              <a:rPr lang="ko-KR" altLang="en-US" sz="1500" dirty="0"/>
+              <a:t>빌드</a:t>
+            </a:r>
+            <a:r>
+              <a:rPr lang="en-US" altLang="ko-KR" sz="1500" dirty="0"/>
+              <a:t>: </a:t>
+            </a:r>
+            <a:r>
+              <a:rPr lang="ko-KR" altLang="en-US" sz="1500" dirty="0"/>
+              <a:t>소스코드를 </a:t>
+            </a:r>
+            <a:r>
+              <a:rPr lang="en-US" altLang="ko-KR" sz="1500" dirty="0"/>
+              <a:t>dependency</a:t>
+            </a:r>
+            <a:r>
+              <a:rPr lang="ko-KR" altLang="en-US" sz="1500" dirty="0"/>
+              <a:t>와 함께 </a:t>
+            </a:r>
+            <a:r>
+              <a:rPr lang="ko-KR" altLang="en-US" sz="1500" dirty="0" err="1"/>
+              <a:t>베포</a:t>
+            </a:r>
+            <a:r>
+              <a:rPr lang="ko-KR" altLang="en-US" sz="1500" dirty="0"/>
+              <a:t> 가능한 패키지로 컴파일하는 과정</a:t>
+            </a:r>
+            <a:r>
+              <a:rPr lang="en-US" altLang="ko-KR" sz="1500" dirty="0"/>
+              <a:t>. </a:t>
+            </a:r>
+            <a:r>
+              <a:rPr lang="ko-KR" altLang="en-US" sz="1500" dirty="0" err="1"/>
+              <a:t>베포</a:t>
+            </a:r>
+            <a:r>
+              <a:rPr lang="ko-KR" altLang="en-US" sz="1500" dirty="0"/>
+              <a:t> 가능한 패키지는 서버에서 실행될 수 있고</a:t>
+            </a:r>
+            <a:r>
+              <a:rPr lang="en-US" altLang="ko-KR" sz="1500" dirty="0"/>
+              <a:t>, </a:t>
+            </a:r>
+            <a:r>
+              <a:rPr lang="ko-KR" altLang="en-US" sz="1500" dirty="0"/>
+              <a:t>사용자에게 제공될 수 있다</a:t>
+            </a:r>
+            <a:r>
+              <a:rPr lang="en-US" altLang="ko-KR" sz="1500" dirty="0"/>
+              <a:t>.</a:t>
+            </a:r>
+          </a:p>
+          <a:p>
+            <a:r>
+              <a:rPr lang="en-US" altLang="ko-KR" sz="1500" dirty="0"/>
+              <a:t>JSP</a:t>
+            </a:r>
+            <a:r>
+              <a:rPr lang="ko-KR" altLang="en-US" sz="1500" dirty="0"/>
+              <a:t>를 </a:t>
+            </a:r>
+            <a:r>
+              <a:rPr lang="en-US" altLang="ko-KR" sz="1500" dirty="0"/>
+              <a:t>VIEW</a:t>
+            </a:r>
+            <a:r>
+              <a:rPr lang="ko-KR" altLang="en-US" sz="1500" dirty="0"/>
+              <a:t>쪽에 이용하는 </a:t>
+            </a:r>
+            <a:r>
+              <a:rPr lang="en-US" altLang="ko-KR" sz="1500" dirty="0"/>
+              <a:t>Spring </a:t>
+            </a:r>
+            <a:r>
+              <a:rPr lang="ko-KR" altLang="en-US" sz="1500" dirty="0"/>
+              <a:t>프로젝트의 경우</a:t>
+            </a:r>
+            <a:r>
+              <a:rPr lang="en-US" altLang="ko-KR" sz="1500" dirty="0"/>
+              <a:t>, WAR(Web Application Archive)</a:t>
+            </a:r>
+            <a:r>
+              <a:rPr lang="ko-KR" altLang="en-US" sz="1500" dirty="0"/>
+              <a:t>파일을 만드는 과정이다</a:t>
+            </a:r>
+            <a:r>
+              <a:rPr lang="en-US" altLang="ko-KR" sz="1500" dirty="0"/>
+              <a:t>.</a:t>
+            </a:r>
+          </a:p>
+          <a:p>
+            <a:r>
+              <a:rPr lang="en-US" altLang="ko-KR" sz="1500" dirty="0" err="1"/>
+              <a:t>Cmd</a:t>
+            </a:r>
+            <a:r>
+              <a:rPr lang="ko-KR" altLang="en-US" sz="1500" dirty="0"/>
+              <a:t>에서 </a:t>
+            </a:r>
+            <a:r>
+              <a:rPr lang="en-US" altLang="ko-KR" sz="1500" dirty="0"/>
+              <a:t>Pom.xml</a:t>
+            </a:r>
+            <a:r>
+              <a:rPr lang="ko-KR" altLang="en-US" sz="1500" dirty="0"/>
+              <a:t>파일이 있는 </a:t>
+            </a:r>
+            <a:r>
+              <a:rPr lang="en-US" altLang="ko-KR" sz="1500" dirty="0"/>
+              <a:t>directory</a:t>
+            </a:r>
+            <a:r>
+              <a:rPr lang="ko-KR" altLang="en-US" sz="1500" dirty="0"/>
+              <a:t>로 이동 후</a:t>
+            </a:r>
+            <a:r>
+              <a:rPr lang="en-US" altLang="ko-KR" sz="1500" dirty="0"/>
+              <a:t>, </a:t>
+            </a:r>
+            <a:r>
+              <a:rPr lang="en-US" altLang="ko-KR" sz="1500" dirty="0" err="1"/>
+              <a:t>mvn</a:t>
+            </a:r>
+            <a:r>
+              <a:rPr lang="en-US" altLang="ko-KR" sz="1500" dirty="0"/>
+              <a:t> clean package</a:t>
+            </a:r>
+            <a:r>
+              <a:rPr lang="ko-KR" altLang="en-US" sz="1500" dirty="0"/>
+              <a:t>를 실행한다</a:t>
+            </a:r>
+            <a:r>
+              <a:rPr lang="en-US" altLang="ko-KR" sz="1500" dirty="0"/>
+              <a:t>.</a:t>
+            </a:r>
+          </a:p>
+          <a:p>
+            <a:r>
+              <a:rPr lang="en-US" altLang="ko-KR" sz="1500" dirty="0"/>
+              <a:t>Maven</a:t>
+            </a:r>
+            <a:r>
+              <a:rPr lang="ko-KR" altLang="en-US" sz="1500" dirty="0"/>
+              <a:t>이 코드 컴파일</a:t>
+            </a:r>
+            <a:r>
+              <a:rPr lang="en-US" altLang="ko-KR" sz="1500" dirty="0"/>
+              <a:t>, </a:t>
+            </a:r>
+            <a:r>
+              <a:rPr lang="ko-KR" altLang="en-US" sz="1500" dirty="0"/>
+              <a:t>테스트 런</a:t>
+            </a:r>
+            <a:r>
+              <a:rPr lang="en-US" altLang="ko-KR" sz="1500" dirty="0"/>
+              <a:t>, WAR </a:t>
+            </a:r>
+            <a:r>
+              <a:rPr lang="ko-KR" altLang="en-US" sz="1500" dirty="0"/>
+              <a:t>파일을 만드는 과정을 수행한다</a:t>
+            </a:r>
+            <a:r>
+              <a:rPr lang="en-US" altLang="ko-KR" sz="1500" dirty="0"/>
+              <a:t>.</a:t>
+            </a:r>
+          </a:p>
+          <a:p>
+            <a:r>
+              <a:rPr lang="ko-KR" altLang="en-US" sz="1500" dirty="0"/>
+              <a:t>만들어진 </a:t>
+            </a:r>
+            <a:r>
+              <a:rPr lang="en-US" altLang="ko-KR" sz="1500" dirty="0"/>
+              <a:t>WAR </a:t>
+            </a:r>
+            <a:r>
+              <a:rPr lang="ko-KR" altLang="en-US" sz="1500" dirty="0"/>
+              <a:t>파일은 </a:t>
+            </a:r>
+            <a:r>
+              <a:rPr lang="en-US" altLang="ko-KR" sz="1500" dirty="0"/>
+              <a:t>target </a:t>
+            </a:r>
+            <a:r>
+              <a:rPr lang="ko-KR" altLang="en-US" sz="1500" dirty="0"/>
+              <a:t>디렉토리에 위치한다</a:t>
+            </a:r>
+            <a:r>
+              <a:rPr lang="en-US" altLang="ko-KR" sz="1500" dirty="0"/>
+              <a:t>.</a:t>
+            </a:r>
+          </a:p>
+          <a:p>
+            <a:r>
+              <a:rPr lang="ko-KR" altLang="en-US" sz="1500" dirty="0"/>
+              <a:t>만들어진 </a:t>
+            </a:r>
+            <a:r>
+              <a:rPr lang="en-US" altLang="ko-KR" sz="1500" dirty="0"/>
+              <a:t>WAR</a:t>
+            </a:r>
+            <a:r>
+              <a:rPr lang="ko-KR" altLang="en-US" sz="1500" dirty="0"/>
+              <a:t>파일을 복사해서</a:t>
+            </a:r>
+            <a:r>
+              <a:rPr lang="en-US" altLang="ko-KR" sz="1500" dirty="0"/>
+              <a:t>, Tomcat(</a:t>
+            </a:r>
+            <a:r>
+              <a:rPr lang="ko-KR" altLang="en-US" sz="1500" dirty="0" err="1"/>
+              <a:t>서블릿</a:t>
+            </a:r>
+            <a:r>
+              <a:rPr lang="ko-KR" altLang="en-US" sz="1500" dirty="0"/>
+              <a:t> 컨테이너</a:t>
+            </a:r>
+            <a:r>
+              <a:rPr lang="en-US" altLang="ko-KR" sz="1500" dirty="0"/>
+              <a:t>)</a:t>
+            </a:r>
+            <a:r>
+              <a:rPr lang="ko-KR" altLang="en-US" sz="1500" dirty="0"/>
+              <a:t>의 </a:t>
+            </a:r>
+            <a:r>
+              <a:rPr lang="en-US" altLang="ko-KR" sz="1500" dirty="0"/>
+              <a:t>root directory</a:t>
+            </a:r>
+            <a:r>
+              <a:rPr lang="ko-KR" altLang="en-US" sz="1500" dirty="0"/>
+              <a:t>의 </a:t>
+            </a:r>
+            <a:r>
+              <a:rPr lang="en-US" altLang="ko-KR" sz="1500" dirty="0"/>
+              <a:t>webapps </a:t>
+            </a:r>
+            <a:r>
+              <a:rPr lang="ko-KR" altLang="en-US" sz="1500" dirty="0"/>
+              <a:t>디렉토리에 위치시킨다</a:t>
+            </a:r>
+            <a:r>
+              <a:rPr lang="en-US" altLang="ko-KR" sz="1500" dirty="0"/>
+              <a:t>.</a:t>
+            </a:r>
+          </a:p>
+          <a:p>
+            <a:r>
+              <a:rPr lang="en-US" altLang="ko-KR" sz="1500" dirty="0" err="1"/>
+              <a:t>cmd</a:t>
+            </a:r>
+            <a:r>
+              <a:rPr lang="ko-KR" altLang="en-US" sz="1500" dirty="0"/>
+              <a:t>에서 </a:t>
+            </a:r>
+            <a:r>
+              <a:rPr lang="en-US" altLang="ko-KR" sz="1500" dirty="0"/>
+              <a:t>Tomcat</a:t>
+            </a:r>
+            <a:r>
+              <a:rPr lang="ko-KR" altLang="en-US" sz="1500" dirty="0"/>
+              <a:t>의 </a:t>
+            </a:r>
+            <a:r>
+              <a:rPr lang="en-US" altLang="ko-KR" sz="1500" dirty="0"/>
+              <a:t>root directory</a:t>
+            </a:r>
+            <a:r>
+              <a:rPr lang="ko-KR" altLang="en-US" sz="1500" dirty="0"/>
+              <a:t>의 </a:t>
+            </a:r>
+            <a:r>
+              <a:rPr lang="en-US" altLang="ko-KR" sz="1500" dirty="0"/>
+              <a:t>bin</a:t>
+            </a:r>
+            <a:r>
+              <a:rPr lang="ko-KR" altLang="en-US" sz="1500" dirty="0"/>
+              <a:t>으로 이동 후</a:t>
+            </a:r>
+            <a:r>
+              <a:rPr lang="en-US" altLang="ko-KR" sz="1500" dirty="0"/>
+              <a:t>, startup.bat</a:t>
+            </a:r>
+            <a:r>
+              <a:rPr lang="ko-KR" altLang="en-US" sz="1500" dirty="0"/>
+              <a:t>를 실행한다</a:t>
+            </a:r>
+            <a:r>
+              <a:rPr lang="en-US" altLang="ko-KR" sz="1500" dirty="0"/>
+              <a:t>.</a:t>
+            </a:r>
+          </a:p>
+          <a:p>
+            <a:r>
+              <a:rPr lang="en-US" altLang="ko-KR" sz="1500" dirty="0"/>
+              <a:t>Localhost:8080/</a:t>
+            </a:r>
+            <a:r>
+              <a:rPr lang="en-US" altLang="ko-KR" sz="1500" dirty="0" err="1"/>
+              <a:t>warfile_name</a:t>
+            </a:r>
+            <a:r>
+              <a:rPr lang="en-US" altLang="ko-KR" sz="1500" dirty="0"/>
+              <a:t> </a:t>
+            </a:r>
+            <a:r>
+              <a:rPr lang="en-US" altLang="ko-KR" sz="1500" dirty="0" err="1"/>
+              <a:t>url</a:t>
+            </a:r>
+            <a:r>
+              <a:rPr lang="ko-KR" altLang="en-US" sz="1500" dirty="0"/>
+              <a:t>로 웹 애플리케이션에 접속한다</a:t>
+            </a:r>
+            <a:r>
+              <a:rPr lang="en-US" altLang="ko-KR" sz="1500" dirty="0"/>
+              <a:t>. (http://localhost:8080/study-1.0-SNAPSHOT/posts)</a:t>
+            </a:r>
+          </a:p>
+          <a:p>
+            <a:r>
+              <a:rPr lang="en-US" altLang="ko-KR" sz="1500" dirty="0" err="1"/>
+              <a:t>Cmd</a:t>
+            </a:r>
+            <a:r>
+              <a:rPr lang="ko-KR" altLang="en-US" sz="1500" dirty="0"/>
+              <a:t>에서 </a:t>
+            </a:r>
+            <a:r>
+              <a:rPr lang="en-US" altLang="ko-KR" sz="1500" dirty="0"/>
+              <a:t>shutdown.bat</a:t>
+            </a:r>
+            <a:r>
+              <a:rPr lang="ko-KR" altLang="en-US" sz="1500" dirty="0"/>
+              <a:t>를</a:t>
+            </a:r>
+            <a:r>
+              <a:rPr lang="en-US" altLang="ko-KR" sz="1500" dirty="0"/>
+              <a:t> </a:t>
+            </a:r>
+            <a:r>
+              <a:rPr lang="ko-KR" altLang="en-US" sz="1500" dirty="0"/>
+              <a:t>사용해서 </a:t>
+            </a:r>
+            <a:r>
+              <a:rPr lang="en-US" altLang="ko-KR" sz="1500" dirty="0"/>
+              <a:t>Tomcat</a:t>
+            </a:r>
+            <a:r>
+              <a:rPr lang="ko-KR" altLang="en-US" sz="1500" dirty="0"/>
+              <a:t>을 멈춘다</a:t>
+            </a:r>
+            <a:r>
+              <a:rPr lang="en-US" altLang="ko-KR" sz="1500" dirty="0"/>
+              <a:t>.</a:t>
+            </a:r>
+            <a:endParaRPr lang="ko-KR" altLang="en-US" sz="1500" dirty="0"/>
+          </a:p>
+        </p:txBody>
+      </p:sp>
+    </p:spTree>
+    <p:extLst>
+      <p:ext uri="{BB962C8B-B14F-4D97-AF65-F5344CB8AC3E}">
+        <p14:creationId xmlns:p14="http://schemas.microsoft.com/office/powerpoint/2010/main" val="818961356"/>
+      </p:ext>
+    </p:extLst>
+  </p:cSld>
+  <p:clrMapOvr>
+    <a:masterClrMapping/>
+  </p:clrMapOvr>
+</p:sld>
+</file>
+
 <file path=ppt/slides/slide3.xml><?xml version="1.0" encoding="utf-8"?>
 <p:sld xmlns:a="http://schemas.openxmlformats.org/drawingml/2006/main" xmlns:r="http://schemas.openxmlformats.org/officeDocument/2006/relationships" xmlns:p="http://schemas.openxmlformats.org/presentationml/2006/main">
   <p:cSld>
@@ -7848,15 +9129,116 @@
             <p:ph idx="1"/>
           </p:nvPr>
         </p:nvSpPr>
-        <p:spPr/>
+        <p:spPr>
+          <a:xfrm>
+            <a:off x="838200" y="2312537"/>
+            <a:ext cx="10515600" cy="3864425"/>
+          </a:xfrm>
+        </p:spPr>
         <p:txBody>
-          <a:bodyPr/>
+          <a:bodyPr>
+            <a:normAutofit/>
+          </a:bodyPr>
           <a:lstStyle/>
           <a:p>
-            <a:endParaRPr lang="ko-KR" altLang="en-US" dirty="0"/>
+            <a:r>
+              <a:rPr lang="ko-KR" altLang="en-US" sz="1500" dirty="0"/>
+              <a:t>해당 </a:t>
+            </a:r>
+            <a:r>
+              <a:rPr lang="en-US" altLang="ko-KR" sz="1500" dirty="0"/>
+              <a:t>post</a:t>
+            </a:r>
+            <a:r>
+              <a:rPr lang="ko-KR" altLang="en-US" sz="1500" dirty="0"/>
+              <a:t>와 관련된 </a:t>
+            </a:r>
+            <a:r>
+              <a:rPr lang="en-US" altLang="ko-KR" sz="1500" dirty="0"/>
+              <a:t>comment</a:t>
+            </a:r>
+            <a:r>
+              <a:rPr lang="ko-KR" altLang="en-US" sz="1500" dirty="0"/>
+              <a:t>를 모두 가져와서 </a:t>
+            </a:r>
+            <a:r>
+              <a:rPr lang="en-US" altLang="ko-KR" sz="1500" dirty="0" err="1"/>
+              <a:t>allComments</a:t>
+            </a:r>
+            <a:r>
+              <a:rPr lang="en-US" altLang="ko-KR" sz="1500" dirty="0"/>
+              <a:t> </a:t>
+            </a:r>
+            <a:r>
+              <a:rPr lang="ko-KR" altLang="en-US" sz="1500" dirty="0"/>
+              <a:t>참조변수로 받는다</a:t>
+            </a:r>
+            <a:r>
+              <a:rPr lang="en-US" altLang="ko-KR" sz="1500" dirty="0"/>
+              <a:t>.</a:t>
+            </a:r>
+          </a:p>
+          <a:p>
+            <a:r>
+              <a:rPr lang="en-US" altLang="ko-KR" sz="1500" dirty="0" err="1"/>
+              <a:t>allComments</a:t>
+            </a:r>
+            <a:r>
+              <a:rPr lang="en-US" altLang="ko-KR" sz="1500" dirty="0"/>
+              <a:t> </a:t>
+            </a:r>
+            <a:r>
+              <a:rPr lang="ko-KR" altLang="en-US" sz="1500" dirty="0"/>
+              <a:t>값을 </a:t>
+            </a:r>
+            <a:r>
+              <a:rPr lang="en-US" altLang="ko-KR" sz="1500" dirty="0" err="1"/>
+              <a:t>buildCommentHierachy</a:t>
+            </a:r>
+            <a:r>
+              <a:rPr lang="ko-KR" altLang="en-US" sz="1500" dirty="0"/>
+              <a:t>메소드에 넣어준 결과값을 반환한다</a:t>
+            </a:r>
+            <a:r>
+              <a:rPr lang="en-US" altLang="ko-KR" sz="1500" dirty="0"/>
+              <a:t>.</a:t>
+            </a:r>
+          </a:p>
+          <a:p>
+            <a:endParaRPr lang="ko-KR" altLang="en-US" sz="1500" dirty="0"/>
           </a:p>
         </p:txBody>
       </p:sp>
+      <p:pic>
+        <p:nvPicPr>
+          <p:cNvPr id="5" name="그림 4">
+            <a:extLst>
+              <a:ext uri="{FF2B5EF4-FFF2-40B4-BE49-F238E27FC236}">
+                <a16:creationId xmlns:a16="http://schemas.microsoft.com/office/drawing/2014/main" id="{8FE6D9BE-7A8D-5A8D-DBA9-CD74694F0237}"/>
+              </a:ext>
+            </a:extLst>
+          </p:cNvPr>
+          <p:cNvPicPr>
+            <a:picLocks noChangeAspect="1"/>
+          </p:cNvPicPr>
+          <p:nvPr/>
+        </p:nvPicPr>
+        <p:blipFill>
+          <a:blip r:embed="rId2"/>
+          <a:stretch>
+            <a:fillRect/>
+          </a:stretch>
+        </p:blipFill>
+        <p:spPr>
+          <a:xfrm>
+            <a:off x="527214" y="1416843"/>
+            <a:ext cx="5359236" cy="895694"/>
+          </a:xfrm>
+          <a:prstGeom prst="rect">
+            <a:avLst/>
+          </a:prstGeom>
+        </p:spPr>
+      </p:pic>
     </p:spTree>
     <p:extLst>
       <p:ext uri="{BB962C8B-B14F-4D97-AF65-F5344CB8AC3E}">
@@ -7871,6 +9253,594 @@
 </file>
 
 <file path=ppt/slides/slide7.xml><?xml version="1.0" encoding="utf-8"?>
+<p:sld xmlns:a="http://schemas.openxmlformats.org/drawingml/2006/main" xmlns:r="http://schemas.openxmlformats.org/officeDocument/2006/relationships" xmlns:p="http://schemas.openxmlformats.org/presentationml/2006/main">
+  <p:cSld>
+    <p:spTree>
+      <p:nvGrpSpPr>
+        <p:cNvPr id="1" name=""/>
+        <p:cNvGrpSpPr/>
+        <p:nvPr/>
+      </p:nvGrpSpPr>
+      <p:grpSpPr>
+        <a:xfrm>
+          <a:off x="0" y="0"/>
+          <a:ext cx="0" cy="0"/>
+          <a:chOff x="0" y="0"/>
+          <a:chExt cx="0" cy="0"/>
+        </a:xfrm>
+      </p:grpSpPr>
+      <p:sp>
+        <p:nvSpPr>
+          <p:cNvPr id="2" name="제목 1">
+            <a:extLst>
+              <a:ext uri="{FF2B5EF4-FFF2-40B4-BE49-F238E27FC236}">
+                <a16:creationId xmlns:a16="http://schemas.microsoft.com/office/drawing/2014/main" id="{10C2D82F-1D4D-5976-A767-F2B2E929FC6F}"/>
+              </a:ext>
+            </a:extLst>
+          </p:cNvPr>
+          <p:cNvSpPr>
+            <a:spLocks noGrp="1"/>
+          </p:cNvSpPr>
+          <p:nvPr>
+            <p:ph type="title"/>
+          </p:nvPr>
+        </p:nvSpPr>
+        <p:spPr/>
+        <p:txBody>
+          <a:bodyPr/>
+          <a:lstStyle/>
+          <a:p>
+            <a:r>
+              <a:rPr lang="en-US" altLang="ko-KR" dirty="0"/>
+              <a:t>Service</a:t>
+            </a:r>
+            <a:endParaRPr lang="ko-KR" altLang="en-US" dirty="0"/>
+          </a:p>
+        </p:txBody>
+      </p:sp>
+      <p:sp>
+        <p:nvSpPr>
+          <p:cNvPr id="3" name="내용 개체 틀 2">
+            <a:extLst>
+              <a:ext uri="{FF2B5EF4-FFF2-40B4-BE49-F238E27FC236}">
+                <a16:creationId xmlns:a16="http://schemas.microsoft.com/office/drawing/2014/main" id="{3817037E-FA89-1362-A4E8-FE095DE42B39}"/>
+              </a:ext>
+            </a:extLst>
+          </p:cNvPr>
+          <p:cNvSpPr>
+            <a:spLocks noGrp="1"/>
+          </p:cNvSpPr>
+          <p:nvPr>
+            <p:ph idx="1"/>
+          </p:nvPr>
+        </p:nvSpPr>
+        <p:spPr>
+          <a:xfrm>
+            <a:off x="5467546" y="1825625"/>
+            <a:ext cx="5886254" cy="4351338"/>
+          </a:xfrm>
+        </p:spPr>
+        <p:txBody>
+          <a:bodyPr>
+            <a:normAutofit/>
+          </a:bodyPr>
+          <a:lstStyle/>
+          <a:p>
+            <a:r>
+              <a:rPr lang="ko-KR" altLang="en-US" sz="1500" dirty="0"/>
+              <a:t>처음에 </a:t>
+            </a:r>
+            <a:r>
+              <a:rPr lang="en-US" altLang="ko-KR" sz="1500" dirty="0"/>
+              <a:t>HashMap&lt;Long, Comment&gt; </a:t>
+            </a:r>
+            <a:r>
+              <a:rPr lang="en-US" altLang="ko-KR" sz="1500" dirty="0" err="1"/>
+              <a:t>commentMap</a:t>
+            </a:r>
+            <a:r>
+              <a:rPr lang="ko-KR" altLang="en-US" sz="1500" dirty="0"/>
+              <a:t>과 </a:t>
+            </a:r>
+            <a:r>
+              <a:rPr lang="en-US" altLang="ko-KR" sz="1500" dirty="0"/>
+              <a:t>List&lt;Comment&gt; </a:t>
+            </a:r>
+            <a:r>
+              <a:rPr lang="en-US" altLang="ko-KR" sz="1500" dirty="0" err="1"/>
+              <a:t>rootComments</a:t>
+            </a:r>
+            <a:r>
+              <a:rPr lang="en-US" altLang="ko-KR" sz="1500" dirty="0"/>
+              <a:t> </a:t>
+            </a:r>
+            <a:r>
+              <a:rPr lang="ko-KR" altLang="en-US" sz="1500" dirty="0"/>
+              <a:t>참조변수 생성</a:t>
+            </a:r>
+            <a:endParaRPr lang="en-US" altLang="ko-KR" sz="1500" dirty="0"/>
+          </a:p>
+          <a:p>
+            <a:r>
+              <a:rPr lang="ko-KR" altLang="en-US" sz="1500" dirty="0" err="1"/>
+              <a:t>첫번재</a:t>
+            </a:r>
+            <a:r>
+              <a:rPr lang="ko-KR" altLang="en-US" sz="1500" dirty="0"/>
+              <a:t> </a:t>
+            </a:r>
+            <a:r>
+              <a:rPr lang="en-US" altLang="ko-KR" sz="1500" dirty="0"/>
+              <a:t>loop: </a:t>
+            </a:r>
+            <a:r>
+              <a:rPr lang="ko-KR" altLang="en-US" sz="1500" dirty="0"/>
+              <a:t>모든</a:t>
+            </a:r>
+            <a:r>
+              <a:rPr lang="en-US" altLang="ko-KR" sz="1500" dirty="0"/>
+              <a:t> comment</a:t>
+            </a:r>
+            <a:r>
+              <a:rPr lang="ko-KR" altLang="en-US" sz="1500" dirty="0"/>
+              <a:t>를 </a:t>
+            </a:r>
+            <a:r>
+              <a:rPr lang="en-US" altLang="ko-KR" sz="1500" dirty="0"/>
+              <a:t>loop</a:t>
+            </a:r>
+            <a:r>
+              <a:rPr lang="ko-KR" altLang="en-US" sz="1500" dirty="0"/>
+              <a:t>를 돌면서</a:t>
+            </a:r>
+            <a:r>
+              <a:rPr lang="en-US" altLang="ko-KR" sz="1500" dirty="0"/>
+              <a:t>, </a:t>
+            </a:r>
+            <a:r>
+              <a:rPr lang="en-US" altLang="ko-KR" sz="1500" dirty="0" err="1"/>
+              <a:t>commentId</a:t>
+            </a:r>
+            <a:r>
+              <a:rPr lang="ko-KR" altLang="en-US" sz="1500" dirty="0"/>
+              <a:t>를 </a:t>
+            </a:r>
+            <a:r>
+              <a:rPr lang="en-US" altLang="ko-KR" sz="1500" dirty="0"/>
+              <a:t>key</a:t>
+            </a:r>
+            <a:r>
+              <a:rPr lang="ko-KR" altLang="en-US" sz="1500" dirty="0"/>
+              <a:t>로 해서 </a:t>
+            </a:r>
+            <a:r>
+              <a:rPr lang="en-US" altLang="ko-KR" sz="1500" dirty="0"/>
+              <a:t>HashMap</a:t>
+            </a:r>
+            <a:r>
+              <a:rPr lang="ko-KR" altLang="en-US" sz="1500" dirty="0"/>
+              <a:t>에 채워주고</a:t>
+            </a:r>
+            <a:r>
+              <a:rPr lang="en-US" altLang="ko-KR" sz="1500" dirty="0"/>
+              <a:t>, </a:t>
+            </a:r>
+            <a:r>
+              <a:rPr lang="en-US" altLang="ko-KR" sz="1500" dirty="0" err="1"/>
+              <a:t>parentCommentId</a:t>
+            </a:r>
+            <a:r>
+              <a:rPr lang="ko-KR" altLang="en-US" sz="1500" dirty="0"/>
+              <a:t>가 없는 경우</a:t>
+            </a:r>
+            <a:r>
+              <a:rPr lang="en-US" altLang="ko-KR" sz="1500" dirty="0"/>
+              <a:t>, </a:t>
+            </a:r>
+            <a:r>
+              <a:rPr lang="en-US" altLang="ko-KR" sz="1500" dirty="0" err="1"/>
+              <a:t>rootComments</a:t>
+            </a:r>
+            <a:r>
+              <a:rPr lang="en-US" altLang="ko-KR" sz="1500" dirty="0"/>
+              <a:t> </a:t>
+            </a:r>
+            <a:r>
+              <a:rPr lang="en-US" altLang="ko-KR" sz="1500" dirty="0" err="1"/>
+              <a:t>ArrayList</a:t>
+            </a:r>
+            <a:r>
+              <a:rPr lang="ko-KR" altLang="en-US" sz="1500" dirty="0"/>
+              <a:t>에 해당 </a:t>
+            </a:r>
+            <a:r>
+              <a:rPr lang="en-US" altLang="ko-KR" sz="1500" dirty="0"/>
+              <a:t>comment</a:t>
+            </a:r>
+            <a:r>
+              <a:rPr lang="ko-KR" altLang="en-US" sz="1500" dirty="0"/>
+              <a:t> 객체를 넣어준다</a:t>
+            </a:r>
+            <a:r>
+              <a:rPr lang="en-US" altLang="ko-KR" sz="1500" dirty="0"/>
+              <a:t>.</a:t>
+            </a:r>
+          </a:p>
+          <a:p>
+            <a:r>
+              <a:rPr lang="ko-KR" altLang="en-US" sz="1500" dirty="0"/>
+              <a:t>두번째 </a:t>
+            </a:r>
+            <a:r>
+              <a:rPr lang="en-US" altLang="ko-KR" sz="1500" dirty="0"/>
+              <a:t>loop: </a:t>
+            </a:r>
+            <a:r>
+              <a:rPr lang="ko-KR" altLang="en-US" sz="1500" dirty="0"/>
+              <a:t>모든 </a:t>
+            </a:r>
+            <a:r>
+              <a:rPr lang="en-US" altLang="ko-KR" sz="1500" dirty="0"/>
+              <a:t>comment</a:t>
+            </a:r>
+            <a:r>
+              <a:rPr lang="ko-KR" altLang="en-US" sz="1500" dirty="0"/>
+              <a:t>를 </a:t>
+            </a:r>
+            <a:r>
+              <a:rPr lang="en-US" altLang="ko-KR" sz="1500" dirty="0"/>
+              <a:t>loop</a:t>
+            </a:r>
+            <a:r>
+              <a:rPr lang="ko-KR" altLang="en-US" sz="1500" dirty="0"/>
+              <a:t>를 돌면서</a:t>
+            </a:r>
+            <a:r>
+              <a:rPr lang="en-US" altLang="ko-KR" sz="1500" dirty="0"/>
+              <a:t>, </a:t>
+            </a:r>
+            <a:r>
+              <a:rPr lang="ko-KR" altLang="en-US" sz="1500" dirty="0"/>
+              <a:t>처음에 </a:t>
+            </a:r>
+            <a:r>
+              <a:rPr lang="en-US" altLang="ko-KR" sz="1500" dirty="0" err="1"/>
+              <a:t>ParentCommentId</a:t>
+            </a:r>
+            <a:r>
+              <a:rPr lang="ko-KR" altLang="en-US" sz="1500" dirty="0"/>
+              <a:t> 프로퍼티 값이 </a:t>
+            </a:r>
+            <a:r>
+              <a:rPr lang="en-US" altLang="ko-KR" sz="1500" dirty="0"/>
+              <a:t>null</a:t>
+            </a:r>
+            <a:r>
+              <a:rPr lang="ko-KR" altLang="en-US" sz="1500" dirty="0"/>
+              <a:t>이 아닌지 확인한다</a:t>
+            </a:r>
+            <a:r>
+              <a:rPr lang="en-US" altLang="ko-KR" sz="1500" dirty="0"/>
+              <a:t>. </a:t>
+            </a:r>
+            <a:r>
+              <a:rPr lang="ko-KR" altLang="en-US" sz="1500" dirty="0"/>
+              <a:t>값이 있으면</a:t>
+            </a:r>
+            <a:r>
+              <a:rPr lang="en-US" altLang="ko-KR" sz="1500" dirty="0"/>
+              <a:t>, </a:t>
+            </a:r>
+            <a:r>
+              <a:rPr lang="en-US" altLang="ko-KR" sz="1500" dirty="0" err="1"/>
+              <a:t>parentComment</a:t>
+            </a:r>
+            <a:r>
+              <a:rPr lang="en-US" altLang="ko-KR" sz="1500" dirty="0"/>
+              <a:t> </a:t>
+            </a:r>
+            <a:r>
+              <a:rPr lang="ko-KR" altLang="en-US" sz="1500" dirty="0"/>
+              <a:t>참조변수로 해당 </a:t>
+            </a:r>
+            <a:r>
+              <a:rPr lang="en-US" altLang="ko-KR" sz="1500" dirty="0"/>
+              <a:t>comment</a:t>
+            </a:r>
+            <a:r>
+              <a:rPr lang="ko-KR" altLang="en-US" sz="1500" dirty="0"/>
+              <a:t>의 </a:t>
+            </a:r>
+            <a:r>
+              <a:rPr lang="en-US" altLang="ko-KR" sz="1500" dirty="0" err="1"/>
+              <a:t>parentComment</a:t>
+            </a:r>
+            <a:r>
+              <a:rPr lang="ko-KR" altLang="en-US" sz="1500" dirty="0"/>
+              <a:t>를 가리킨다</a:t>
+            </a:r>
+            <a:r>
+              <a:rPr lang="en-US" altLang="ko-KR" sz="1500" dirty="0"/>
+              <a:t>. </a:t>
+            </a:r>
+            <a:r>
+              <a:rPr lang="ko-KR" altLang="en-US" sz="1500" dirty="0"/>
+              <a:t>그 다음</a:t>
+            </a:r>
+            <a:r>
+              <a:rPr lang="en-US" altLang="ko-KR" sz="1500" dirty="0"/>
+              <a:t>, </a:t>
+            </a:r>
+            <a:r>
+              <a:rPr lang="en-US" altLang="ko-KR" sz="1500" dirty="0" err="1"/>
+              <a:t>parentComment</a:t>
+            </a:r>
+            <a:r>
+              <a:rPr lang="ko-KR" altLang="en-US" sz="1500" dirty="0"/>
+              <a:t>가 </a:t>
+            </a:r>
+            <a:r>
+              <a:rPr lang="en-US" altLang="ko-KR" sz="1500" dirty="0"/>
+              <a:t>null</a:t>
+            </a:r>
+            <a:r>
+              <a:rPr lang="ko-KR" altLang="en-US" sz="1500" dirty="0"/>
+              <a:t>이 아니고</a:t>
+            </a:r>
+            <a:r>
+              <a:rPr lang="en-US" altLang="ko-KR" sz="1500" dirty="0"/>
+              <a:t>, </a:t>
+            </a:r>
+            <a:r>
+              <a:rPr lang="en-US" altLang="ko-KR" sz="1500" dirty="0" err="1"/>
+              <a:t>parentComment</a:t>
+            </a:r>
+            <a:r>
+              <a:rPr lang="ko-KR" altLang="en-US" sz="1500" dirty="0"/>
+              <a:t>가 </a:t>
+            </a:r>
+            <a:r>
+              <a:rPr lang="en-US" altLang="ko-KR" sz="1500" dirty="0" err="1"/>
+              <a:t>childComment</a:t>
+            </a:r>
+            <a:r>
+              <a:rPr lang="en-US" altLang="ko-KR" sz="1500" dirty="0"/>
+              <a:t>(list&lt;comment&gt;)</a:t>
+            </a:r>
+            <a:r>
+              <a:rPr lang="ko-KR" altLang="en-US" sz="1500" dirty="0"/>
+              <a:t>를 가지고 있지 않으면</a:t>
+            </a:r>
+            <a:r>
+              <a:rPr lang="en-US" altLang="ko-KR" sz="1500" dirty="0"/>
+              <a:t>, </a:t>
+            </a:r>
+            <a:r>
+              <a:rPr lang="ko-KR" altLang="en-US" sz="1500" dirty="0"/>
+              <a:t>새로운 </a:t>
+            </a:r>
+            <a:r>
+              <a:rPr lang="en-US" altLang="ko-KR" sz="1500" dirty="0" err="1"/>
+              <a:t>ArrayList</a:t>
+            </a:r>
+            <a:r>
+              <a:rPr lang="ko-KR" altLang="en-US" sz="1500" dirty="0"/>
+              <a:t>를 생성해서</a:t>
+            </a:r>
+            <a:r>
+              <a:rPr lang="en-US" altLang="ko-KR" sz="1500" dirty="0"/>
+              <a:t>, </a:t>
+            </a:r>
+            <a:r>
+              <a:rPr lang="en-US" altLang="ko-KR" sz="1500" dirty="0" err="1"/>
+              <a:t>parentComment</a:t>
+            </a:r>
+            <a:r>
+              <a:rPr lang="ko-KR" altLang="en-US" sz="1500" dirty="0"/>
+              <a:t>의 프로퍼티인 </a:t>
+            </a:r>
+            <a:r>
+              <a:rPr lang="en-US" altLang="ko-KR" sz="1500" dirty="0" err="1"/>
+              <a:t>childComments</a:t>
+            </a:r>
+            <a:r>
+              <a:rPr lang="ko-KR" altLang="en-US" sz="1500" dirty="0"/>
+              <a:t>를 </a:t>
+            </a:r>
+            <a:r>
+              <a:rPr lang="en-US" altLang="ko-KR" sz="1500" dirty="0"/>
+              <a:t>set</a:t>
+            </a:r>
+            <a:r>
+              <a:rPr lang="ko-KR" altLang="en-US" sz="1500" dirty="0"/>
+              <a:t>한다</a:t>
+            </a:r>
+            <a:r>
+              <a:rPr lang="en-US" altLang="ko-KR" sz="1500" dirty="0"/>
+              <a:t>. </a:t>
+            </a:r>
+            <a:r>
+              <a:rPr lang="ko-KR" altLang="en-US" sz="1500" dirty="0"/>
+              <a:t>그리고</a:t>
+            </a:r>
+            <a:r>
+              <a:rPr lang="en-US" altLang="ko-KR" sz="1500" dirty="0"/>
+              <a:t>, </a:t>
+            </a:r>
+            <a:r>
+              <a:rPr lang="en-US" altLang="ko-KR" sz="1500" dirty="0" err="1"/>
+              <a:t>parentComment</a:t>
+            </a:r>
+            <a:r>
+              <a:rPr lang="ko-KR" altLang="en-US" sz="1500" dirty="0"/>
+              <a:t>의 </a:t>
+            </a:r>
+            <a:r>
+              <a:rPr lang="en-US" altLang="ko-KR" sz="1500" dirty="0" err="1"/>
+              <a:t>childComments</a:t>
+            </a:r>
+            <a:r>
+              <a:rPr lang="en-US" altLang="ko-KR" sz="1500" dirty="0"/>
+              <a:t> </a:t>
+            </a:r>
+            <a:r>
+              <a:rPr lang="ko-KR" altLang="en-US" sz="1500" dirty="0"/>
+              <a:t>프로퍼티를 </a:t>
+            </a:r>
+            <a:r>
+              <a:rPr lang="en-US" altLang="ko-KR" sz="1500" dirty="0"/>
+              <a:t>get</a:t>
+            </a:r>
+            <a:r>
+              <a:rPr lang="ko-KR" altLang="en-US" sz="1500" dirty="0"/>
+              <a:t>해서</a:t>
+            </a:r>
+            <a:r>
+              <a:rPr lang="en-US" altLang="ko-KR" sz="1500" dirty="0"/>
+              <a:t>, </a:t>
+            </a:r>
+            <a:r>
+              <a:rPr lang="ko-KR" altLang="en-US" sz="1500" dirty="0"/>
+              <a:t>해당 </a:t>
+            </a:r>
+            <a:r>
+              <a:rPr lang="en-US" altLang="ko-KR" sz="1500" dirty="0" err="1"/>
+              <a:t>ArrayList</a:t>
+            </a:r>
+            <a:r>
+              <a:rPr lang="ko-KR" altLang="en-US" sz="1500" dirty="0"/>
+              <a:t>에 해당 </a:t>
+            </a:r>
+            <a:r>
+              <a:rPr lang="en-US" altLang="ko-KR" sz="1500" dirty="0"/>
+              <a:t>loop</a:t>
+            </a:r>
+            <a:r>
+              <a:rPr lang="ko-KR" altLang="en-US" sz="1500" dirty="0"/>
+              <a:t>의 </a:t>
+            </a:r>
+            <a:r>
+              <a:rPr lang="en-US" altLang="ko-KR" sz="1500" dirty="0"/>
+              <a:t>comment</a:t>
+            </a:r>
+            <a:r>
+              <a:rPr lang="ko-KR" altLang="en-US" sz="1500" dirty="0"/>
+              <a:t>를 추가한다</a:t>
+            </a:r>
+            <a:r>
+              <a:rPr lang="en-US" altLang="ko-KR" sz="1500" dirty="0"/>
+              <a:t>.</a:t>
+            </a:r>
+          </a:p>
+          <a:p>
+            <a:r>
+              <a:rPr lang="ko-KR" altLang="en-US" sz="1500" dirty="0"/>
+              <a:t>이 과정을 통해</a:t>
+            </a:r>
+            <a:r>
+              <a:rPr lang="en-US" altLang="ko-KR" sz="1500" dirty="0"/>
+              <a:t>, parent child </a:t>
+            </a:r>
+            <a:r>
+              <a:rPr lang="ko-KR" altLang="en-US" sz="1500" dirty="0"/>
+              <a:t>관계의 </a:t>
+            </a:r>
+            <a:r>
+              <a:rPr lang="en-US" altLang="ko-KR" sz="1500" dirty="0"/>
+              <a:t>comment</a:t>
+            </a:r>
+            <a:r>
+              <a:rPr lang="ko-KR" altLang="en-US" sz="1500" dirty="0"/>
+              <a:t>들의 계층 구조를 만든 뒤</a:t>
+            </a:r>
+            <a:r>
+              <a:rPr lang="en-US" altLang="ko-KR" sz="1500" dirty="0"/>
+              <a:t>, </a:t>
+            </a:r>
+            <a:r>
+              <a:rPr lang="en-US" altLang="ko-KR" sz="1500" dirty="0" err="1"/>
+              <a:t>parentCommentId</a:t>
+            </a:r>
+            <a:r>
+              <a:rPr lang="ko-KR" altLang="en-US" sz="1500" dirty="0"/>
+              <a:t>가 없는 제일 기반이 되는 </a:t>
+            </a:r>
+            <a:r>
+              <a:rPr lang="en-US" altLang="ko-KR" sz="1500" dirty="0"/>
+              <a:t>comment</a:t>
+            </a:r>
+            <a:r>
+              <a:rPr lang="ko-KR" altLang="en-US" sz="1500" dirty="0"/>
+              <a:t>의 </a:t>
+            </a:r>
+            <a:r>
+              <a:rPr lang="en-US" altLang="ko-KR" sz="1500" dirty="0"/>
+              <a:t>List(</a:t>
+            </a:r>
+            <a:r>
+              <a:rPr lang="en-US" altLang="ko-KR" sz="1500" dirty="0" err="1"/>
+              <a:t>rootComments</a:t>
+            </a:r>
+            <a:r>
+              <a:rPr lang="en-US" altLang="ko-KR" sz="1500" dirty="0"/>
+              <a:t>)</a:t>
+            </a:r>
+            <a:r>
+              <a:rPr lang="ko-KR" altLang="en-US" sz="1500" dirty="0"/>
+              <a:t>를 반환한다</a:t>
+            </a:r>
+            <a:r>
+              <a:rPr lang="en-US" altLang="ko-KR" sz="1500" dirty="0"/>
+              <a:t>.</a:t>
+            </a:r>
+            <a:endParaRPr lang="ko-KR" altLang="en-US" sz="1500" dirty="0"/>
+          </a:p>
+        </p:txBody>
+      </p:sp>
+      <p:pic>
+        <p:nvPicPr>
+          <p:cNvPr id="7" name="그림 6">
+            <a:extLst>
+              <a:ext uri="{FF2B5EF4-FFF2-40B4-BE49-F238E27FC236}">
+                <a16:creationId xmlns:a16="http://schemas.microsoft.com/office/drawing/2014/main" id="{0F2F8A36-BC1D-3FC9-B43D-4299DA76BD57}"/>
+              </a:ext>
+            </a:extLst>
+          </p:cNvPr>
+          <p:cNvPicPr>
+            <a:picLocks noChangeAspect="1"/>
+          </p:cNvPicPr>
+          <p:nvPr/>
+        </p:nvPicPr>
+        <p:blipFill>
+          <a:blip r:embed="rId2"/>
+          <a:stretch>
+            <a:fillRect/>
+          </a:stretch>
+        </p:blipFill>
+        <p:spPr>
+          <a:xfrm>
+            <a:off x="261447" y="1864689"/>
+            <a:ext cx="5073978" cy="3659811"/>
+          </a:xfrm>
+          <a:prstGeom prst="rect">
+            <a:avLst/>
+          </a:prstGeom>
+        </p:spPr>
+      </p:pic>
+    </p:spTree>
+    <p:extLst>
+      <p:ext uri="{BB962C8B-B14F-4D97-AF65-F5344CB8AC3E}">
+        <p14:creationId xmlns:p14="http://schemas.microsoft.com/office/powerpoint/2010/main" val="3569301987"/>
+      </p:ext>
+    </p:extLst>
+  </p:cSld>
+  <p:clrMapOvr>
+    <a:masterClrMapping/>
+  </p:clrMapOvr>
+</p:sld>
+</file>
+
+<file path=ppt/slides/slide8.xml><?xml version="1.0" encoding="utf-8"?>
 <p:sld xmlns:a="http://schemas.openxmlformats.org/drawingml/2006/main" xmlns:r="http://schemas.openxmlformats.org/officeDocument/2006/relationships" xmlns:p="http://schemas.openxmlformats.org/presentationml/2006/main">
   <p:cSld>
     <p:spTree>
@@ -8387,7 +10357,7 @@
 </p:sld>
 </file>
 
-<file path=ppt/slides/slide8.xml><?xml version="1.0" encoding="utf-8"?>
+<file path=ppt/slides/slide9.xml><?xml version="1.0" encoding="utf-8"?>
 <p:sld xmlns:a="http://schemas.openxmlformats.org/drawingml/2006/main" xmlns:r="http://schemas.openxmlformats.org/officeDocument/2006/relationships" xmlns:p="http://schemas.openxmlformats.org/presentationml/2006/main">
   <p:cSld>
     <p:spTree>
@@ -8733,431 +10703,6 @@
     <p:extLst>
       <p:ext uri="{BB962C8B-B14F-4D97-AF65-F5344CB8AC3E}">
         <p14:creationId xmlns:p14="http://schemas.microsoft.com/office/powerpoint/2010/main" val="3384401235"/>
-      </p:ext>
-    </p:extLst>
-  </p:cSld>
-  <p:clrMapOvr>
-    <a:masterClrMapping/>
-  </p:clrMapOvr>
-</p:sld>
-</file>
-
-<file path=ppt/slides/slide9.xml><?xml version="1.0" encoding="utf-8"?>
-<p:sld xmlns:a="http://schemas.openxmlformats.org/drawingml/2006/main" xmlns:r="http://schemas.openxmlformats.org/officeDocument/2006/relationships" xmlns:p="http://schemas.openxmlformats.org/presentationml/2006/main">
-  <p:cSld>
-    <p:spTree>
-      <p:nvGrpSpPr>
-        <p:cNvPr id="1" name=""/>
-        <p:cNvGrpSpPr/>
-        <p:nvPr/>
-      </p:nvGrpSpPr>
-      <p:grpSpPr>
-        <a:xfrm>
-          <a:off x="0" y="0"/>
-          <a:ext cx="0" cy="0"/>
-          <a:chOff x="0" y="0"/>
-          <a:chExt cx="0" cy="0"/>
-        </a:xfrm>
-      </p:grpSpPr>
-      <p:sp>
-        <p:nvSpPr>
-          <p:cNvPr id="2" name="제목 1">
-            <a:extLst>
-              <a:ext uri="{FF2B5EF4-FFF2-40B4-BE49-F238E27FC236}">
-                <a16:creationId xmlns:a16="http://schemas.microsoft.com/office/drawing/2014/main" id="{C7A70ABB-1CBE-FBBF-E74C-E3DBD3EE4EB6}"/>
-              </a:ext>
-            </a:extLst>
-          </p:cNvPr>
-          <p:cNvSpPr>
-            <a:spLocks noGrp="1"/>
-          </p:cNvSpPr>
-          <p:nvPr>
-            <p:ph type="title"/>
-          </p:nvPr>
-        </p:nvSpPr>
-        <p:spPr/>
-        <p:txBody>
-          <a:bodyPr/>
-          <a:lstStyle/>
-          <a:p>
-            <a:r>
-              <a:rPr lang="en-US" altLang="ko-KR" sz="3000" dirty="0"/>
-              <a:t>Controller</a:t>
-            </a:r>
-            <a:r>
-              <a:rPr lang="en-US" altLang="ko-KR" sz="2000" dirty="0"/>
-              <a:t>(</a:t>
-            </a:r>
-            <a:r>
-              <a:rPr lang="en-US" altLang="ko-KR" sz="2000" dirty="0" err="1"/>
-              <a:t>UserController</a:t>
-            </a:r>
-            <a:r>
-              <a:rPr lang="en-US" altLang="ko-KR" sz="2000" dirty="0"/>
-              <a:t>)</a:t>
-            </a:r>
-            <a:endParaRPr lang="ko-KR" altLang="en-US" sz="2000" dirty="0"/>
-          </a:p>
-        </p:txBody>
-      </p:sp>
-      <p:sp>
-        <p:nvSpPr>
-          <p:cNvPr id="3" name="내용 개체 틀 2">
-            <a:extLst>
-              <a:ext uri="{FF2B5EF4-FFF2-40B4-BE49-F238E27FC236}">
-                <a16:creationId xmlns:a16="http://schemas.microsoft.com/office/drawing/2014/main" id="{DEA9CDA8-0219-529B-A333-4B9479A92801}"/>
-              </a:ext>
-            </a:extLst>
-          </p:cNvPr>
-          <p:cNvSpPr>
-            <a:spLocks noGrp="1"/>
-          </p:cNvSpPr>
-          <p:nvPr>
-            <p:ph idx="1"/>
-          </p:nvPr>
-        </p:nvSpPr>
-        <p:spPr>
-          <a:xfrm>
-            <a:off x="838200" y="3525625"/>
-            <a:ext cx="10515600" cy="2651338"/>
-          </a:xfrm>
-        </p:spPr>
-        <p:txBody>
-          <a:bodyPr>
-            <a:normAutofit/>
-          </a:bodyPr>
-          <a:lstStyle/>
-          <a:p>
-            <a:r>
-              <a:rPr lang="en-US" altLang="ko-KR" sz="2000" dirty="0" err="1"/>
-              <a:t>PostMapping</a:t>
-            </a:r>
-            <a:endParaRPr lang="en-US" altLang="ko-KR" sz="2000" dirty="0"/>
-          </a:p>
-          <a:p>
-            <a:pPr marL="0" indent="0">
-              <a:buNone/>
-            </a:pPr>
-            <a:r>
-              <a:rPr lang="en-US" altLang="ko-KR" sz="1500" dirty="0" err="1"/>
-              <a:t>changePassword.jsp</a:t>
-            </a:r>
-            <a:r>
-              <a:rPr lang="ko-KR" altLang="en-US" sz="1500" dirty="0"/>
-              <a:t> 화면에서 사용자의 </a:t>
-            </a:r>
-            <a:r>
-              <a:rPr lang="en-US" altLang="ko-KR" sz="1500" dirty="0"/>
-              <a:t>Post </a:t>
-            </a:r>
-            <a:r>
-              <a:rPr lang="ko-KR" altLang="en-US" sz="1500" dirty="0"/>
-              <a:t>요청을 </a:t>
-            </a:r>
-            <a:r>
-              <a:rPr lang="en-US" altLang="ko-KR" sz="1500" dirty="0" err="1"/>
-              <a:t>changePassword</a:t>
-            </a:r>
-            <a:r>
-              <a:rPr lang="en-US" altLang="ko-KR" sz="1500" dirty="0"/>
-              <a:t> </a:t>
-            </a:r>
-            <a:r>
-              <a:rPr lang="ko-KR" altLang="en-US" sz="1500" dirty="0"/>
-              <a:t>메소드로 </a:t>
-            </a:r>
-            <a:r>
-              <a:rPr lang="ko-KR" altLang="en-US" sz="1500" dirty="0" err="1"/>
-              <a:t>매핑시킨다</a:t>
-            </a:r>
-            <a:r>
-              <a:rPr lang="en-US" altLang="ko-KR" sz="1500" dirty="0"/>
-              <a:t>.</a:t>
-            </a:r>
-          </a:p>
-          <a:p>
-            <a:pPr marL="0" indent="0">
-              <a:buNone/>
-            </a:pPr>
-            <a:r>
-              <a:rPr lang="en-US" altLang="ko-KR" sz="1500" dirty="0"/>
-              <a:t>@RequestParam: Request Body</a:t>
-            </a:r>
-            <a:r>
-              <a:rPr lang="ko-KR" altLang="en-US" sz="1500" dirty="0"/>
-              <a:t>에 있는 데이터를 </a:t>
-            </a:r>
-            <a:r>
-              <a:rPr lang="en-US" altLang="ko-KR" sz="1500" dirty="0"/>
-              <a:t>key</a:t>
-            </a:r>
-            <a:r>
-              <a:rPr lang="ko-KR" altLang="en-US" sz="1500" dirty="0"/>
-              <a:t>값을 통해서 받아들인다</a:t>
-            </a:r>
-            <a:r>
-              <a:rPr lang="en-US" altLang="ko-KR" sz="1500" dirty="0"/>
-              <a:t>.</a:t>
-            </a:r>
-            <a:endParaRPr lang="en-US" altLang="ko-KR" sz="2000" dirty="0"/>
-          </a:p>
-          <a:p>
-            <a:pPr marL="0" indent="0">
-              <a:buNone/>
-            </a:pPr>
-            <a:r>
-              <a:rPr lang="en-US" altLang="ko-KR" sz="1500" dirty="0" err="1"/>
-              <a:t>userService</a:t>
-            </a:r>
-            <a:r>
-              <a:rPr lang="ko-KR" altLang="en-US" sz="1500" dirty="0"/>
-              <a:t>의 </a:t>
-            </a:r>
-            <a:r>
-              <a:rPr lang="en-US" altLang="ko-KR" sz="1500" dirty="0" err="1"/>
-              <a:t>changePassword</a:t>
-            </a:r>
-            <a:r>
-              <a:rPr lang="ko-KR" altLang="en-US" sz="1500" dirty="0"/>
-              <a:t>메소드를 수행하고</a:t>
-            </a:r>
-            <a:r>
-              <a:rPr lang="en-US" altLang="ko-KR" sz="1500" dirty="0"/>
-              <a:t>, </a:t>
-            </a:r>
-            <a:r>
-              <a:rPr lang="en-US" altLang="ko-KR" sz="1500" dirty="0" err="1"/>
-              <a:t>boolean</a:t>
-            </a:r>
-            <a:r>
-              <a:rPr lang="en-US" altLang="ko-KR" sz="1500" dirty="0"/>
-              <a:t> </a:t>
-            </a:r>
-            <a:r>
-              <a:rPr lang="ko-KR" altLang="en-US" sz="1500" dirty="0"/>
-              <a:t>형태의 </a:t>
-            </a:r>
-            <a:r>
-              <a:rPr lang="en-US" altLang="ko-KR" sz="1500" dirty="0"/>
-              <a:t>return</a:t>
-            </a:r>
-            <a:r>
-              <a:rPr lang="ko-KR" altLang="en-US" sz="1500" dirty="0"/>
-              <a:t>값을 </a:t>
-            </a:r>
-            <a:r>
-              <a:rPr lang="en-US" altLang="ko-KR" sz="1500" dirty="0"/>
-              <a:t>changed</a:t>
-            </a:r>
-            <a:r>
-              <a:rPr lang="ko-KR" altLang="en-US" sz="1500" dirty="0"/>
-              <a:t>에 저장한다</a:t>
-            </a:r>
-            <a:r>
-              <a:rPr lang="en-US" altLang="ko-KR" sz="1500" dirty="0"/>
-              <a:t>.</a:t>
-            </a:r>
-          </a:p>
-          <a:p>
-            <a:pPr marL="0" indent="0">
-              <a:buNone/>
-            </a:pPr>
-            <a:r>
-              <a:rPr lang="ko-KR" altLang="en-US" sz="1500" dirty="0"/>
-              <a:t>만약</a:t>
-            </a:r>
-            <a:r>
-              <a:rPr lang="en-US" altLang="ko-KR" sz="1500" dirty="0"/>
-              <a:t>, Password</a:t>
-            </a:r>
-            <a:r>
-              <a:rPr lang="ko-KR" altLang="en-US" sz="1500" dirty="0"/>
-              <a:t>가 </a:t>
-            </a:r>
-            <a:r>
-              <a:rPr lang="ko-KR" altLang="en-US" sz="1500" dirty="0" err="1"/>
-              <a:t>변경됬으면</a:t>
-            </a:r>
-            <a:r>
-              <a:rPr lang="en-US" altLang="ko-KR" sz="1500" dirty="0"/>
-              <a:t>, user/login </a:t>
-            </a:r>
-            <a:r>
-              <a:rPr lang="en-US" altLang="ko-KR" sz="1500" dirty="0" err="1"/>
-              <a:t>url</a:t>
-            </a:r>
-            <a:r>
-              <a:rPr lang="ko-KR" altLang="en-US" sz="1500" dirty="0"/>
-              <a:t>로 </a:t>
-            </a:r>
-            <a:r>
-              <a:rPr lang="en-US" altLang="ko-KR" sz="1500" dirty="0"/>
-              <a:t>get </a:t>
-            </a:r>
-            <a:r>
-              <a:rPr lang="ko-KR" altLang="en-US" sz="1500" dirty="0"/>
-              <a:t>요청을 보낸다</a:t>
-            </a:r>
-            <a:r>
-              <a:rPr lang="en-US" altLang="ko-KR" sz="1500" dirty="0"/>
-              <a:t>. </a:t>
-            </a:r>
-            <a:r>
-              <a:rPr lang="ko-KR" altLang="en-US" sz="1500" dirty="0"/>
-              <a:t>그러면 앞에서 본 </a:t>
-            </a:r>
-            <a:r>
-              <a:rPr lang="en-US" altLang="ko-KR" sz="1500" dirty="0" err="1"/>
-              <a:t>url</a:t>
-            </a:r>
-            <a:r>
-              <a:rPr lang="ko-KR" altLang="en-US" sz="1500" dirty="0"/>
-              <a:t>에 </a:t>
-            </a:r>
-            <a:r>
-              <a:rPr lang="ko-KR" altLang="en-US" sz="1500" dirty="0" err="1"/>
-              <a:t>매핑된</a:t>
-            </a:r>
-            <a:r>
-              <a:rPr lang="ko-KR" altLang="en-US" sz="1500" dirty="0"/>
-              <a:t> 메소드가 실행되고</a:t>
-            </a:r>
-            <a:r>
-              <a:rPr lang="en-US" altLang="ko-KR" sz="1500" dirty="0"/>
-              <a:t>, </a:t>
-            </a:r>
-            <a:r>
-              <a:rPr lang="en-US" altLang="ko-KR" sz="1500" dirty="0" err="1"/>
-              <a:t>login.jsp</a:t>
-            </a:r>
-            <a:r>
-              <a:rPr lang="ko-KR" altLang="en-US" sz="1500" dirty="0"/>
-              <a:t>가 사용자에게 보여지게 된다</a:t>
-            </a:r>
-            <a:r>
-              <a:rPr lang="en-US" altLang="ko-KR" sz="1500" dirty="0"/>
-              <a:t>.</a:t>
-            </a:r>
-          </a:p>
-          <a:p>
-            <a:pPr marL="0" indent="0">
-              <a:buNone/>
-            </a:pPr>
-            <a:r>
-              <a:rPr lang="en-US" altLang="ko-KR" sz="1500" dirty="0"/>
-              <a:t>Model: </a:t>
-            </a:r>
-            <a:r>
-              <a:rPr lang="ko-KR" altLang="en-US" sz="1500" dirty="0"/>
-              <a:t>모델은 데이터를 </a:t>
-            </a:r>
-            <a:r>
-              <a:rPr lang="en-US" altLang="ko-KR" sz="1500" dirty="0"/>
-              <a:t>view</a:t>
-            </a:r>
-            <a:r>
-              <a:rPr lang="ko-KR" altLang="en-US" sz="1500" dirty="0"/>
-              <a:t>로 보내는 것을 허용한다</a:t>
-            </a:r>
-            <a:r>
-              <a:rPr lang="en-US" altLang="ko-KR" sz="1500" dirty="0"/>
-              <a:t>. (</a:t>
-            </a:r>
-            <a:r>
-              <a:rPr lang="ko-KR" altLang="en-US" sz="1500" dirty="0"/>
-              <a:t>여기서는 </a:t>
-            </a:r>
-            <a:r>
-              <a:rPr lang="en-US" altLang="ko-KR" sz="1500" dirty="0"/>
-              <a:t>model</a:t>
-            </a:r>
-            <a:r>
-              <a:rPr lang="ko-KR" altLang="en-US" sz="1500" dirty="0"/>
-              <a:t>에 </a:t>
-            </a:r>
-            <a:r>
-              <a:rPr lang="en-US" altLang="ko-KR" sz="1500" dirty="0"/>
-              <a:t>key “error”, value “</a:t>
-            </a:r>
-            <a:r>
-              <a:rPr lang="ko-KR" altLang="en-US" sz="1500" dirty="0"/>
-              <a:t>패스워드를 바꾸는데 실패했습니다</a:t>
-            </a:r>
-            <a:r>
-              <a:rPr lang="en-US" altLang="ko-KR" sz="1500" dirty="0"/>
-              <a:t>.”</a:t>
-            </a:r>
-            <a:r>
-              <a:rPr lang="ko-KR" altLang="en-US" sz="1500" dirty="0"/>
-              <a:t>를 등록하고 이 데이터를 </a:t>
-            </a:r>
-            <a:r>
-              <a:rPr lang="en-US" altLang="ko-KR" sz="1500" dirty="0" err="1"/>
-              <a:t>changePassword.jsp</a:t>
-            </a:r>
-            <a:r>
-              <a:rPr lang="ko-KR" altLang="en-US" sz="1500" dirty="0"/>
-              <a:t>로 보낸다</a:t>
-            </a:r>
-            <a:r>
-              <a:rPr lang="en-US" altLang="ko-KR" sz="1500" dirty="0"/>
-              <a:t>.)</a:t>
-            </a:r>
-          </a:p>
-          <a:p>
-            <a:pPr marL="0" indent="0">
-              <a:buNone/>
-            </a:pPr>
-            <a:endParaRPr lang="en-US" altLang="ko-KR" sz="1500" dirty="0"/>
-          </a:p>
-          <a:p>
-            <a:pPr marL="0" indent="0">
-              <a:buNone/>
-            </a:pPr>
-            <a:endParaRPr lang="en-US" altLang="ko-KR" sz="1500" dirty="0"/>
-          </a:p>
-          <a:p>
-            <a:pPr marL="0" indent="0">
-              <a:buNone/>
-            </a:pPr>
-            <a:endParaRPr lang="en-US" altLang="ko-KR" sz="1500" dirty="0"/>
-          </a:p>
-        </p:txBody>
-      </p:sp>
-      <p:pic>
-        <p:nvPicPr>
-          <p:cNvPr id="9" name="그림 8">
-            <a:extLst>
-              <a:ext uri="{FF2B5EF4-FFF2-40B4-BE49-F238E27FC236}">
-                <a16:creationId xmlns:a16="http://schemas.microsoft.com/office/drawing/2014/main" id="{E2FCED0D-B818-8784-48B7-BA465D42A6FB}"/>
-              </a:ext>
-            </a:extLst>
-          </p:cNvPr>
-          <p:cNvPicPr>
-            <a:picLocks noChangeAspect="1"/>
-          </p:cNvPicPr>
-          <p:nvPr/>
-        </p:nvPicPr>
-        <p:blipFill>
-          <a:blip r:embed="rId2"/>
-          <a:stretch>
-            <a:fillRect/>
-          </a:stretch>
-        </p:blipFill>
-        <p:spPr>
-          <a:xfrm>
-            <a:off x="668518" y="1258675"/>
-            <a:ext cx="8029575" cy="2266950"/>
-          </a:xfrm>
-          <a:prstGeom prst="rect">
-            <a:avLst/>
-          </a:prstGeom>
-        </p:spPr>
-      </p:pic>
-    </p:spTree>
-    <p:extLst>
-      <p:ext uri="{BB962C8B-B14F-4D97-AF65-F5344CB8AC3E}">
-        <p14:creationId xmlns:p14="http://schemas.microsoft.com/office/powerpoint/2010/main" val="2502994158"/>
       </p:ext>
     </p:extLst>
   </p:cSld>
